--- a/nodejs-learnings/nodejs_learnings.pptx
+++ b/nodejs-learnings/nodejs_learnings.pptx
@@ -5,10 +5,10 @@
     <p:sldMasterId id="2147483648" r:id="rId4"/>
   </p:sldMasterIdLst>
   <p:notesMasterIdLst>
-    <p:notesMasterId r:id="rId39"/>
+    <p:notesMasterId r:id="rId40"/>
   </p:notesMasterIdLst>
   <p:handoutMasterIdLst>
-    <p:handoutMasterId r:id="rId40"/>
+    <p:handoutMasterId r:id="rId41"/>
   </p:handoutMasterIdLst>
   <p:sldIdLst>
     <p:sldId id="256" r:id="rId5"/>
@@ -19,32 +19,33 @@
     <p:sldId id="272" r:id="rId10"/>
     <p:sldId id="262" r:id="rId11"/>
     <p:sldId id="276" r:id="rId12"/>
-    <p:sldId id="278" r:id="rId13"/>
-    <p:sldId id="279" r:id="rId14"/>
-    <p:sldId id="280" r:id="rId15"/>
-    <p:sldId id="282" r:id="rId16"/>
-    <p:sldId id="284" r:id="rId17"/>
-    <p:sldId id="285" r:id="rId18"/>
-    <p:sldId id="286" r:id="rId19"/>
-    <p:sldId id="287" r:id="rId20"/>
-    <p:sldId id="288" r:id="rId21"/>
-    <p:sldId id="289" r:id="rId22"/>
-    <p:sldId id="290" r:id="rId23"/>
-    <p:sldId id="291" r:id="rId24"/>
-    <p:sldId id="292" r:id="rId25"/>
-    <p:sldId id="293" r:id="rId26"/>
-    <p:sldId id="294" r:id="rId27"/>
-    <p:sldId id="295" r:id="rId28"/>
-    <p:sldId id="296" r:id="rId29"/>
-    <p:sldId id="297" r:id="rId30"/>
-    <p:sldId id="298" r:id="rId31"/>
-    <p:sldId id="299" r:id="rId32"/>
-    <p:sldId id="300" r:id="rId33"/>
-    <p:sldId id="301" r:id="rId34"/>
-    <p:sldId id="302" r:id="rId35"/>
-    <p:sldId id="303" r:id="rId36"/>
-    <p:sldId id="260" r:id="rId37"/>
-    <p:sldId id="266" r:id="rId38"/>
+    <p:sldId id="304" r:id="rId13"/>
+    <p:sldId id="278" r:id="rId14"/>
+    <p:sldId id="279" r:id="rId15"/>
+    <p:sldId id="280" r:id="rId16"/>
+    <p:sldId id="282" r:id="rId17"/>
+    <p:sldId id="284" r:id="rId18"/>
+    <p:sldId id="285" r:id="rId19"/>
+    <p:sldId id="286" r:id="rId20"/>
+    <p:sldId id="287" r:id="rId21"/>
+    <p:sldId id="288" r:id="rId22"/>
+    <p:sldId id="289" r:id="rId23"/>
+    <p:sldId id="290" r:id="rId24"/>
+    <p:sldId id="291" r:id="rId25"/>
+    <p:sldId id="292" r:id="rId26"/>
+    <p:sldId id="293" r:id="rId27"/>
+    <p:sldId id="294" r:id="rId28"/>
+    <p:sldId id="295" r:id="rId29"/>
+    <p:sldId id="296" r:id="rId30"/>
+    <p:sldId id="297" r:id="rId31"/>
+    <p:sldId id="298" r:id="rId32"/>
+    <p:sldId id="299" r:id="rId33"/>
+    <p:sldId id="300" r:id="rId34"/>
+    <p:sldId id="301" r:id="rId35"/>
+    <p:sldId id="302" r:id="rId36"/>
+    <p:sldId id="303" r:id="rId37"/>
+    <p:sldId id="260" r:id="rId38"/>
+    <p:sldId id="266" r:id="rId39"/>
   </p:sldIdLst>
   <p:sldSz cx="12192000" cy="6858000"/>
   <p:notesSz cx="6858000" cy="9144000"/>
@@ -248,7 +249,7 @@
           <a:p>
             <a:fld id="{B56F32FC-4BD9-442A-A8C6-51598C909FE3}" type="datetimeFigureOut">
               <a:rPr lang="en-US" smtClean="0"/>
-              <a:t>3/6/2024</a:t>
+              <a:t>3/16/2024</a:t>
             </a:fld>
             <a:endParaRPr lang="en-US" dirty="0"/>
           </a:p>
@@ -425,7 +426,7 @@
           <a:p>
             <a:fld id="{056371FA-A98D-41E8-93F4-09945841298A}" type="datetimeFigureOut">
               <a:rPr lang="en-US" smtClean="0"/>
-              <a:t>3/6/2024</a:t>
+              <a:t>3/16/2024</a:t>
             </a:fld>
             <a:endParaRPr lang="en-US" dirty="0"/>
           </a:p>
@@ -879,7 +880,7 @@
           <a:p>
             <a:fld id="{22289C57-55D7-40A4-A101-E74FAC7A092B}" type="slidenum">
               <a:rPr lang="en-US" smtClean="0"/>
-              <a:t>12</a:t>
+              <a:t>13</a:t>
             </a:fld>
             <a:endParaRPr lang="en-US" dirty="0"/>
           </a:p>
@@ -1085,7 +1086,7 @@
           <a:p>
             <a:fld id="{22289C57-55D7-40A4-A101-E74FAC7A092B}" type="slidenum">
               <a:rPr lang="en-US" smtClean="0"/>
-              <a:t>22</a:t>
+              <a:t>23</a:t>
             </a:fld>
             <a:endParaRPr lang="en-US" dirty="0"/>
           </a:p>
@@ -1291,7 +1292,7 @@
           <a:p>
             <a:fld id="{22289C57-55D7-40A4-A101-E74FAC7A092B}" type="slidenum">
               <a:rPr lang="en-US" smtClean="0"/>
-              <a:t>23</a:t>
+              <a:t>24</a:t>
             </a:fld>
             <a:endParaRPr lang="en-US" dirty="0"/>
           </a:p>
@@ -1497,7 +1498,7 @@
           <a:p>
             <a:fld id="{22289C57-55D7-40A4-A101-E74FAC7A092B}" type="slidenum">
               <a:rPr lang="en-US" smtClean="0"/>
-              <a:t>24</a:t>
+              <a:t>25</a:t>
             </a:fld>
             <a:endParaRPr lang="en-US" dirty="0"/>
           </a:p>
@@ -1703,7 +1704,7 @@
           <a:p>
             <a:fld id="{22289C57-55D7-40A4-A101-E74FAC7A092B}" type="slidenum">
               <a:rPr lang="en-US" smtClean="0"/>
-              <a:t>25</a:t>
+              <a:t>26</a:t>
             </a:fld>
             <a:endParaRPr lang="en-US" dirty="0"/>
           </a:p>
@@ -1909,7 +1910,7 @@
           <a:p>
             <a:fld id="{22289C57-55D7-40A4-A101-E74FAC7A092B}" type="slidenum">
               <a:rPr lang="en-US" smtClean="0"/>
-              <a:t>27</a:t>
+              <a:t>28</a:t>
             </a:fld>
             <a:endParaRPr lang="en-US" dirty="0"/>
           </a:p>
@@ -2115,7 +2116,7 @@
           <a:p>
             <a:fld id="{22289C57-55D7-40A4-A101-E74FAC7A092B}" type="slidenum">
               <a:rPr lang="en-US" smtClean="0"/>
-              <a:t>28</a:t>
+              <a:t>29</a:t>
             </a:fld>
             <a:endParaRPr lang="en-US" dirty="0"/>
           </a:p>
@@ -2321,7 +2322,7 @@
           <a:p>
             <a:fld id="{22289C57-55D7-40A4-A101-E74FAC7A092B}" type="slidenum">
               <a:rPr lang="en-US" smtClean="0"/>
-              <a:t>29</a:t>
+              <a:t>30</a:t>
             </a:fld>
             <a:endParaRPr lang="en-US" dirty="0"/>
           </a:p>
@@ -2527,7 +2528,7 @@
           <a:p>
             <a:fld id="{22289C57-55D7-40A4-A101-E74FAC7A092B}" type="slidenum">
               <a:rPr lang="en-US" smtClean="0"/>
-              <a:t>30</a:t>
+              <a:t>31</a:t>
             </a:fld>
             <a:endParaRPr lang="en-US" dirty="0"/>
           </a:p>
@@ -2733,7 +2734,7 @@
           <a:p>
             <a:fld id="{22289C57-55D7-40A4-A101-E74FAC7A092B}" type="slidenum">
               <a:rPr lang="en-US" smtClean="0"/>
-              <a:t>31</a:t>
+              <a:t>32</a:t>
             </a:fld>
             <a:endParaRPr lang="en-US" dirty="0"/>
           </a:p>
@@ -2939,7 +2940,7 @@
           <a:p>
             <a:fld id="{22289C57-55D7-40A4-A101-E74FAC7A092B}" type="slidenum">
               <a:rPr lang="en-US" smtClean="0"/>
-              <a:t>32</a:t>
+              <a:t>33</a:t>
             </a:fld>
             <a:endParaRPr lang="en-US" dirty="0"/>
           </a:p>
@@ -3145,7 +3146,7 @@
           <a:p>
             <a:fld id="{22289C57-55D7-40A4-A101-E74FAC7A092B}" type="slidenum">
               <a:rPr lang="en-US" smtClean="0"/>
-              <a:t>13</a:t>
+              <a:t>14</a:t>
             </a:fld>
             <a:endParaRPr lang="en-US" dirty="0"/>
           </a:p>
@@ -3351,7 +3352,7 @@
           <a:p>
             <a:fld id="{22289C57-55D7-40A4-A101-E74FAC7A092B}" type="slidenum">
               <a:rPr lang="en-US" smtClean="0"/>
-              <a:t>14</a:t>
+              <a:t>15</a:t>
             </a:fld>
             <a:endParaRPr lang="en-US" dirty="0"/>
           </a:p>
@@ -3557,7 +3558,7 @@
           <a:p>
             <a:fld id="{22289C57-55D7-40A4-A101-E74FAC7A092B}" type="slidenum">
               <a:rPr lang="en-US" smtClean="0"/>
-              <a:t>15</a:t>
+              <a:t>16</a:t>
             </a:fld>
             <a:endParaRPr lang="en-US" dirty="0"/>
           </a:p>
@@ -3763,7 +3764,7 @@
           <a:p>
             <a:fld id="{22289C57-55D7-40A4-A101-E74FAC7A092B}" type="slidenum">
               <a:rPr lang="en-US" smtClean="0"/>
-              <a:t>16</a:t>
+              <a:t>17</a:t>
             </a:fld>
             <a:endParaRPr lang="en-US" dirty="0"/>
           </a:p>
@@ -3969,7 +3970,7 @@
           <a:p>
             <a:fld id="{22289C57-55D7-40A4-A101-E74FAC7A092B}" type="slidenum">
               <a:rPr lang="en-US" smtClean="0"/>
-              <a:t>18</a:t>
+              <a:t>19</a:t>
             </a:fld>
             <a:endParaRPr lang="en-US" dirty="0"/>
           </a:p>
@@ -4175,7 +4176,7 @@
           <a:p>
             <a:fld id="{22289C57-55D7-40A4-A101-E74FAC7A092B}" type="slidenum">
               <a:rPr lang="en-US" smtClean="0"/>
-              <a:t>19</a:t>
+              <a:t>20</a:t>
             </a:fld>
             <a:endParaRPr lang="en-US" dirty="0"/>
           </a:p>
@@ -4381,7 +4382,7 @@
           <a:p>
             <a:fld id="{22289C57-55D7-40A4-A101-E74FAC7A092B}" type="slidenum">
               <a:rPr lang="en-US" smtClean="0"/>
-              <a:t>20</a:t>
+              <a:t>21</a:t>
             </a:fld>
             <a:endParaRPr lang="en-US" dirty="0"/>
           </a:p>
@@ -4587,7 +4588,7 @@
           <a:p>
             <a:fld id="{22289C57-55D7-40A4-A101-E74FAC7A092B}" type="slidenum">
               <a:rPr lang="en-US" smtClean="0"/>
-              <a:t>21</a:t>
+              <a:t>22</a:t>
             </a:fld>
             <a:endParaRPr lang="en-US" dirty="0"/>
           </a:p>
@@ -13514,21 +13515,233 @@
           <p:cNvPr id="2" name="Title 1">
             <a:extLst>
               <a:ext uri="{FF2B5EF4-FFF2-40B4-BE49-F238E27FC236}">
-                <a16:creationId xmlns:a16="http://schemas.microsoft.com/office/drawing/2014/main" id="{B1FE5F11-B7B9-4B80-8C6A-A8A7A7190B77}"/>
-              </a:ext>
-            </a:extLst>
-          </p:cNvPr>
-          <p:cNvSpPr>
-            <a:spLocks noGrp="1"/>
-          </p:cNvSpPr>
-          <p:nvPr>
-            <p:ph type="ctrTitle"/>
-          </p:nvPr>
-        </p:nvSpPr>
-        <p:spPr>
-          <a:xfrm>
-            <a:off x="6991350" y="2148840"/>
-            <a:ext cx="4179570" cy="1715531"/>
+                <a16:creationId xmlns:a16="http://schemas.microsoft.com/office/drawing/2014/main" id="{0A32731C-311B-46F7-A865-6C3AF6B09A47}"/>
+              </a:ext>
+            </a:extLst>
+          </p:cNvPr>
+          <p:cNvSpPr>
+            <a:spLocks noGrp="1"/>
+          </p:cNvSpPr>
+          <p:nvPr>
+            <p:ph type="title"/>
+          </p:nvPr>
+        </p:nvSpPr>
+        <p:spPr>
+          <a:xfrm>
+            <a:off x="686213" y="153780"/>
+            <a:ext cx="5111750" cy="517664"/>
+          </a:xfrm>
+        </p:spPr>
+        <p:txBody>
+          <a:bodyPr>
+            <a:normAutofit/>
+          </a:bodyPr>
+          <a:lstStyle/>
+          <a:p>
+            <a:r>
+              <a:rPr lang="en-US" sz="2400" dirty="0"/>
+              <a:t>WEB server </a:t>
+            </a:r>
+            <a:r>
+              <a:rPr lang="en-US" sz="2400" dirty="0" err="1"/>
+              <a:t>contd</a:t>
+            </a:r>
+            <a:r>
+              <a:rPr lang="en-US" sz="2400" dirty="0"/>
+              <a:t>…</a:t>
+            </a:r>
+          </a:p>
+        </p:txBody>
+      </p:sp>
+      <p:sp>
+        <p:nvSpPr>
+          <p:cNvPr id="3" name="Text Placeholder 2">
+            <a:extLst>
+              <a:ext uri="{FF2B5EF4-FFF2-40B4-BE49-F238E27FC236}">
+                <a16:creationId xmlns:a16="http://schemas.microsoft.com/office/drawing/2014/main" id="{9D5232F9-FD00-464A-9F17-619C91AEF8F3}"/>
+              </a:ext>
+            </a:extLst>
+          </p:cNvPr>
+          <p:cNvSpPr>
+            <a:spLocks noGrp="1"/>
+          </p:cNvSpPr>
+          <p:nvPr>
+            <p:ph type="body" idx="1"/>
+          </p:nvPr>
+        </p:nvSpPr>
+        <p:spPr>
+          <a:xfrm>
+            <a:off x="686213" y="1465261"/>
+            <a:ext cx="8139734" cy="3268104"/>
+          </a:xfrm>
+        </p:spPr>
+        <p:txBody>
+          <a:bodyPr>
+            <a:normAutofit lnSpcReduction="10000"/>
+          </a:bodyPr>
+          <a:lstStyle/>
+          <a:p>
+            <a:pPr marL="285750" indent="-285750">
+              <a:buFont typeface="Wingdings" panose="05000000000000000000" pitchFamily="2" charset="2"/>
+              <a:buChar char="q"/>
+            </a:pPr>
+            <a:r>
+              <a:rPr lang="en-US" sz="1800" dirty="0"/>
+              <a:t>Object in NodeJS got properties and functions</a:t>
+            </a:r>
+          </a:p>
+          <a:p>
+            <a:pPr marL="285750" indent="-285750">
+              <a:buFont typeface="Wingdings" panose="05000000000000000000" pitchFamily="2" charset="2"/>
+              <a:buChar char="q"/>
+            </a:pPr>
+            <a:r>
+              <a:rPr lang="en-US" sz="1800" dirty="0"/>
+              <a:t>The ‘url’ module got one such object i.e., url which got properties and functions to do useful operations with URL</a:t>
+            </a:r>
+          </a:p>
+          <a:p>
+            <a:pPr marL="285750" indent="-285750">
+              <a:buFont typeface="Wingdings" panose="05000000000000000000" pitchFamily="2" charset="2"/>
+              <a:buChar char="q"/>
+            </a:pPr>
+            <a:r>
+              <a:rPr lang="en-US" sz="1800" dirty="0"/>
+              <a:t>‘parse’ function gives us important properties, to write meaningful operations</a:t>
+            </a:r>
+          </a:p>
+          <a:p>
+            <a:r>
+              <a:rPr lang="en-US" sz="1800" dirty="0">
+                <a:solidFill>
+                  <a:srgbClr val="7030A0"/>
+                </a:solidFill>
+                <a:latin typeface="Abadi" panose="020B0604020104020204" pitchFamily="34" charset="0"/>
+              </a:rPr>
+              <a:t> </a:t>
+            </a:r>
+            <a:r>
+              <a:rPr lang="en-US" dirty="0">
+                <a:solidFill>
+                  <a:srgbClr val="7030A0"/>
+                </a:solidFill>
+                <a:latin typeface="Abadi" panose="020B0604020104020204" pitchFamily="34" charset="0"/>
+              </a:rPr>
+              <a:t>\home\chandra\nodejs-learnings\url_parsing.js</a:t>
+            </a:r>
+          </a:p>
+          <a:p>
+            <a:r>
+              <a:rPr lang="en-US" sz="1800" dirty="0">
+                <a:solidFill>
+                  <a:srgbClr val="7030A0"/>
+                </a:solidFill>
+                <a:latin typeface="Abadi" panose="020B0604020104020204" pitchFamily="34" charset="0"/>
+              </a:rPr>
+              <a:t> </a:t>
+            </a:r>
+            <a:r>
+              <a:rPr lang="en-US" dirty="0">
+                <a:solidFill>
+                  <a:srgbClr val="7030A0"/>
+                </a:solidFill>
+                <a:latin typeface="Abadi" panose="020B0604020104020204" pitchFamily="34" charset="0"/>
+              </a:rPr>
+              <a:t>\home\chandra\nodejs-learnings\url_parsing_efficient.js</a:t>
+            </a:r>
+          </a:p>
+          <a:p>
+            <a:r>
+              <a:rPr lang="en-US" sz="1800" dirty="0">
+                <a:solidFill>
+                  <a:srgbClr val="7030A0"/>
+                </a:solidFill>
+                <a:latin typeface="Abadi" panose="020B0604020104020204" pitchFamily="34" charset="0"/>
+              </a:rPr>
+              <a:t> </a:t>
+            </a:r>
+            <a:r>
+              <a:rPr lang="en-US" dirty="0">
+                <a:solidFill>
+                  <a:srgbClr val="7030A0"/>
+                </a:solidFill>
+                <a:latin typeface="Abadi" panose="020B0604020104020204" pitchFamily="34" charset="0"/>
+              </a:rPr>
+              <a:t>\home\chandra\nodejs-learnings\response_on_url_parsing.js</a:t>
+            </a:r>
+          </a:p>
+          <a:p>
+            <a:r>
+              <a:rPr lang="en-US" sz="1800" dirty="0">
+                <a:solidFill>
+                  <a:srgbClr val="7030A0"/>
+                </a:solidFill>
+                <a:latin typeface="Abadi" panose="020B0604020104020204" pitchFamily="34" charset="0"/>
+              </a:rPr>
+              <a:t> </a:t>
+            </a:r>
+            <a:r>
+              <a:rPr lang="en-US" dirty="0">
+                <a:solidFill>
+                  <a:srgbClr val="7030A0"/>
+                </a:solidFill>
+                <a:latin typeface="Abadi" panose="020B0604020104020204" pitchFamily="34" charset="0"/>
+              </a:rPr>
+              <a:t>\home\chandra\nodejs-learnings\optimizing_url_parsing.js</a:t>
+            </a:r>
+          </a:p>
+          <a:p>
+            <a:endParaRPr lang="en-US" dirty="0">
+              <a:solidFill>
+                <a:srgbClr val="7030A0"/>
+              </a:solidFill>
+              <a:latin typeface="Abadi" panose="020B0604020104020204" pitchFamily="34" charset="0"/>
+            </a:endParaRPr>
+          </a:p>
+          <a:p>
+            <a:endParaRPr lang="en-US" dirty="0">
+              <a:solidFill>
+                <a:srgbClr val="7030A0"/>
+              </a:solidFill>
+              <a:latin typeface="Abadi" panose="020B0604020104020204" pitchFamily="34" charset="0"/>
+            </a:endParaRPr>
+          </a:p>
+          <a:p>
+            <a:endParaRPr lang="en-US" dirty="0">
+              <a:solidFill>
+                <a:srgbClr val="7030A0"/>
+              </a:solidFill>
+              <a:latin typeface="Abadi" panose="020B0604020104020204" pitchFamily="34" charset="0"/>
+            </a:endParaRPr>
+          </a:p>
+          <a:p>
+            <a:endParaRPr lang="en-US" dirty="0"/>
+          </a:p>
+          <a:p>
+            <a:endParaRPr lang="en-US" dirty="0"/>
+          </a:p>
+        </p:txBody>
+      </p:sp>
+      <p:sp>
+        <p:nvSpPr>
+          <p:cNvPr id="4" name="Date Placeholder 3">
+            <a:extLst>
+              <a:ext uri="{FF2B5EF4-FFF2-40B4-BE49-F238E27FC236}">
+                <a16:creationId xmlns:a16="http://schemas.microsoft.com/office/drawing/2014/main" id="{70E12647-CCB2-45E2-A9CB-A868F490497E}"/>
+              </a:ext>
+            </a:extLst>
+          </p:cNvPr>
+          <p:cNvSpPr>
+            <a:spLocks noGrp="1"/>
+          </p:cNvSpPr>
+          <p:nvPr>
+            <p:ph type="dt" sz="half" idx="10"/>
+          </p:nvPr>
+        </p:nvSpPr>
+        <p:spPr>
+          <a:xfrm>
+            <a:off x="838200" y="6356350"/>
+            <a:ext cx="1219200" cy="365125"/>
           </a:xfrm>
         </p:spPr>
         <p:txBody>
@@ -13536,8 +13749,97 @@
           <a:lstStyle/>
           <a:p>
             <a:r>
-              <a:rPr lang="en-US" sz="3200" dirty="0"/>
-              <a:t>MORE into nodejs</a:t>
+              <a:rPr lang="en-US" dirty="0"/>
+              <a:t>2023</a:t>
+            </a:r>
+          </a:p>
+        </p:txBody>
+      </p:sp>
+      <p:sp>
+        <p:nvSpPr>
+          <p:cNvPr id="6" name="Slide Number Placeholder 5">
+            <a:extLst>
+              <a:ext uri="{FF2B5EF4-FFF2-40B4-BE49-F238E27FC236}">
+                <a16:creationId xmlns:a16="http://schemas.microsoft.com/office/drawing/2014/main" id="{7BC1787E-7110-4989-B0B8-DD4E0ACC09DF}"/>
+              </a:ext>
+            </a:extLst>
+          </p:cNvPr>
+          <p:cNvSpPr>
+            <a:spLocks noGrp="1"/>
+          </p:cNvSpPr>
+          <p:nvPr>
+            <p:ph type="sldNum" sz="quarter" idx="12"/>
+          </p:nvPr>
+        </p:nvSpPr>
+        <p:spPr>
+          <a:xfrm>
+            <a:off x="8610600" y="6356350"/>
+            <a:ext cx="2743200" cy="365125"/>
+          </a:xfrm>
+        </p:spPr>
+        <p:txBody>
+          <a:bodyPr/>
+          <a:lstStyle/>
+          <a:p>
+            <a:fld id="{A49DFD55-3C28-40EF-9E31-A92D2E4017FF}" type="slidenum">
+              <a:rPr lang="en-US" smtClean="0"/>
+              <a:pPr/>
+              <a:t>10</a:t>
+            </a:fld>
+            <a:endParaRPr lang="en-US" dirty="0"/>
+          </a:p>
+        </p:txBody>
+      </p:sp>
+      <p:sp>
+        <p:nvSpPr>
+          <p:cNvPr id="5" name="Title 1">
+            <a:extLst>
+              <a:ext uri="{FF2B5EF4-FFF2-40B4-BE49-F238E27FC236}">
+                <a16:creationId xmlns:a16="http://schemas.microsoft.com/office/drawing/2014/main" id="{8BDB9885-AD79-5813-EBF0-6FBD816A4205}"/>
+              </a:ext>
+            </a:extLst>
+          </p:cNvPr>
+          <p:cNvSpPr txBox="1">
+            <a:spLocks/>
+          </p:cNvSpPr>
+          <p:nvPr/>
+        </p:nvSpPr>
+        <p:spPr>
+          <a:xfrm>
+            <a:off x="686213" y="822430"/>
+            <a:ext cx="5111750" cy="478593"/>
+          </a:xfrm>
+          <a:prstGeom prst="rect">
+            <a:avLst/>
+          </a:prstGeom>
+        </p:spPr>
+        <p:txBody>
+          <a:bodyPr vert="horz" lIns="91440" tIns="45720" rIns="91440" bIns="45720" rtlCol="0" anchor="b">
+            <a:normAutofit/>
+          </a:bodyPr>
+          <a:lstStyle>
+            <a:lvl1pPr algn="l" defTabSz="914400" rtl="0" eaLnBrk="1" latinLnBrk="0" hangingPunct="1">
+              <a:lnSpc>
+                <a:spcPct val="90000"/>
+              </a:lnSpc>
+              <a:spcBef>
+                <a:spcPct val="0"/>
+              </a:spcBef>
+              <a:buNone/>
+              <a:defRPr lang="en-US" sz="2800" kern="1200" cap="all" spc="150" baseline="0" dirty="0">
+                <a:solidFill>
+                  <a:schemeClr val="tx1"/>
+                </a:solidFill>
+                <a:latin typeface="+mj-lt"/>
+                <a:ea typeface="+mj-ea"/>
+                <a:cs typeface="+mj-cs"/>
+              </a:defRPr>
+            </a:lvl1pPr>
+          </a:lstStyle>
+          <a:p>
+            <a:r>
+              <a:rPr lang="en-US" sz="2000" dirty="0"/>
+              <a:t>URL parsing</a:t>
             </a:r>
           </a:p>
         </p:txBody>
@@ -13545,7 +13847,7 @@
     </p:spTree>
     <p:extLst>
       <p:ext uri="{BB962C8B-B14F-4D97-AF65-F5344CB8AC3E}">
-        <p14:creationId xmlns:p14="http://schemas.microsoft.com/office/powerpoint/2010/main" val="405768246"/>
+        <p14:creationId xmlns:p14="http://schemas.microsoft.com/office/powerpoint/2010/main" val="140438148"/>
       </p:ext>
     </p:extLst>
   </p:cSld>
@@ -13577,131 +13879,21 @@
           <p:cNvPr id="2" name="Title 1">
             <a:extLst>
               <a:ext uri="{FF2B5EF4-FFF2-40B4-BE49-F238E27FC236}">
-                <a16:creationId xmlns:a16="http://schemas.microsoft.com/office/drawing/2014/main" id="{0A32731C-311B-46F7-A865-6C3AF6B09A47}"/>
-              </a:ext>
-            </a:extLst>
-          </p:cNvPr>
-          <p:cNvSpPr>
-            <a:spLocks noGrp="1"/>
-          </p:cNvSpPr>
-          <p:nvPr>
-            <p:ph type="title"/>
-          </p:nvPr>
-        </p:nvSpPr>
-        <p:spPr>
-          <a:xfrm>
-            <a:off x="686213" y="153780"/>
-            <a:ext cx="5111750" cy="517664"/>
-          </a:xfrm>
-        </p:spPr>
-        <p:txBody>
-          <a:bodyPr>
-            <a:normAutofit/>
-          </a:bodyPr>
-          <a:lstStyle/>
-          <a:p>
-            <a:r>
-              <a:rPr lang="en-US" sz="2400" dirty="0"/>
-              <a:t>Own modules</a:t>
-            </a:r>
-          </a:p>
-        </p:txBody>
-      </p:sp>
-      <p:sp>
-        <p:nvSpPr>
-          <p:cNvPr id="3" name="Text Placeholder 2">
-            <a:extLst>
-              <a:ext uri="{FF2B5EF4-FFF2-40B4-BE49-F238E27FC236}">
-                <a16:creationId xmlns:a16="http://schemas.microsoft.com/office/drawing/2014/main" id="{9D5232F9-FD00-464A-9F17-619C91AEF8F3}"/>
-              </a:ext>
-            </a:extLst>
-          </p:cNvPr>
-          <p:cNvSpPr>
-            <a:spLocks noGrp="1"/>
-          </p:cNvSpPr>
-          <p:nvPr>
-            <p:ph type="body" idx="1"/>
-          </p:nvPr>
-        </p:nvSpPr>
-        <p:spPr>
-          <a:xfrm>
-            <a:off x="686213" y="895418"/>
-            <a:ext cx="8139734" cy="2011158"/>
-          </a:xfrm>
-        </p:spPr>
-        <p:txBody>
-          <a:bodyPr>
-            <a:normAutofit/>
-          </a:bodyPr>
-          <a:lstStyle/>
-          <a:p>
-            <a:pPr marL="285750" indent="-285750">
-              <a:buFont typeface="Wingdings" panose="05000000000000000000" pitchFamily="2" charset="2"/>
-              <a:buChar char="q"/>
-            </a:pPr>
-            <a:r>
-              <a:rPr lang="en-US" sz="1800" dirty="0"/>
-              <a:t>In NodeJS a file can contain useful functions to be used across</a:t>
-            </a:r>
-          </a:p>
-          <a:p>
-            <a:pPr marL="285750" indent="-285750">
-              <a:buFont typeface="Wingdings" panose="05000000000000000000" pitchFamily="2" charset="2"/>
-              <a:buChar char="q"/>
-            </a:pPr>
-            <a:r>
-              <a:rPr lang="en-US" sz="1800" dirty="0"/>
-              <a:t>Such file can be treated as module and can be exported to be used across </a:t>
-            </a:r>
-          </a:p>
-          <a:p>
-            <a:r>
-              <a:rPr lang="en-US" sz="1800" dirty="0">
-                <a:solidFill>
-                  <a:srgbClr val="7030A0"/>
-                </a:solidFill>
-                <a:latin typeface="Abadi" panose="020B0604020104020204" pitchFamily="34" charset="0"/>
-              </a:rPr>
-              <a:t> </a:t>
-            </a:r>
-            <a:r>
-              <a:rPr lang="en-US" dirty="0">
-                <a:solidFill>
-                  <a:srgbClr val="7030A0"/>
-                </a:solidFill>
-                <a:latin typeface="Abadi" panose="020B0604020104020204" pitchFamily="34" charset="0"/>
-              </a:rPr>
-              <a:t>\home\chandra\nodejs-learnings\own_module.js</a:t>
-            </a:r>
-          </a:p>
-          <a:p>
-            <a:endParaRPr lang="en-US" dirty="0"/>
-          </a:p>
-          <a:p>
-            <a:endParaRPr lang="en-US" dirty="0"/>
-          </a:p>
-        </p:txBody>
-      </p:sp>
-      <p:sp>
-        <p:nvSpPr>
-          <p:cNvPr id="4" name="Date Placeholder 3">
-            <a:extLst>
-              <a:ext uri="{FF2B5EF4-FFF2-40B4-BE49-F238E27FC236}">
-                <a16:creationId xmlns:a16="http://schemas.microsoft.com/office/drawing/2014/main" id="{70E12647-CCB2-45E2-A9CB-A868F490497E}"/>
-              </a:ext>
-            </a:extLst>
-          </p:cNvPr>
-          <p:cNvSpPr>
-            <a:spLocks noGrp="1"/>
-          </p:cNvSpPr>
-          <p:nvPr>
-            <p:ph type="dt" sz="half" idx="10"/>
-          </p:nvPr>
-        </p:nvSpPr>
-        <p:spPr>
-          <a:xfrm>
-            <a:off x="838200" y="6356350"/>
-            <a:ext cx="1219200" cy="365125"/>
+                <a16:creationId xmlns:a16="http://schemas.microsoft.com/office/drawing/2014/main" id="{B1FE5F11-B7B9-4B80-8C6A-A8A7A7190B77}"/>
+              </a:ext>
+            </a:extLst>
+          </p:cNvPr>
+          <p:cNvSpPr>
+            <a:spLocks noGrp="1"/>
+          </p:cNvSpPr>
+          <p:nvPr>
+            <p:ph type="ctrTitle"/>
+          </p:nvPr>
+        </p:nvSpPr>
+        <p:spPr>
+          <a:xfrm>
+            <a:off x="6991350" y="2148840"/>
+            <a:ext cx="4179570" cy="1715531"/>
           </a:xfrm>
         </p:spPr>
         <p:txBody>
@@ -13709,51 +13901,16 @@
           <a:lstStyle/>
           <a:p>
             <a:r>
-              <a:rPr lang="en-US" dirty="0"/>
-              <a:t>2023</a:t>
-            </a:r>
-          </a:p>
-        </p:txBody>
-      </p:sp>
-      <p:sp>
-        <p:nvSpPr>
-          <p:cNvPr id="6" name="Slide Number Placeholder 5">
-            <a:extLst>
-              <a:ext uri="{FF2B5EF4-FFF2-40B4-BE49-F238E27FC236}">
-                <a16:creationId xmlns:a16="http://schemas.microsoft.com/office/drawing/2014/main" id="{7BC1787E-7110-4989-B0B8-DD4E0ACC09DF}"/>
-              </a:ext>
-            </a:extLst>
-          </p:cNvPr>
-          <p:cNvSpPr>
-            <a:spLocks noGrp="1"/>
-          </p:cNvSpPr>
-          <p:nvPr>
-            <p:ph type="sldNum" sz="quarter" idx="12"/>
-          </p:nvPr>
-        </p:nvSpPr>
-        <p:spPr>
-          <a:xfrm>
-            <a:off x="8610600" y="6356350"/>
-            <a:ext cx="2743200" cy="365125"/>
-          </a:xfrm>
-        </p:spPr>
-        <p:txBody>
-          <a:bodyPr/>
-          <a:lstStyle/>
-          <a:p>
-            <a:fld id="{A49DFD55-3C28-40EF-9E31-A92D2E4017FF}" type="slidenum">
-              <a:rPr lang="en-US" smtClean="0"/>
-              <a:pPr/>
-              <a:t>11</a:t>
-            </a:fld>
-            <a:endParaRPr lang="en-US" dirty="0"/>
+              <a:rPr lang="en-US" sz="3200" dirty="0"/>
+              <a:t>MORE into nodejs</a:t>
+            </a:r>
           </a:p>
         </p:txBody>
       </p:sp>
     </p:spTree>
     <p:extLst>
       <p:ext uri="{BB962C8B-B14F-4D97-AF65-F5344CB8AC3E}">
-        <p14:creationId xmlns:p14="http://schemas.microsoft.com/office/powerpoint/2010/main" val="3797315749"/>
+        <p14:creationId xmlns:p14="http://schemas.microsoft.com/office/powerpoint/2010/main" val="405768246"/>
       </p:ext>
     </p:extLst>
   </p:cSld>
@@ -13804,13 +13961,13 @@
         </p:spPr>
         <p:txBody>
           <a:bodyPr>
-            <a:normAutofit fontScale="90000"/>
+            <a:normAutofit/>
           </a:bodyPr>
           <a:lstStyle/>
           <a:p>
             <a:r>
               <a:rPr lang="en-US" sz="2400" dirty="0"/>
-              <a:t>Node package manager (NPM)</a:t>
+              <a:t>Own modules</a:t>
             </a:r>
           </a:p>
         </p:txBody>
@@ -13833,8 +13990,8 @@
         </p:nvSpPr>
         <p:spPr>
           <a:xfrm>
-            <a:off x="686213" y="895417"/>
-            <a:ext cx="8139734" cy="5094565"/>
+            <a:off x="686213" y="895418"/>
+            <a:ext cx="8139734" cy="2011158"/>
           </a:xfrm>
         </p:spPr>
         <p:txBody>
@@ -13849,7 +14006,7 @@
             </a:pPr>
             <a:r>
               <a:rPr lang="en-US" sz="1800" dirty="0"/>
-              <a:t>Library/Registry for JavaScript software packages</a:t>
+              <a:t>In NodeJS a file can contain useful functions to be used across</a:t>
             </a:r>
           </a:p>
           <a:p>
@@ -13859,76 +14016,31 @@
             </a:pPr>
             <a:r>
               <a:rPr lang="en-US" sz="1800" dirty="0"/>
-              <a:t>Got CLI, included in nodejs install, which helps to install different packages and manage their dependencies</a:t>
-            </a:r>
-          </a:p>
-          <a:p>
-            <a:pPr marL="285750" indent="-285750">
-              <a:buFont typeface="Wingdings" panose="05000000000000000000" pitchFamily="2" charset="2"/>
-              <a:buChar char="q"/>
-            </a:pPr>
-            <a:r>
-              <a:rPr lang="en-US" sz="1800" dirty="0"/>
-              <a:t>Command, `</a:t>
-            </a:r>
-            <a:r>
-              <a:rPr lang="en-US" sz="1800" i="1" dirty="0"/>
-              <a:t>npm init`, </a:t>
-            </a:r>
-            <a:r>
-              <a:rPr lang="en-US" sz="1800" dirty="0"/>
-              <a:t>creates package.json,  which is configuration file for project that maintains packages information</a:t>
-            </a:r>
-          </a:p>
-          <a:p>
+              <a:t>Such file can be treated as module and can be exported to be used across </a:t>
+            </a:r>
+          </a:p>
+          <a:p>
+            <a:r>
+              <a:rPr lang="en-US" sz="1800" dirty="0">
+                <a:solidFill>
+                  <a:srgbClr val="7030A0"/>
+                </a:solidFill>
+                <a:latin typeface="Abadi" panose="020B0604020104020204" pitchFamily="34" charset="0"/>
+              </a:rPr>
+              <a:t> </a:t>
+            </a:r>
             <a:r>
               <a:rPr lang="en-US" dirty="0">
-                <a:latin typeface="Bierstadt" panose="020B0604020202020204" pitchFamily="34" charset="0"/>
-              </a:rPr>
-              <a:t>      mkdir npm_demo;   cd npm_demo;  npm init ;  </a:t>
-            </a:r>
-            <a:r>
-              <a:rPr lang="en-US" dirty="0">
-                <a:effectLst/>
-              </a:rPr>
-              <a:t>npm install slugify;  npm install nodemon --save-dev; npm </a:t>
-            </a:r>
-            <a:r>
-              <a:rPr lang="en-US" dirty="0" err="1">
-                <a:effectLst/>
-              </a:rPr>
-              <a:t>i</a:t>
-            </a:r>
-            <a:r>
-              <a:rPr lang="en-US" dirty="0">
-                <a:effectLst/>
-              </a:rPr>
-              <a:t> nodemon --global</a:t>
-            </a:r>
-          </a:p>
-          <a:p>
-            <a:pPr marL="285750" indent="-285750">
-              <a:buFont typeface="Wingdings" panose="05000000000000000000" pitchFamily="2" charset="2"/>
-              <a:buChar char="q"/>
-            </a:pPr>
-            <a:r>
-              <a:rPr lang="en-US" sz="1800" dirty="0"/>
-              <a:t>Suppose to upgrade with ^ (but not working at moment, with my install)</a:t>
-            </a:r>
-          </a:p>
-          <a:p>
-            <a:r>
-              <a:rPr lang="en-US" dirty="0">
                 <a:solidFill>
                   <a:srgbClr val="7030A0"/>
                 </a:solidFill>
                 <a:latin typeface="Abadi" panose="020B0604020104020204" pitchFamily="34" charset="0"/>
               </a:rPr>
-              <a:t> nodemon \home\chandra\nodejs-learnings\first_prog.js</a:t>
-            </a:r>
-          </a:p>
-          <a:p>
-            <a:endParaRPr lang="en-US" sz="1800" dirty="0"/>
+              <a:t>\home\chandra\nodejs-learnings\own_module.js</a:t>
+            </a:r>
+          </a:p>
+          <a:p>
+            <a:endParaRPr lang="en-US" dirty="0"/>
           </a:p>
           <a:p>
             <a:endParaRPr lang="en-US" dirty="0"/>
@@ -14006,7 +14118,7 @@
     </p:spTree>
     <p:extLst>
       <p:ext uri="{BB962C8B-B14F-4D97-AF65-F5344CB8AC3E}">
-        <p14:creationId xmlns:p14="http://schemas.microsoft.com/office/powerpoint/2010/main" val="3918777707"/>
+        <p14:creationId xmlns:p14="http://schemas.microsoft.com/office/powerpoint/2010/main" val="3797315749"/>
       </p:ext>
     </p:extLst>
   </p:cSld>
@@ -14057,13 +14169,13 @@
         </p:spPr>
         <p:txBody>
           <a:bodyPr>
-            <a:normAutofit/>
+            <a:normAutofit fontScale="90000"/>
           </a:bodyPr>
           <a:lstStyle/>
           <a:p>
             <a:r>
               <a:rPr lang="en-US" sz="2400" dirty="0"/>
-              <a:t>Node js process</a:t>
+              <a:t>Node package manager (NPM)</a:t>
             </a:r>
           </a:p>
         </p:txBody>
@@ -14086,8 +14198,8 @@
         </p:nvSpPr>
         <p:spPr>
           <a:xfrm>
-            <a:off x="686213" y="5155096"/>
-            <a:ext cx="8139734" cy="834886"/>
+            <a:off x="686213" y="895417"/>
+            <a:ext cx="8139734" cy="5094565"/>
           </a:xfrm>
         </p:spPr>
         <p:txBody>
@@ -14101,13 +14213,83 @@
               <a:buChar char="q"/>
             </a:pPr>
             <a:r>
+              <a:rPr lang="en-US" sz="1800" dirty="0"/>
+              <a:t>Library/Registry for JavaScript software packages</a:t>
+            </a:r>
+          </a:p>
+          <a:p>
+            <a:pPr marL="285750" indent="-285750">
+              <a:buFont typeface="Wingdings" panose="05000000000000000000" pitchFamily="2" charset="2"/>
+              <a:buChar char="q"/>
+            </a:pPr>
+            <a:r>
+              <a:rPr lang="en-US" sz="1800" dirty="0"/>
+              <a:t>Got CLI, included in nodejs install, which helps to install different packages and manage their dependencies</a:t>
+            </a:r>
+          </a:p>
+          <a:p>
+            <a:pPr marL="285750" indent="-285750">
+              <a:buFont typeface="Wingdings" panose="05000000000000000000" pitchFamily="2" charset="2"/>
+              <a:buChar char="q"/>
+            </a:pPr>
+            <a:r>
+              <a:rPr lang="en-US" sz="1800" dirty="0"/>
+              <a:t>Command, `</a:t>
+            </a:r>
+            <a:r>
+              <a:rPr lang="en-US" sz="1800" i="1" dirty="0"/>
+              <a:t>npm init`, </a:t>
+            </a:r>
+            <a:r>
+              <a:rPr lang="en-US" sz="1800" dirty="0"/>
+              <a:t>creates package.json,  which is configuration file for project that maintains packages information</a:t>
+            </a:r>
+          </a:p>
+          <a:p>
+            <a:r>
               <a:rPr lang="en-US" dirty="0">
+                <a:latin typeface="Bierstadt" panose="020B0604020202020204" pitchFamily="34" charset="0"/>
+              </a:rPr>
+              <a:t>      mkdir npm_demo;   cd npm_demo;  npm init ;  </a:t>
+            </a:r>
+            <a:r>
+              <a:rPr lang="en-US" dirty="0">
+                <a:effectLst/>
+              </a:rPr>
+              <a:t>npm install slugify;  npm install nodemon --save-dev; npm </a:t>
+            </a:r>
+            <a:r>
+              <a:rPr lang="en-US" dirty="0" err="1">
+                <a:effectLst/>
+              </a:rPr>
+              <a:t>i</a:t>
+            </a:r>
+            <a:r>
+              <a:rPr lang="en-US" dirty="0">
+                <a:effectLst/>
+              </a:rPr>
+              <a:t> nodemon --global</a:t>
+            </a:r>
+          </a:p>
+          <a:p>
+            <a:pPr marL="285750" indent="-285750">
+              <a:buFont typeface="Wingdings" panose="05000000000000000000" pitchFamily="2" charset="2"/>
+              <a:buChar char="q"/>
+            </a:pPr>
+            <a:r>
+              <a:rPr lang="en-US" sz="1800" dirty="0"/>
+              <a:t>Suppose to upgrade with ^ (but not working at moment, with my install)</a:t>
+            </a:r>
+          </a:p>
+          <a:p>
+            <a:r>
+              <a:rPr lang="en-US" dirty="0">
                 <a:solidFill>
                   <a:srgbClr val="7030A0"/>
                 </a:solidFill>
                 <a:latin typeface="Abadi" panose="020B0604020104020204" pitchFamily="34" charset="0"/>
               </a:rPr>
-              <a:t>\home\chandra\nodejs-learnings\node_process.js</a:t>
+              <a:t> nodemon \home\chandra\nodejs-learnings\first_prog.js</a:t>
             </a:r>
           </a:p>
           <a:p>
@@ -14186,40 +14368,10 @@
           </a:p>
         </p:txBody>
       </p:sp>
-      <p:pic>
-        <p:nvPicPr>
-          <p:cNvPr id="9" name="Picture 8" descr="Diagram&#10;&#10;Description automatically generated">
-            <a:extLst>
-              <a:ext uri="{FF2B5EF4-FFF2-40B4-BE49-F238E27FC236}">
-                <a16:creationId xmlns:a16="http://schemas.microsoft.com/office/drawing/2014/main" id="{70D48829-95F0-FC9A-D4A2-F3FA8514C812}"/>
-              </a:ext>
-            </a:extLst>
-          </p:cNvPr>
-          <p:cNvPicPr>
-            <a:picLocks noChangeAspect="1"/>
-          </p:cNvPicPr>
-          <p:nvPr/>
-        </p:nvPicPr>
-        <p:blipFill>
-          <a:blip r:embed="rId3"/>
-          <a:stretch>
-            <a:fillRect/>
-          </a:stretch>
-        </p:blipFill>
-        <p:spPr>
-          <a:xfrm>
-            <a:off x="2962481" y="747644"/>
-            <a:ext cx="4676775" cy="4295775"/>
-          </a:xfrm>
-          <a:prstGeom prst="rect">
-            <a:avLst/>
-          </a:prstGeom>
-        </p:spPr>
-      </p:pic>
     </p:spTree>
     <p:extLst>
       <p:ext uri="{BB962C8B-B14F-4D97-AF65-F5344CB8AC3E}">
-        <p14:creationId xmlns:p14="http://schemas.microsoft.com/office/powerpoint/2010/main" val="3217907192"/>
+        <p14:creationId xmlns:p14="http://schemas.microsoft.com/office/powerpoint/2010/main" val="3918777707"/>
       </p:ext>
     </p:extLst>
   </p:cSld>
@@ -14276,7 +14428,7 @@
           <a:p>
             <a:r>
               <a:rPr lang="en-US" sz="2400" dirty="0"/>
-              <a:t>Event driven architecture</a:t>
+              <a:t>Node js process</a:t>
             </a:r>
           </a:p>
         </p:txBody>
@@ -14299,8 +14451,8 @@
         </p:nvSpPr>
         <p:spPr>
           <a:xfrm>
-            <a:off x="686213" y="895417"/>
-            <a:ext cx="8139734" cy="5094565"/>
+            <a:off x="686213" y="5155096"/>
+            <a:ext cx="8139734" cy="834886"/>
           </a:xfrm>
         </p:spPr>
         <p:txBody>
@@ -14314,53 +14466,17 @@
               <a:buChar char="q"/>
             </a:pPr>
             <a:r>
-              <a:rPr lang="en-US" sz="1800" dirty="0"/>
-              <a:t>Event is some notification, issues by someone. Listeners are the ones who listen to that event</a:t>
-            </a:r>
-          </a:p>
-          <a:p>
-            <a:pPr marL="285750" indent="-285750">
-              <a:buFont typeface="Wingdings" panose="05000000000000000000" pitchFamily="2" charset="2"/>
-              <a:buChar char="q"/>
-            </a:pPr>
-            <a:r>
-              <a:rPr lang="en-US" sz="1800" dirty="0"/>
-              <a:t>const server = </a:t>
-            </a:r>
-            <a:r>
-              <a:rPr lang="en-US" sz="1800" dirty="0" err="1"/>
-              <a:t>http.createServer</a:t>
-            </a:r>
-            <a:r>
-              <a:rPr lang="en-US" sz="1800" dirty="0"/>
-              <a:t>(); -&gt; This command of starting server emits an event, </a:t>
-            </a:r>
-            <a:r>
-              <a:rPr lang="en-US" sz="1800" i="1" dirty="0"/>
-              <a:t>called as request</a:t>
-            </a:r>
-          </a:p>
-          <a:p>
-            <a:r>
               <a:rPr lang="en-US" dirty="0">
                 <a:solidFill>
                   <a:srgbClr val="7030A0"/>
                 </a:solidFill>
                 <a:latin typeface="Abadi" panose="020B0604020104020204" pitchFamily="34" charset="0"/>
               </a:rPr>
-              <a:t>nodemon \home\chandra\nodejs-learnings\http_events.js</a:t>
-            </a:r>
-          </a:p>
-          <a:p>
-            <a:r>
-              <a:rPr lang="en-US" dirty="0">
-                <a:solidFill>
-                  <a:srgbClr val="7030A0"/>
-                </a:solidFill>
-                <a:latin typeface="Abadi" panose="020B0604020104020204" pitchFamily="34" charset="0"/>
-              </a:rPr>
-              <a:t>nodemon \home\chandra\nodejs-learnings\event-emitter-demo.js</a:t>
-            </a:r>
+              <a:t>\home\chandra\nodejs-learnings\node_process.js</a:t>
+            </a:r>
+          </a:p>
+          <a:p>
+            <a:endParaRPr lang="en-US" sz="1800" dirty="0"/>
           </a:p>
           <a:p>
             <a:endParaRPr lang="en-US" dirty="0"/>
@@ -14435,10 +14551,40 @@
           </a:p>
         </p:txBody>
       </p:sp>
+      <p:pic>
+        <p:nvPicPr>
+          <p:cNvPr id="9" name="Picture 8" descr="Diagram&#10;&#10;Description automatically generated">
+            <a:extLst>
+              <a:ext uri="{FF2B5EF4-FFF2-40B4-BE49-F238E27FC236}">
+                <a16:creationId xmlns:a16="http://schemas.microsoft.com/office/drawing/2014/main" id="{70D48829-95F0-FC9A-D4A2-F3FA8514C812}"/>
+              </a:ext>
+            </a:extLst>
+          </p:cNvPr>
+          <p:cNvPicPr>
+            <a:picLocks noChangeAspect="1"/>
+          </p:cNvPicPr>
+          <p:nvPr/>
+        </p:nvPicPr>
+        <p:blipFill>
+          <a:blip r:embed="rId3"/>
+          <a:stretch>
+            <a:fillRect/>
+          </a:stretch>
+        </p:blipFill>
+        <p:spPr>
+          <a:xfrm>
+            <a:off x="2962481" y="747644"/>
+            <a:ext cx="4676775" cy="4295775"/>
+          </a:xfrm>
+          <a:prstGeom prst="rect">
+            <a:avLst/>
+          </a:prstGeom>
+        </p:spPr>
+      </p:pic>
     </p:spTree>
     <p:extLst>
       <p:ext uri="{BB962C8B-B14F-4D97-AF65-F5344CB8AC3E}">
-        <p14:creationId xmlns:p14="http://schemas.microsoft.com/office/powerpoint/2010/main" val="1841262008"/>
+        <p14:creationId xmlns:p14="http://schemas.microsoft.com/office/powerpoint/2010/main" val="3217907192"/>
       </p:ext>
     </p:extLst>
   </p:cSld>
@@ -14484,7 +14630,7 @@
         <p:spPr>
           <a:xfrm>
             <a:off x="686213" y="153780"/>
-            <a:ext cx="6377196" cy="517664"/>
+            <a:ext cx="5111750" cy="517664"/>
           </a:xfrm>
         </p:spPr>
         <p:txBody>
@@ -14495,7 +14641,7 @@
           <a:p>
             <a:r>
               <a:rPr lang="en-US" sz="2400" dirty="0"/>
-              <a:t>Asynchronous calls – Cleaner Way</a:t>
+              <a:t>Event driven architecture</a:t>
             </a:r>
           </a:p>
         </p:txBody>
@@ -14534,7 +14680,7 @@
             </a:pPr>
             <a:r>
               <a:rPr lang="en-US" sz="1800" dirty="0"/>
-              <a:t>Callback is one way , but bit messy</a:t>
+              <a:t>Event is some notification, issues by someone. Listeners are the ones who listen to that event</a:t>
             </a:r>
           </a:p>
           <a:p>
@@ -14543,87 +14689,23 @@
               <a:buChar char="q"/>
             </a:pPr>
             <a:r>
+              <a:rPr lang="en-US" sz="1800" dirty="0"/>
+              <a:t>const server = </a:t>
+            </a:r>
+            <a:r>
+              <a:rPr lang="en-US" sz="1800" dirty="0" err="1"/>
+              <a:t>http.createServer</a:t>
+            </a:r>
+            <a:r>
+              <a:rPr lang="en-US" sz="1800" dirty="0"/>
+              <a:t>(); -&gt; This command of starting server emits an event, </a:t>
+            </a:r>
+            <a:r>
               <a:rPr lang="en-US" sz="1800" i="1" dirty="0"/>
-              <a:t>Promise </a:t>
-            </a:r>
-            <a:r>
-              <a:rPr lang="en-US" sz="1800" dirty="0"/>
-              <a:t>is cleaner way</a:t>
-            </a:r>
-          </a:p>
-          <a:p>
-            <a:pPr marL="285750" indent="-285750">
-              <a:buFont typeface="Wingdings" panose="05000000000000000000" pitchFamily="2" charset="2"/>
-              <a:buChar char="q"/>
-            </a:pPr>
-            <a:r>
-              <a:rPr lang="en-US" sz="1800" dirty="0"/>
-              <a:t>Promise is object, which is immediately available, and it promise us to return some data In future</a:t>
-            </a:r>
-          </a:p>
-          <a:p>
-            <a:pPr marL="285750" indent="-285750">
-              <a:buFont typeface="Wingdings" panose="05000000000000000000" pitchFamily="2" charset="2"/>
-              <a:buChar char="q"/>
-            </a:pPr>
-            <a:r>
-              <a:rPr lang="en-US" sz="1800" dirty="0"/>
-              <a:t>Promise can be in </a:t>
-            </a:r>
-            <a:r>
-              <a:rPr lang="en-US" sz="1800" i="1" dirty="0"/>
-              <a:t>pending</a:t>
-            </a:r>
-            <a:r>
-              <a:rPr lang="en-US" sz="1800" dirty="0"/>
-              <a:t> state, while data is not available</a:t>
-            </a:r>
-          </a:p>
-          <a:p>
-            <a:pPr marL="285750" indent="-285750">
-              <a:buFont typeface="Wingdings" panose="05000000000000000000" pitchFamily="2" charset="2"/>
-              <a:buChar char="q"/>
-            </a:pPr>
-            <a:r>
-              <a:rPr lang="en-US" sz="1800" dirty="0"/>
-              <a:t>Promise when gets data, is in </a:t>
-            </a:r>
-            <a:r>
-              <a:rPr lang="en-US" sz="1800" i="1" dirty="0"/>
-              <a:t>resolved</a:t>
-            </a:r>
-            <a:r>
-              <a:rPr lang="en-US" sz="1800" dirty="0"/>
-              <a:t> state</a:t>
-            </a:r>
-          </a:p>
-          <a:p>
-            <a:pPr marL="285750" indent="-285750">
-              <a:buFont typeface="Wingdings" panose="05000000000000000000" pitchFamily="2" charset="2"/>
-              <a:buChar char="q"/>
-            </a:pPr>
-            <a:r>
-              <a:rPr lang="en-US" sz="1800" dirty="0"/>
-              <a:t>Resolved promise might have error and thus can be in </a:t>
-            </a:r>
-            <a:r>
-              <a:rPr lang="en-US" sz="1800" i="1" dirty="0"/>
-              <a:t>rejected </a:t>
-            </a:r>
-            <a:r>
-              <a:rPr lang="en-US" sz="1800" dirty="0"/>
-              <a:t>state</a:t>
-            </a:r>
-          </a:p>
-          <a:p>
-            <a:endParaRPr lang="en-US" sz="1800" dirty="0"/>
-          </a:p>
-          <a:p>
-            <a:pPr>
-              <a:spcBef>
-                <a:spcPts val="0"/>
-              </a:spcBef>
-            </a:pPr>
+              <a:t>called as request</a:t>
+            </a:r>
+          </a:p>
+          <a:p>
             <a:r>
               <a:rPr lang="en-US" dirty="0">
                 <a:solidFill>
@@ -14631,15 +14713,10 @@
                 </a:solidFill>
                 <a:latin typeface="Abadi" panose="020B0604020104020204" pitchFamily="34" charset="0"/>
               </a:rPr>
-              <a:t>nodejs-learnings\promise_demo\callback_hell.js</a:t>
-            </a:r>
-          </a:p>
-          <a:p>
-            <a:pPr>
-              <a:spcBef>
-                <a:spcPts val="0"/>
-              </a:spcBef>
-            </a:pPr>
+              <a:t>nodemon \home\chandra\nodejs-learnings\http_events.js</a:t>
+            </a:r>
+          </a:p>
+          <a:p>
             <a:r>
               <a:rPr lang="en-US" dirty="0">
                 <a:solidFill>
@@ -14647,48 +14724,11 @@
                 </a:solidFill>
                 <a:latin typeface="Abadi" panose="020B0604020104020204" pitchFamily="34" charset="0"/>
               </a:rPr>
-              <a:t>nodejs-learnings\promise_demo\read_promise.js</a:t>
-            </a:r>
-          </a:p>
-          <a:p>
-            <a:pPr>
-              <a:spcBef>
-                <a:spcPts val="0"/>
-              </a:spcBef>
-            </a:pPr>
-            <a:r>
-              <a:rPr lang="en-US" dirty="0">
-                <a:solidFill>
-                  <a:srgbClr val="7030A0"/>
-                </a:solidFill>
-                <a:latin typeface="Abadi" panose="020B0604020104020204" pitchFamily="34" charset="0"/>
-              </a:rPr>
-              <a:t>nodejs-learnings\promise_demo\write_promise.js</a:t>
-            </a:r>
-          </a:p>
-          <a:p>
-            <a:pPr>
-              <a:spcBef>
-                <a:spcPts val="0"/>
-              </a:spcBef>
-            </a:pPr>
-            <a:r>
-              <a:rPr lang="en-US" dirty="0">
-                <a:solidFill>
-                  <a:srgbClr val="7030A0"/>
-                </a:solidFill>
-                <a:latin typeface="Abadi" panose="020B0604020104020204" pitchFamily="34" charset="0"/>
-              </a:rPr>
-              <a:t>nodejs-learnings\promise_demo\promise_demo.js</a:t>
-            </a:r>
-          </a:p>
-          <a:p>
-            <a:endParaRPr lang="en-US" dirty="0">
-              <a:solidFill>
-                <a:srgbClr val="7030A0"/>
-              </a:solidFill>
-              <a:latin typeface="Abadi" panose="020B0604020104020204" pitchFamily="34" charset="0"/>
-            </a:endParaRPr>
+              <a:t>nodemon \home\chandra\nodejs-learnings\event-emitter-demo.js</a:t>
+            </a:r>
+          </a:p>
+          <a:p>
+            <a:endParaRPr lang="en-US" dirty="0"/>
           </a:p>
         </p:txBody>
       </p:sp>
@@ -14763,7 +14803,7 @@
     </p:spTree>
     <p:extLst>
       <p:ext uri="{BB962C8B-B14F-4D97-AF65-F5344CB8AC3E}">
-        <p14:creationId xmlns:p14="http://schemas.microsoft.com/office/powerpoint/2010/main" val="4293200995"/>
+        <p14:creationId xmlns:p14="http://schemas.microsoft.com/office/powerpoint/2010/main" val="1841262008"/>
       </p:ext>
     </p:extLst>
   </p:cSld>
@@ -14820,7 +14860,7 @@
           <a:p>
             <a:r>
               <a:rPr lang="en-US" sz="2400" dirty="0"/>
-              <a:t>Async-await</a:t>
+              <a:t>Asynchronous calls – Cleaner Way</a:t>
             </a:r>
           </a:p>
         </p:txBody>
@@ -14859,7 +14899,7 @@
             </a:pPr>
             <a:r>
               <a:rPr lang="en-US" sz="1800" dirty="0"/>
-              <a:t>Mostly Promise would be consumed more than produced</a:t>
+              <a:t>Callback is one way , but bit messy</a:t>
             </a:r>
           </a:p>
           <a:p>
@@ -14869,11 +14909,11 @@
             </a:pPr>
             <a:r>
               <a:rPr lang="en-US" sz="1800" i="1" dirty="0"/>
-              <a:t>async, </a:t>
+              <a:t>Promise </a:t>
             </a:r>
             <a:r>
               <a:rPr lang="en-US" sz="1800" dirty="0"/>
-              <a:t>as the word suggest will process code in background allowing other things to be processed simultaneously</a:t>
+              <a:t>is cleaner way</a:t>
             </a:r>
           </a:p>
           <a:p>
@@ -14882,16 +14922,8 @@
               <a:buChar char="q"/>
             </a:pPr>
             <a:r>
-              <a:rPr lang="en-US" sz="1800" i="1" dirty="0"/>
-              <a:t>async </a:t>
-            </a:r>
-            <a:r>
               <a:rPr lang="en-US" sz="1800" dirty="0"/>
-              <a:t>function will return </a:t>
-            </a:r>
-            <a:r>
-              <a:rPr lang="en-US" sz="1800" i="1" dirty="0"/>
-              <a:t>Promise (will see in demo)</a:t>
+              <a:t>Promise is object, which is immediately available, and it promise us to return some data In future</a:t>
             </a:r>
           </a:p>
           <a:p>
@@ -14901,23 +14933,15 @@
             </a:pPr>
             <a:r>
               <a:rPr lang="en-US" sz="1800" dirty="0"/>
-              <a:t>Inside </a:t>
+              <a:t>Promise can be in </a:t>
             </a:r>
             <a:r>
               <a:rPr lang="en-US" sz="1800" i="1" dirty="0"/>
-              <a:t>async </a:t>
+              <a:t>pending</a:t>
             </a:r>
             <a:r>
               <a:rPr lang="en-US" sz="1800" dirty="0"/>
-              <a:t>function, there will be one or more </a:t>
-            </a:r>
-            <a:r>
-              <a:rPr lang="en-US" sz="1800" i="1" dirty="0"/>
-              <a:t>await </a:t>
-            </a:r>
-            <a:r>
-              <a:rPr lang="en-US" sz="1800" dirty="0"/>
-              <a:t>expressions</a:t>
+              <a:t> state, while data is not available</a:t>
             </a:r>
           </a:p>
           <a:p>
@@ -14926,20 +14950,16 @@
               <a:buChar char="q"/>
             </a:pPr>
             <a:r>
+              <a:rPr lang="en-US" sz="1800" dirty="0"/>
+              <a:t>Promise when gets data, is in </a:t>
+            </a:r>
+            <a:r>
               <a:rPr lang="en-US" sz="1800" i="1" dirty="0"/>
-              <a:t>await </a:t>
+              <a:t>resolved</a:t>
             </a:r>
             <a:r>
               <a:rPr lang="en-US" sz="1800" dirty="0"/>
-              <a:t>will wait till promise is resolved, so there is no need to ‘</a:t>
-            </a:r>
-            <a:r>
-              <a:rPr lang="en-US" sz="1800" i="1" dirty="0"/>
-              <a:t>then’</a:t>
-            </a:r>
-            <a:r>
-              <a:rPr lang="en-US" sz="1800" dirty="0"/>
-              <a:t>  keyword (which again seen like callback hell)</a:t>
+              <a:t> state</a:t>
             </a:r>
           </a:p>
           <a:p>
@@ -14948,12 +14968,20 @@
               <a:buChar char="q"/>
             </a:pPr>
             <a:r>
+              <a:rPr lang="en-US" sz="1800" dirty="0"/>
+              <a:t>Resolved promise might have error and thus can be in </a:t>
+            </a:r>
+            <a:r>
               <a:rPr lang="en-US" sz="1800" i="1" dirty="0"/>
-              <a:t>await works only inside async function</a:t>
-            </a:r>
-          </a:p>
-          <a:p>
-            <a:endParaRPr lang="en-US" sz="1800" i="1" dirty="0"/>
+              <a:t>rejected </a:t>
+            </a:r>
+            <a:r>
+              <a:rPr lang="en-US" sz="1800" dirty="0"/>
+              <a:t>state</a:t>
+            </a:r>
+          </a:p>
+          <a:p>
+            <a:endParaRPr lang="en-US" sz="1800" dirty="0"/>
           </a:p>
           <a:p>
             <a:pPr>
@@ -14968,7 +14996,7 @@
                 </a:solidFill>
                 <a:latin typeface="Abadi" panose="020B0604020104020204" pitchFamily="34" charset="0"/>
               </a:rPr>
-              <a:t>nodejs-learnings\async_await_demo\asy_awa_pro_pend_demo.js</a:t>
+              <a:t>nodejs-learnings\promise_demo\callback_hell.js</a:t>
             </a:r>
           </a:p>
           <a:p>
@@ -14984,7 +15012,7 @@
                 </a:solidFill>
                 <a:latin typeface="Abadi" panose="020B0604020104020204" pitchFamily="34" charset="0"/>
               </a:rPr>
-              <a:t>nodejs-learnings\async_await_demo\asy_awa_pro_res_demo.js</a:t>
+              <a:t>nodejs-learnings\promise_demo\read_promise.js</a:t>
             </a:r>
           </a:p>
           <a:p>
@@ -15000,7 +15028,7 @@
                 </a:solidFill>
                 <a:latin typeface="Abadi" panose="020B0604020104020204" pitchFamily="34" charset="0"/>
               </a:rPr>
-              <a:t>nodejs-learnings\async_await_demo\asy_awa_pro_avoid_then.js</a:t>
+              <a:t>nodejs-learnings\promise_demo\write_promise.js</a:t>
             </a:r>
           </a:p>
           <a:p>
@@ -15016,31 +15044,10 @@
                 </a:solidFill>
                 <a:latin typeface="Abadi" panose="020B0604020104020204" pitchFamily="34" charset="0"/>
               </a:rPr>
-              <a:t>nodejs-learnings\async_await_demo\asy_awa_pro_anon_way.js</a:t>
-            </a:r>
-          </a:p>
-          <a:p>
-            <a:pPr>
-              <a:spcBef>
-                <a:spcPts val="0"/>
-              </a:spcBef>
-            </a:pPr>
-            <a:r>
-              <a:rPr lang="en-US" dirty="0">
-                <a:solidFill>
-                  <a:srgbClr val="7030A0"/>
-                </a:solidFill>
-                <a:latin typeface="Abadi" panose="020B0604020104020204" pitchFamily="34" charset="0"/>
-              </a:rPr>
-              <a:t>nodejs-learnings\async_await_demo\asy_awa_pro_multi_promise.js</a:t>
-            </a:r>
-          </a:p>
-          <a:p>
-            <a:pPr>
-              <a:spcBef>
-                <a:spcPts val="0"/>
-              </a:spcBef>
-            </a:pPr>
+              <a:t>nodejs-learnings\promise_demo\promise_demo.js</a:t>
+            </a:r>
+          </a:p>
+          <a:p>
             <a:endParaRPr lang="en-US" dirty="0">
               <a:solidFill>
                 <a:srgbClr val="7030A0"/>
@@ -15048,14 +15055,6 @@
               <a:latin typeface="Abadi" panose="020B0604020104020204" pitchFamily="34" charset="0"/>
             </a:endParaRPr>
           </a:p>
-          <a:p>
-            <a:endParaRPr lang="en-US" dirty="0">
-              <a:solidFill>
-                <a:srgbClr val="7030A0"/>
-              </a:solidFill>
-              <a:latin typeface="Abadi" panose="020B0604020104020204" pitchFamily="34" charset="0"/>
-            </a:endParaRPr>
-          </a:p>
         </p:txBody>
       </p:sp>
       <p:sp>
@@ -15129,7 +15128,7 @@
     </p:spTree>
     <p:extLst>
       <p:ext uri="{BB962C8B-B14F-4D97-AF65-F5344CB8AC3E}">
-        <p14:creationId xmlns:p14="http://schemas.microsoft.com/office/powerpoint/2010/main" val="3603229769"/>
+        <p14:creationId xmlns:p14="http://schemas.microsoft.com/office/powerpoint/2010/main" val="4293200995"/>
       </p:ext>
     </p:extLst>
   </p:cSld>
@@ -15161,21 +15160,289 @@
           <p:cNvPr id="2" name="Title 1">
             <a:extLst>
               <a:ext uri="{FF2B5EF4-FFF2-40B4-BE49-F238E27FC236}">
-                <a16:creationId xmlns:a16="http://schemas.microsoft.com/office/drawing/2014/main" id="{B1FE5F11-B7B9-4B80-8C6A-A8A7A7190B77}"/>
-              </a:ext>
-            </a:extLst>
-          </p:cNvPr>
-          <p:cNvSpPr>
-            <a:spLocks noGrp="1"/>
-          </p:cNvSpPr>
-          <p:nvPr>
-            <p:ph type="ctrTitle"/>
-          </p:nvPr>
-        </p:nvSpPr>
-        <p:spPr>
-          <a:xfrm>
-            <a:off x="6991350" y="2148840"/>
-            <a:ext cx="4179570" cy="1715531"/>
+                <a16:creationId xmlns:a16="http://schemas.microsoft.com/office/drawing/2014/main" id="{0A32731C-311B-46F7-A865-6C3AF6B09A47}"/>
+              </a:ext>
+            </a:extLst>
+          </p:cNvPr>
+          <p:cNvSpPr>
+            <a:spLocks noGrp="1"/>
+          </p:cNvSpPr>
+          <p:nvPr>
+            <p:ph type="title"/>
+          </p:nvPr>
+        </p:nvSpPr>
+        <p:spPr>
+          <a:xfrm>
+            <a:off x="686213" y="153780"/>
+            <a:ext cx="6377196" cy="517664"/>
+          </a:xfrm>
+        </p:spPr>
+        <p:txBody>
+          <a:bodyPr>
+            <a:normAutofit/>
+          </a:bodyPr>
+          <a:lstStyle/>
+          <a:p>
+            <a:r>
+              <a:rPr lang="en-US" sz="2400" dirty="0"/>
+              <a:t>Async-await</a:t>
+            </a:r>
+          </a:p>
+        </p:txBody>
+      </p:sp>
+      <p:sp>
+        <p:nvSpPr>
+          <p:cNvPr id="3" name="Text Placeholder 2">
+            <a:extLst>
+              <a:ext uri="{FF2B5EF4-FFF2-40B4-BE49-F238E27FC236}">
+                <a16:creationId xmlns:a16="http://schemas.microsoft.com/office/drawing/2014/main" id="{9D5232F9-FD00-464A-9F17-619C91AEF8F3}"/>
+              </a:ext>
+            </a:extLst>
+          </p:cNvPr>
+          <p:cNvSpPr>
+            <a:spLocks noGrp="1"/>
+          </p:cNvSpPr>
+          <p:nvPr>
+            <p:ph type="body" idx="1"/>
+          </p:nvPr>
+        </p:nvSpPr>
+        <p:spPr>
+          <a:xfrm>
+            <a:off x="686213" y="895417"/>
+            <a:ext cx="8139734" cy="5094565"/>
+          </a:xfrm>
+        </p:spPr>
+        <p:txBody>
+          <a:bodyPr>
+            <a:normAutofit/>
+          </a:bodyPr>
+          <a:lstStyle/>
+          <a:p>
+            <a:pPr marL="285750" indent="-285750">
+              <a:buFont typeface="Wingdings" panose="05000000000000000000" pitchFamily="2" charset="2"/>
+              <a:buChar char="q"/>
+            </a:pPr>
+            <a:r>
+              <a:rPr lang="en-US" sz="1800" dirty="0"/>
+              <a:t>Mostly Promise would be consumed more than produced</a:t>
+            </a:r>
+          </a:p>
+          <a:p>
+            <a:pPr marL="285750" indent="-285750">
+              <a:buFont typeface="Wingdings" panose="05000000000000000000" pitchFamily="2" charset="2"/>
+              <a:buChar char="q"/>
+            </a:pPr>
+            <a:r>
+              <a:rPr lang="en-US" sz="1800" i="1" dirty="0"/>
+              <a:t>async, </a:t>
+            </a:r>
+            <a:r>
+              <a:rPr lang="en-US" sz="1800" dirty="0"/>
+              <a:t>as the word suggest will process code in background allowing other things to be processed simultaneously</a:t>
+            </a:r>
+          </a:p>
+          <a:p>
+            <a:pPr marL="285750" indent="-285750">
+              <a:buFont typeface="Wingdings" panose="05000000000000000000" pitchFamily="2" charset="2"/>
+              <a:buChar char="q"/>
+            </a:pPr>
+            <a:r>
+              <a:rPr lang="en-US" sz="1800" i="1" dirty="0"/>
+              <a:t>async </a:t>
+            </a:r>
+            <a:r>
+              <a:rPr lang="en-US" sz="1800" dirty="0"/>
+              <a:t>function will return </a:t>
+            </a:r>
+            <a:r>
+              <a:rPr lang="en-US" sz="1800" i="1" dirty="0"/>
+              <a:t>Promise (will see in demo)</a:t>
+            </a:r>
+          </a:p>
+          <a:p>
+            <a:pPr marL="285750" indent="-285750">
+              <a:buFont typeface="Wingdings" panose="05000000000000000000" pitchFamily="2" charset="2"/>
+              <a:buChar char="q"/>
+            </a:pPr>
+            <a:r>
+              <a:rPr lang="en-US" sz="1800" dirty="0"/>
+              <a:t>Inside </a:t>
+            </a:r>
+            <a:r>
+              <a:rPr lang="en-US" sz="1800" i="1" dirty="0"/>
+              <a:t>async </a:t>
+            </a:r>
+            <a:r>
+              <a:rPr lang="en-US" sz="1800" dirty="0"/>
+              <a:t>function, there will be one or more </a:t>
+            </a:r>
+            <a:r>
+              <a:rPr lang="en-US" sz="1800" i="1" dirty="0"/>
+              <a:t>await </a:t>
+            </a:r>
+            <a:r>
+              <a:rPr lang="en-US" sz="1800" dirty="0"/>
+              <a:t>expressions</a:t>
+            </a:r>
+          </a:p>
+          <a:p>
+            <a:pPr marL="285750" indent="-285750">
+              <a:buFont typeface="Wingdings" panose="05000000000000000000" pitchFamily="2" charset="2"/>
+              <a:buChar char="q"/>
+            </a:pPr>
+            <a:r>
+              <a:rPr lang="en-US" sz="1800" i="1" dirty="0"/>
+              <a:t>await </a:t>
+            </a:r>
+            <a:r>
+              <a:rPr lang="en-US" sz="1800" dirty="0"/>
+              <a:t>will wait till promise is resolved, so there is no need to ‘</a:t>
+            </a:r>
+            <a:r>
+              <a:rPr lang="en-US" sz="1800" i="1" dirty="0"/>
+              <a:t>then’</a:t>
+            </a:r>
+            <a:r>
+              <a:rPr lang="en-US" sz="1800" dirty="0"/>
+              <a:t>  keyword (which again seen like callback hell)</a:t>
+            </a:r>
+          </a:p>
+          <a:p>
+            <a:pPr marL="285750" indent="-285750">
+              <a:buFont typeface="Wingdings" panose="05000000000000000000" pitchFamily="2" charset="2"/>
+              <a:buChar char="q"/>
+            </a:pPr>
+            <a:r>
+              <a:rPr lang="en-US" sz="1800" i="1" dirty="0"/>
+              <a:t>await works only inside async function</a:t>
+            </a:r>
+          </a:p>
+          <a:p>
+            <a:endParaRPr lang="en-US" sz="1800" i="1" dirty="0"/>
+          </a:p>
+          <a:p>
+            <a:pPr>
+              <a:spcBef>
+                <a:spcPts val="0"/>
+              </a:spcBef>
+            </a:pPr>
+            <a:r>
+              <a:rPr lang="en-US" dirty="0">
+                <a:solidFill>
+                  <a:srgbClr val="7030A0"/>
+                </a:solidFill>
+                <a:latin typeface="Abadi" panose="020B0604020104020204" pitchFamily="34" charset="0"/>
+              </a:rPr>
+              <a:t>nodejs-learnings\async_await_demo\asy_awa_pro_pend_demo.js</a:t>
+            </a:r>
+          </a:p>
+          <a:p>
+            <a:pPr>
+              <a:spcBef>
+                <a:spcPts val="0"/>
+              </a:spcBef>
+            </a:pPr>
+            <a:r>
+              <a:rPr lang="en-US" dirty="0">
+                <a:solidFill>
+                  <a:srgbClr val="7030A0"/>
+                </a:solidFill>
+                <a:latin typeface="Abadi" panose="020B0604020104020204" pitchFamily="34" charset="0"/>
+              </a:rPr>
+              <a:t>nodejs-learnings\async_await_demo\asy_awa_pro_res_demo.js</a:t>
+            </a:r>
+          </a:p>
+          <a:p>
+            <a:pPr>
+              <a:spcBef>
+                <a:spcPts val="0"/>
+              </a:spcBef>
+            </a:pPr>
+            <a:r>
+              <a:rPr lang="en-US" dirty="0">
+                <a:solidFill>
+                  <a:srgbClr val="7030A0"/>
+                </a:solidFill>
+                <a:latin typeface="Abadi" panose="020B0604020104020204" pitchFamily="34" charset="0"/>
+              </a:rPr>
+              <a:t>nodejs-learnings\async_await_demo\asy_awa_pro_avoid_then.js</a:t>
+            </a:r>
+          </a:p>
+          <a:p>
+            <a:pPr>
+              <a:spcBef>
+                <a:spcPts val="0"/>
+              </a:spcBef>
+            </a:pPr>
+            <a:r>
+              <a:rPr lang="en-US" dirty="0">
+                <a:solidFill>
+                  <a:srgbClr val="7030A0"/>
+                </a:solidFill>
+                <a:latin typeface="Abadi" panose="020B0604020104020204" pitchFamily="34" charset="0"/>
+              </a:rPr>
+              <a:t>nodejs-learnings\async_await_demo\asy_awa_pro_anon_way.js</a:t>
+            </a:r>
+          </a:p>
+          <a:p>
+            <a:pPr>
+              <a:spcBef>
+                <a:spcPts val="0"/>
+              </a:spcBef>
+            </a:pPr>
+            <a:r>
+              <a:rPr lang="en-US" dirty="0">
+                <a:solidFill>
+                  <a:srgbClr val="7030A0"/>
+                </a:solidFill>
+                <a:latin typeface="Abadi" panose="020B0604020104020204" pitchFamily="34" charset="0"/>
+              </a:rPr>
+              <a:t>nodejs-learnings\async_await_demo\asy_awa_pro_multi_promise.js</a:t>
+            </a:r>
+          </a:p>
+          <a:p>
+            <a:pPr>
+              <a:spcBef>
+                <a:spcPts val="0"/>
+              </a:spcBef>
+            </a:pPr>
+            <a:endParaRPr lang="en-US" dirty="0">
+              <a:solidFill>
+                <a:srgbClr val="7030A0"/>
+              </a:solidFill>
+              <a:latin typeface="Abadi" panose="020B0604020104020204" pitchFamily="34" charset="0"/>
+            </a:endParaRPr>
+          </a:p>
+          <a:p>
+            <a:endParaRPr lang="en-US" dirty="0">
+              <a:solidFill>
+                <a:srgbClr val="7030A0"/>
+              </a:solidFill>
+              <a:latin typeface="Abadi" panose="020B0604020104020204" pitchFamily="34" charset="0"/>
+            </a:endParaRPr>
+          </a:p>
+        </p:txBody>
+      </p:sp>
+      <p:sp>
+        <p:nvSpPr>
+          <p:cNvPr id="4" name="Date Placeholder 3">
+            <a:extLst>
+              <a:ext uri="{FF2B5EF4-FFF2-40B4-BE49-F238E27FC236}">
+                <a16:creationId xmlns:a16="http://schemas.microsoft.com/office/drawing/2014/main" id="{70E12647-CCB2-45E2-A9CB-A868F490497E}"/>
+              </a:ext>
+            </a:extLst>
+          </p:cNvPr>
+          <p:cNvSpPr>
+            <a:spLocks noGrp="1"/>
+          </p:cNvSpPr>
+          <p:nvPr>
+            <p:ph type="dt" sz="half" idx="10"/>
+          </p:nvPr>
+        </p:nvSpPr>
+        <p:spPr>
+          <a:xfrm>
+            <a:off x="838200" y="6356350"/>
+            <a:ext cx="1219200" cy="365125"/>
           </a:xfrm>
         </p:spPr>
         <p:txBody>
@@ -15183,16 +15450,51 @@
           <a:lstStyle/>
           <a:p>
             <a:r>
-              <a:rPr lang="en-US" sz="3200" dirty="0"/>
-              <a:t>Express</a:t>
-            </a:r>
+              <a:rPr lang="en-US" dirty="0"/>
+              <a:t>2023</a:t>
+            </a:r>
+          </a:p>
+        </p:txBody>
+      </p:sp>
+      <p:sp>
+        <p:nvSpPr>
+          <p:cNvPr id="6" name="Slide Number Placeholder 5">
+            <a:extLst>
+              <a:ext uri="{FF2B5EF4-FFF2-40B4-BE49-F238E27FC236}">
+                <a16:creationId xmlns:a16="http://schemas.microsoft.com/office/drawing/2014/main" id="{7BC1787E-7110-4989-B0B8-DD4E0ACC09DF}"/>
+              </a:ext>
+            </a:extLst>
+          </p:cNvPr>
+          <p:cNvSpPr>
+            <a:spLocks noGrp="1"/>
+          </p:cNvSpPr>
+          <p:nvPr>
+            <p:ph type="sldNum" sz="quarter" idx="12"/>
+          </p:nvPr>
+        </p:nvSpPr>
+        <p:spPr>
+          <a:xfrm>
+            <a:off x="8610600" y="6356350"/>
+            <a:ext cx="2743200" cy="365125"/>
+          </a:xfrm>
+        </p:spPr>
+        <p:txBody>
+          <a:bodyPr/>
+          <a:lstStyle/>
+          <a:p>
+            <a:fld id="{A49DFD55-3C28-40EF-9E31-A92D2E4017FF}" type="slidenum">
+              <a:rPr lang="en-US" smtClean="0"/>
+              <a:pPr/>
+              <a:t>17</a:t>
+            </a:fld>
+            <a:endParaRPr lang="en-US" dirty="0"/>
           </a:p>
         </p:txBody>
       </p:sp>
     </p:spTree>
     <p:extLst>
       <p:ext uri="{BB962C8B-B14F-4D97-AF65-F5344CB8AC3E}">
-        <p14:creationId xmlns:p14="http://schemas.microsoft.com/office/powerpoint/2010/main" val="3895701532"/>
+        <p14:creationId xmlns:p14="http://schemas.microsoft.com/office/powerpoint/2010/main" val="3603229769"/>
       </p:ext>
     </p:extLst>
   </p:cSld>
@@ -15224,56 +15526,21 @@
           <p:cNvPr id="2" name="Title 1">
             <a:extLst>
               <a:ext uri="{FF2B5EF4-FFF2-40B4-BE49-F238E27FC236}">
-                <a16:creationId xmlns:a16="http://schemas.microsoft.com/office/drawing/2014/main" id="{0A32731C-311B-46F7-A865-6C3AF6B09A47}"/>
-              </a:ext>
-            </a:extLst>
-          </p:cNvPr>
-          <p:cNvSpPr>
-            <a:spLocks noGrp="1"/>
-          </p:cNvSpPr>
-          <p:nvPr>
-            <p:ph type="title"/>
-          </p:nvPr>
-        </p:nvSpPr>
-        <p:spPr>
-          <a:xfrm>
-            <a:off x="686213" y="153780"/>
-            <a:ext cx="5111750" cy="517664"/>
-          </a:xfrm>
-        </p:spPr>
-        <p:txBody>
-          <a:bodyPr>
-            <a:normAutofit/>
-          </a:bodyPr>
-          <a:lstStyle/>
-          <a:p>
-            <a:r>
-              <a:rPr lang="en-US" sz="2400" dirty="0"/>
-              <a:t>Express</a:t>
-            </a:r>
-          </a:p>
-        </p:txBody>
-      </p:sp>
-      <p:sp>
-        <p:nvSpPr>
-          <p:cNvPr id="4" name="Date Placeholder 3">
-            <a:extLst>
-              <a:ext uri="{FF2B5EF4-FFF2-40B4-BE49-F238E27FC236}">
-                <a16:creationId xmlns:a16="http://schemas.microsoft.com/office/drawing/2014/main" id="{70E12647-CCB2-45E2-A9CB-A868F490497E}"/>
-              </a:ext>
-            </a:extLst>
-          </p:cNvPr>
-          <p:cNvSpPr>
-            <a:spLocks noGrp="1"/>
-          </p:cNvSpPr>
-          <p:nvPr>
-            <p:ph type="dt" sz="half" idx="10"/>
-          </p:nvPr>
-        </p:nvSpPr>
-        <p:spPr>
-          <a:xfrm>
-            <a:off x="838200" y="6356350"/>
-            <a:ext cx="1219200" cy="365125"/>
+                <a16:creationId xmlns:a16="http://schemas.microsoft.com/office/drawing/2014/main" id="{B1FE5F11-B7B9-4B80-8C6A-A8A7A7190B77}"/>
+              </a:ext>
+            </a:extLst>
+          </p:cNvPr>
+          <p:cNvSpPr>
+            <a:spLocks noGrp="1"/>
+          </p:cNvSpPr>
+          <p:nvPr>
+            <p:ph type="ctrTitle"/>
+          </p:nvPr>
+        </p:nvSpPr>
+        <p:spPr>
+          <a:xfrm>
+            <a:off x="6991350" y="2148840"/>
+            <a:ext cx="4179570" cy="1715531"/>
           </a:xfrm>
         </p:spPr>
         <p:txBody>
@@ -15281,318 +15548,16 @@
           <a:lstStyle/>
           <a:p>
             <a:r>
-              <a:rPr lang="en-US" dirty="0"/>
-              <a:t>2023</a:t>
-            </a:r>
-          </a:p>
-        </p:txBody>
-      </p:sp>
-      <p:sp>
-        <p:nvSpPr>
-          <p:cNvPr id="6" name="Slide Number Placeholder 5">
-            <a:extLst>
-              <a:ext uri="{FF2B5EF4-FFF2-40B4-BE49-F238E27FC236}">
-                <a16:creationId xmlns:a16="http://schemas.microsoft.com/office/drawing/2014/main" id="{7BC1787E-7110-4989-B0B8-DD4E0ACC09DF}"/>
-              </a:ext>
-            </a:extLst>
-          </p:cNvPr>
-          <p:cNvSpPr>
-            <a:spLocks noGrp="1"/>
-          </p:cNvSpPr>
-          <p:nvPr>
-            <p:ph type="sldNum" sz="quarter" idx="12"/>
-          </p:nvPr>
-        </p:nvSpPr>
-        <p:spPr>
-          <a:xfrm>
-            <a:off x="8610600" y="6356350"/>
-            <a:ext cx="2743200" cy="365125"/>
-          </a:xfrm>
-        </p:spPr>
-        <p:txBody>
-          <a:bodyPr/>
-          <a:lstStyle/>
-          <a:p>
-            <a:fld id="{A49DFD55-3C28-40EF-9E31-A92D2E4017FF}" type="slidenum">
-              <a:rPr lang="en-US" smtClean="0"/>
-              <a:pPr/>
-              <a:t>18</a:t>
-            </a:fld>
-            <a:endParaRPr lang="en-US" dirty="0"/>
-          </a:p>
-        </p:txBody>
-      </p:sp>
-      <p:pic>
-        <p:nvPicPr>
-          <p:cNvPr id="7" name="Picture 6" descr="A picture containing text&#10;&#10;Description automatically generated">
-            <a:extLst>
-              <a:ext uri="{FF2B5EF4-FFF2-40B4-BE49-F238E27FC236}">
-                <a16:creationId xmlns:a16="http://schemas.microsoft.com/office/drawing/2014/main" id="{BC73159D-48DB-DDF9-245A-334213181021}"/>
-              </a:ext>
-            </a:extLst>
-          </p:cNvPr>
-          <p:cNvPicPr>
-            <a:picLocks noChangeAspect="1"/>
-          </p:cNvPicPr>
-          <p:nvPr/>
-        </p:nvPicPr>
-        <p:blipFill>
-          <a:blip r:embed="rId3"/>
-          <a:stretch>
-            <a:fillRect/>
-          </a:stretch>
-        </p:blipFill>
-        <p:spPr>
-          <a:xfrm>
-            <a:off x="686213" y="868018"/>
-            <a:ext cx="7888705" cy="3715268"/>
-          </a:xfrm>
-          <a:prstGeom prst="rect">
-            <a:avLst/>
-          </a:prstGeom>
-        </p:spPr>
-      </p:pic>
-      <p:sp>
-        <p:nvSpPr>
-          <p:cNvPr id="8" name="Text Placeholder 2">
-            <a:extLst>
-              <a:ext uri="{FF2B5EF4-FFF2-40B4-BE49-F238E27FC236}">
-                <a16:creationId xmlns:a16="http://schemas.microsoft.com/office/drawing/2014/main" id="{60ED2FD2-8304-9961-36D1-C89DB41703DE}"/>
-              </a:ext>
-            </a:extLst>
-          </p:cNvPr>
-          <p:cNvSpPr txBox="1">
-            <a:spLocks/>
-          </p:cNvSpPr>
-          <p:nvPr/>
-        </p:nvSpPr>
-        <p:spPr>
-          <a:xfrm>
-            <a:off x="686213" y="4779861"/>
-            <a:ext cx="8139734" cy="1043423"/>
-          </a:xfrm>
-          <a:prstGeom prst="rect">
-            <a:avLst/>
-          </a:prstGeom>
-        </p:spPr>
-        <p:txBody>
-          <a:bodyPr vert="horz" lIns="91440" tIns="45720" rIns="91440" bIns="45720" rtlCol="0">
-            <a:normAutofit/>
-          </a:bodyPr>
-          <a:lstStyle>
-            <a:lvl1pPr marL="0" indent="0" algn="l" defTabSz="914400" rtl="0" eaLnBrk="1" latinLnBrk="0" hangingPunct="1">
-              <a:lnSpc>
-                <a:spcPct val="100000"/>
-              </a:lnSpc>
-              <a:spcBef>
-                <a:spcPts val="1000"/>
-              </a:spcBef>
-              <a:buFont typeface="Arial" panose="020B0604020202020204" pitchFamily="34" charset="0"/>
-              <a:buNone/>
-              <a:defRPr sz="1400" kern="1200" spc="50" baseline="0">
-                <a:solidFill>
-                  <a:schemeClr val="tx1"/>
-                </a:solidFill>
-                <a:latin typeface="+mn-lt"/>
-                <a:ea typeface="+mn-ea"/>
-                <a:cs typeface="+mn-cs"/>
-              </a:defRPr>
-            </a:lvl1pPr>
-            <a:lvl2pPr marL="457200" indent="0" algn="l" defTabSz="914400" rtl="0" eaLnBrk="1" latinLnBrk="0" hangingPunct="1">
-              <a:lnSpc>
-                <a:spcPct val="90000"/>
-              </a:lnSpc>
-              <a:spcBef>
-                <a:spcPts val="500"/>
-              </a:spcBef>
-              <a:buFont typeface="Arial" panose="020B0604020202020204" pitchFamily="34" charset="0"/>
-              <a:buNone/>
-              <a:defRPr sz="2000" kern="1200">
-                <a:solidFill>
-                  <a:schemeClr val="tx1">
-                    <a:tint val="75000"/>
-                  </a:schemeClr>
-                </a:solidFill>
-                <a:latin typeface="+mn-lt"/>
-                <a:ea typeface="+mn-ea"/>
-                <a:cs typeface="+mn-cs"/>
-              </a:defRPr>
-            </a:lvl2pPr>
-            <a:lvl3pPr marL="914400" indent="0" algn="l" defTabSz="914400" rtl="0" eaLnBrk="1" latinLnBrk="0" hangingPunct="1">
-              <a:lnSpc>
-                <a:spcPct val="90000"/>
-              </a:lnSpc>
-              <a:spcBef>
-                <a:spcPts val="500"/>
-              </a:spcBef>
-              <a:buFont typeface="Arial" panose="020B0604020202020204" pitchFamily="34" charset="0"/>
-              <a:buNone/>
-              <a:defRPr sz="1800" kern="1200">
-                <a:solidFill>
-                  <a:schemeClr val="tx1">
-                    <a:tint val="75000"/>
-                  </a:schemeClr>
-                </a:solidFill>
-                <a:latin typeface="+mn-lt"/>
-                <a:ea typeface="+mn-ea"/>
-                <a:cs typeface="+mn-cs"/>
-              </a:defRPr>
-            </a:lvl3pPr>
-            <a:lvl4pPr marL="1371600" indent="0" algn="l" defTabSz="914400" rtl="0" eaLnBrk="1" latinLnBrk="0" hangingPunct="1">
-              <a:lnSpc>
-                <a:spcPct val="90000"/>
-              </a:lnSpc>
-              <a:spcBef>
-                <a:spcPts val="500"/>
-              </a:spcBef>
-              <a:buFont typeface="Arial" panose="020B0604020202020204" pitchFamily="34" charset="0"/>
-              <a:buNone/>
-              <a:defRPr sz="1600" kern="1200">
-                <a:solidFill>
-                  <a:schemeClr val="tx1">
-                    <a:tint val="75000"/>
-                  </a:schemeClr>
-                </a:solidFill>
-                <a:latin typeface="+mn-lt"/>
-                <a:ea typeface="+mn-ea"/>
-                <a:cs typeface="+mn-cs"/>
-              </a:defRPr>
-            </a:lvl4pPr>
-            <a:lvl5pPr marL="1828800" indent="0" algn="l" defTabSz="914400" rtl="0" eaLnBrk="1" latinLnBrk="0" hangingPunct="1">
-              <a:lnSpc>
-                <a:spcPct val="90000"/>
-              </a:lnSpc>
-              <a:spcBef>
-                <a:spcPts val="500"/>
-              </a:spcBef>
-              <a:buFont typeface="Arial" panose="020B0604020202020204" pitchFamily="34" charset="0"/>
-              <a:buNone/>
-              <a:defRPr sz="1600" kern="1200">
-                <a:solidFill>
-                  <a:schemeClr val="tx1">
-                    <a:tint val="75000"/>
-                  </a:schemeClr>
-                </a:solidFill>
-                <a:latin typeface="+mn-lt"/>
-                <a:ea typeface="+mn-ea"/>
-                <a:cs typeface="+mn-cs"/>
-              </a:defRPr>
-            </a:lvl5pPr>
-            <a:lvl6pPr marL="2286000" indent="0" algn="l" defTabSz="914400" rtl="0" eaLnBrk="1" latinLnBrk="0" hangingPunct="1">
-              <a:lnSpc>
-                <a:spcPct val="90000"/>
-              </a:lnSpc>
-              <a:spcBef>
-                <a:spcPts val="500"/>
-              </a:spcBef>
-              <a:buFont typeface="Arial" panose="020B0604020202020204" pitchFamily="34" charset="0"/>
-              <a:buNone/>
-              <a:defRPr sz="1600" kern="1200">
-                <a:solidFill>
-                  <a:schemeClr val="tx1">
-                    <a:tint val="75000"/>
-                  </a:schemeClr>
-                </a:solidFill>
-                <a:latin typeface="+mn-lt"/>
-                <a:ea typeface="+mn-ea"/>
-                <a:cs typeface="+mn-cs"/>
-              </a:defRPr>
-            </a:lvl6pPr>
-            <a:lvl7pPr marL="2743200" indent="0" algn="l" defTabSz="914400" rtl="0" eaLnBrk="1" latinLnBrk="0" hangingPunct="1">
-              <a:lnSpc>
-                <a:spcPct val="90000"/>
-              </a:lnSpc>
-              <a:spcBef>
-                <a:spcPts val="500"/>
-              </a:spcBef>
-              <a:buFont typeface="Arial" panose="020B0604020202020204" pitchFamily="34" charset="0"/>
-              <a:buNone/>
-              <a:defRPr sz="1600" kern="1200">
-                <a:solidFill>
-                  <a:schemeClr val="tx1">
-                    <a:tint val="75000"/>
-                  </a:schemeClr>
-                </a:solidFill>
-                <a:latin typeface="+mn-lt"/>
-                <a:ea typeface="+mn-ea"/>
-                <a:cs typeface="+mn-cs"/>
-              </a:defRPr>
-            </a:lvl7pPr>
-            <a:lvl8pPr marL="3200400" indent="0" algn="l" defTabSz="914400" rtl="0" eaLnBrk="1" latinLnBrk="0" hangingPunct="1">
-              <a:lnSpc>
-                <a:spcPct val="90000"/>
-              </a:lnSpc>
-              <a:spcBef>
-                <a:spcPts val="500"/>
-              </a:spcBef>
-              <a:buFont typeface="Arial" panose="020B0604020202020204" pitchFamily="34" charset="0"/>
-              <a:buNone/>
-              <a:defRPr sz="1600" kern="1200">
-                <a:solidFill>
-                  <a:schemeClr val="tx1">
-                    <a:tint val="75000"/>
-                  </a:schemeClr>
-                </a:solidFill>
-                <a:latin typeface="+mn-lt"/>
-                <a:ea typeface="+mn-ea"/>
-                <a:cs typeface="+mn-cs"/>
-              </a:defRPr>
-            </a:lvl8pPr>
-            <a:lvl9pPr marL="3657600" indent="0" algn="l" defTabSz="914400" rtl="0" eaLnBrk="1" latinLnBrk="0" hangingPunct="1">
-              <a:lnSpc>
-                <a:spcPct val="90000"/>
-              </a:lnSpc>
-              <a:spcBef>
-                <a:spcPts val="500"/>
-              </a:spcBef>
-              <a:buFont typeface="Arial" panose="020B0604020202020204" pitchFamily="34" charset="0"/>
-              <a:buNone/>
-              <a:defRPr sz="1600" kern="1200">
-                <a:solidFill>
-                  <a:schemeClr val="tx1">
-                    <a:tint val="75000"/>
-                  </a:schemeClr>
-                </a:solidFill>
-                <a:latin typeface="+mn-lt"/>
-                <a:ea typeface="+mn-ea"/>
-                <a:cs typeface="+mn-cs"/>
-              </a:defRPr>
-            </a:lvl9pPr>
-          </a:lstStyle>
-          <a:p>
-            <a:pPr marL="285750" indent="-285750">
-              <a:buFont typeface="Wingdings" panose="05000000000000000000" pitchFamily="2" charset="2"/>
-              <a:buChar char="q"/>
-            </a:pPr>
-            <a:r>
-              <a:rPr lang="en-US" sz="1800" dirty="0"/>
-              <a:t>Build on top of node js, makes easier to write node js applications</a:t>
-            </a:r>
-          </a:p>
-          <a:p>
-            <a:r>
-              <a:rPr lang="en-US" dirty="0">
-                <a:solidFill>
-                  <a:srgbClr val="7030A0"/>
-                </a:solidFill>
-                <a:latin typeface="Abadi" panose="020B0604020104020204" pitchFamily="34" charset="0"/>
-              </a:rPr>
-              <a:t> nodejs-learnings\express_demo\app_1.js (postman – GET app_1/, GET app_1/json, POST   app_1)</a:t>
-            </a:r>
-          </a:p>
-          <a:p>
-            <a:pPr marL="285750" indent="-285750">
-              <a:buFont typeface="Wingdings" panose="05000000000000000000" pitchFamily="2" charset="2"/>
-              <a:buChar char="q"/>
-            </a:pPr>
-            <a:endParaRPr lang="en-US" sz="1800" dirty="0"/>
+              <a:rPr lang="en-US" sz="3200" dirty="0"/>
+              <a:t>Express</a:t>
+            </a:r>
           </a:p>
         </p:txBody>
       </p:sp>
     </p:spTree>
     <p:extLst>
       <p:ext uri="{BB962C8B-B14F-4D97-AF65-F5344CB8AC3E}">
-        <p14:creationId xmlns:p14="http://schemas.microsoft.com/office/powerpoint/2010/main" val="2970716428"/>
+        <p14:creationId xmlns:p14="http://schemas.microsoft.com/office/powerpoint/2010/main" val="3895701532"/>
       </p:ext>
     </p:extLst>
   </p:cSld>
@@ -15638,7 +15603,7 @@
         <p:spPr>
           <a:xfrm>
             <a:off x="686213" y="153780"/>
-            <a:ext cx="6377196" cy="517664"/>
+            <a:ext cx="5111750" cy="517664"/>
           </a:xfrm>
         </p:spPr>
         <p:txBody>
@@ -15649,157 +15614,8 @@
           <a:p>
             <a:r>
               <a:rPr lang="en-US" sz="2400" dirty="0"/>
-              <a:t>REST APIs</a:t>
-            </a:r>
-          </a:p>
-        </p:txBody>
-      </p:sp>
-      <p:sp>
-        <p:nvSpPr>
-          <p:cNvPr id="3" name="Text Placeholder 2">
-            <a:extLst>
-              <a:ext uri="{FF2B5EF4-FFF2-40B4-BE49-F238E27FC236}">
-                <a16:creationId xmlns:a16="http://schemas.microsoft.com/office/drawing/2014/main" id="{9D5232F9-FD00-464A-9F17-619C91AEF8F3}"/>
-              </a:ext>
-            </a:extLst>
-          </p:cNvPr>
-          <p:cNvSpPr>
-            <a:spLocks noGrp="1"/>
-          </p:cNvSpPr>
-          <p:nvPr>
-            <p:ph type="body" idx="1"/>
-          </p:nvPr>
-        </p:nvSpPr>
-        <p:spPr>
-          <a:xfrm>
-            <a:off x="686213" y="895417"/>
-            <a:ext cx="8139734" cy="4340726"/>
-          </a:xfrm>
-        </p:spPr>
-        <p:txBody>
-          <a:bodyPr>
-            <a:normAutofit/>
-          </a:bodyPr>
-          <a:lstStyle/>
-          <a:p>
-            <a:pPr marL="285750" indent="-285750">
-              <a:buFont typeface="Wingdings" panose="05000000000000000000" pitchFamily="2" charset="2"/>
-              <a:buChar char="q"/>
-            </a:pPr>
-            <a:r>
-              <a:rPr lang="en-US" sz="1800" dirty="0"/>
-              <a:t>Express helps to quickly implement REST apis</a:t>
-            </a:r>
-          </a:p>
-          <a:p>
-            <a:pPr marL="285750" indent="-285750">
-              <a:buFont typeface="Wingdings" panose="05000000000000000000" pitchFamily="2" charset="2"/>
-              <a:buChar char="q"/>
-            </a:pPr>
-            <a:r>
-              <a:rPr lang="en-US" sz="1800" dirty="0"/>
-              <a:t>Demo for GET and POST request, with JSON object</a:t>
-            </a:r>
-          </a:p>
-          <a:p>
-            <a:pPr marL="285750" indent="-285750">
-              <a:buFont typeface="Wingdings" panose="05000000000000000000" pitchFamily="2" charset="2"/>
-              <a:buChar char="q"/>
-            </a:pPr>
-            <a:r>
-              <a:rPr lang="en-US" sz="1800" dirty="0"/>
-              <a:t>Express </a:t>
-            </a:r>
-            <a:r>
-              <a:rPr lang="en-US" sz="1800" i="1" dirty="0"/>
-              <a:t>middleware </a:t>
-            </a:r>
-            <a:r>
-              <a:rPr lang="en-US" sz="1800" dirty="0"/>
-              <a:t>are functions, which have access to request and response objects (</a:t>
-            </a:r>
-            <a:r>
-              <a:rPr lang="en-US" sz="1800" i="1" dirty="0">
-                <a:solidFill>
-                  <a:srgbClr val="0070C0"/>
-                </a:solidFill>
-              </a:rPr>
-              <a:t>app demonstrate a usage to plug request json to middleware</a:t>
-            </a:r>
-            <a:r>
-              <a:rPr lang="en-US" sz="1800" dirty="0"/>
-              <a:t>)</a:t>
-            </a:r>
-          </a:p>
-          <a:p>
-            <a:pPr>
-              <a:spcBef>
-                <a:spcPts val="0"/>
-              </a:spcBef>
-            </a:pPr>
-            <a:endParaRPr lang="en-US" dirty="0">
-              <a:solidFill>
-                <a:srgbClr val="7030A0"/>
-              </a:solidFill>
-              <a:latin typeface="Abadi" panose="020B0604020104020204" pitchFamily="34" charset="0"/>
-            </a:endParaRPr>
-          </a:p>
-          <a:p>
-            <a:r>
-              <a:rPr lang="en-US" dirty="0">
-                <a:solidFill>
-                  <a:srgbClr val="7030A0"/>
-                </a:solidFill>
-                <a:latin typeface="Abadi" panose="020B0604020104020204" pitchFamily="34" charset="0"/>
-              </a:rPr>
-              <a:t>nodejs-learnings\express_demo\app_2.js </a:t>
-            </a:r>
-            <a:r>
-              <a:rPr lang="en-US" dirty="0">
-                <a:solidFill>
-                  <a:schemeClr val="accent2">
-                    <a:lumMod val="75000"/>
-                  </a:schemeClr>
-                </a:solidFill>
-                <a:latin typeface="Abadi" panose="020B0604020104020204" pitchFamily="34" charset="0"/>
-              </a:rPr>
-              <a:t>(postman – GET app_2/api/v1/fruits, GET app_2/api/v1/fruits/id, POST app_2/api/v1/fruits)</a:t>
-            </a:r>
-          </a:p>
-          <a:p>
-            <a:pPr>
-              <a:spcBef>
-                <a:spcPts val="0"/>
-              </a:spcBef>
-            </a:pPr>
-            <a:endParaRPr lang="en-US" dirty="0">
-              <a:solidFill>
-                <a:srgbClr val="7030A0"/>
-              </a:solidFill>
-              <a:latin typeface="Abadi" panose="020B0604020104020204" pitchFamily="34" charset="0"/>
-            </a:endParaRPr>
-          </a:p>
-          <a:p>
-            <a:pPr marL="285750" indent="-285750">
-              <a:buFont typeface="Wingdings" panose="05000000000000000000" pitchFamily="2" charset="2"/>
-              <a:buChar char="q"/>
-            </a:pPr>
-            <a:r>
-              <a:rPr lang="en-US" sz="1800" dirty="0">
-                <a:solidFill>
-                  <a:srgbClr val="C00000"/>
-                </a:solidFill>
-              </a:rPr>
-              <a:t>Assignments – PUT and DELETE requests</a:t>
-            </a:r>
-          </a:p>
-          <a:p>
-            <a:endParaRPr lang="en-US" dirty="0">
-              <a:solidFill>
-                <a:srgbClr val="7030A0"/>
-              </a:solidFill>
-              <a:latin typeface="Abadi" panose="020B0604020104020204" pitchFamily="34" charset="0"/>
-            </a:endParaRPr>
+              <a:t>Express</a:t>
+            </a:r>
           </a:p>
         </p:txBody>
       </p:sp>
@@ -15871,10 +15687,277 @@
           </a:p>
         </p:txBody>
       </p:sp>
+      <p:pic>
+        <p:nvPicPr>
+          <p:cNvPr id="7" name="Picture 6" descr="A picture containing text&#10;&#10;Description automatically generated">
+            <a:extLst>
+              <a:ext uri="{FF2B5EF4-FFF2-40B4-BE49-F238E27FC236}">
+                <a16:creationId xmlns:a16="http://schemas.microsoft.com/office/drawing/2014/main" id="{BC73159D-48DB-DDF9-245A-334213181021}"/>
+              </a:ext>
+            </a:extLst>
+          </p:cNvPr>
+          <p:cNvPicPr>
+            <a:picLocks noChangeAspect="1"/>
+          </p:cNvPicPr>
+          <p:nvPr/>
+        </p:nvPicPr>
+        <p:blipFill>
+          <a:blip r:embed="rId3"/>
+          <a:stretch>
+            <a:fillRect/>
+          </a:stretch>
+        </p:blipFill>
+        <p:spPr>
+          <a:xfrm>
+            <a:off x="686213" y="868018"/>
+            <a:ext cx="7888705" cy="3715268"/>
+          </a:xfrm>
+          <a:prstGeom prst="rect">
+            <a:avLst/>
+          </a:prstGeom>
+        </p:spPr>
+      </p:pic>
+      <p:sp>
+        <p:nvSpPr>
+          <p:cNvPr id="8" name="Text Placeholder 2">
+            <a:extLst>
+              <a:ext uri="{FF2B5EF4-FFF2-40B4-BE49-F238E27FC236}">
+                <a16:creationId xmlns:a16="http://schemas.microsoft.com/office/drawing/2014/main" id="{60ED2FD2-8304-9961-36D1-C89DB41703DE}"/>
+              </a:ext>
+            </a:extLst>
+          </p:cNvPr>
+          <p:cNvSpPr txBox="1">
+            <a:spLocks/>
+          </p:cNvSpPr>
+          <p:nvPr/>
+        </p:nvSpPr>
+        <p:spPr>
+          <a:xfrm>
+            <a:off x="686213" y="4779861"/>
+            <a:ext cx="8139734" cy="1043423"/>
+          </a:xfrm>
+          <a:prstGeom prst="rect">
+            <a:avLst/>
+          </a:prstGeom>
+        </p:spPr>
+        <p:txBody>
+          <a:bodyPr vert="horz" lIns="91440" tIns="45720" rIns="91440" bIns="45720" rtlCol="0">
+            <a:normAutofit/>
+          </a:bodyPr>
+          <a:lstStyle>
+            <a:lvl1pPr marL="0" indent="0" algn="l" defTabSz="914400" rtl="0" eaLnBrk="1" latinLnBrk="0" hangingPunct="1">
+              <a:lnSpc>
+                <a:spcPct val="100000"/>
+              </a:lnSpc>
+              <a:spcBef>
+                <a:spcPts val="1000"/>
+              </a:spcBef>
+              <a:buFont typeface="Arial" panose="020B0604020202020204" pitchFamily="34" charset="0"/>
+              <a:buNone/>
+              <a:defRPr sz="1400" kern="1200" spc="50" baseline="0">
+                <a:solidFill>
+                  <a:schemeClr val="tx1"/>
+                </a:solidFill>
+                <a:latin typeface="+mn-lt"/>
+                <a:ea typeface="+mn-ea"/>
+                <a:cs typeface="+mn-cs"/>
+              </a:defRPr>
+            </a:lvl1pPr>
+            <a:lvl2pPr marL="457200" indent="0" algn="l" defTabSz="914400" rtl="0" eaLnBrk="1" latinLnBrk="0" hangingPunct="1">
+              <a:lnSpc>
+                <a:spcPct val="90000"/>
+              </a:lnSpc>
+              <a:spcBef>
+                <a:spcPts val="500"/>
+              </a:spcBef>
+              <a:buFont typeface="Arial" panose="020B0604020202020204" pitchFamily="34" charset="0"/>
+              <a:buNone/>
+              <a:defRPr sz="2000" kern="1200">
+                <a:solidFill>
+                  <a:schemeClr val="tx1">
+                    <a:tint val="75000"/>
+                  </a:schemeClr>
+                </a:solidFill>
+                <a:latin typeface="+mn-lt"/>
+                <a:ea typeface="+mn-ea"/>
+                <a:cs typeface="+mn-cs"/>
+              </a:defRPr>
+            </a:lvl2pPr>
+            <a:lvl3pPr marL="914400" indent="0" algn="l" defTabSz="914400" rtl="0" eaLnBrk="1" latinLnBrk="0" hangingPunct="1">
+              <a:lnSpc>
+                <a:spcPct val="90000"/>
+              </a:lnSpc>
+              <a:spcBef>
+                <a:spcPts val="500"/>
+              </a:spcBef>
+              <a:buFont typeface="Arial" panose="020B0604020202020204" pitchFamily="34" charset="0"/>
+              <a:buNone/>
+              <a:defRPr sz="1800" kern="1200">
+                <a:solidFill>
+                  <a:schemeClr val="tx1">
+                    <a:tint val="75000"/>
+                  </a:schemeClr>
+                </a:solidFill>
+                <a:latin typeface="+mn-lt"/>
+                <a:ea typeface="+mn-ea"/>
+                <a:cs typeface="+mn-cs"/>
+              </a:defRPr>
+            </a:lvl3pPr>
+            <a:lvl4pPr marL="1371600" indent="0" algn="l" defTabSz="914400" rtl="0" eaLnBrk="1" latinLnBrk="0" hangingPunct="1">
+              <a:lnSpc>
+                <a:spcPct val="90000"/>
+              </a:lnSpc>
+              <a:spcBef>
+                <a:spcPts val="500"/>
+              </a:spcBef>
+              <a:buFont typeface="Arial" panose="020B0604020202020204" pitchFamily="34" charset="0"/>
+              <a:buNone/>
+              <a:defRPr sz="1600" kern="1200">
+                <a:solidFill>
+                  <a:schemeClr val="tx1">
+                    <a:tint val="75000"/>
+                  </a:schemeClr>
+                </a:solidFill>
+                <a:latin typeface="+mn-lt"/>
+                <a:ea typeface="+mn-ea"/>
+                <a:cs typeface="+mn-cs"/>
+              </a:defRPr>
+            </a:lvl4pPr>
+            <a:lvl5pPr marL="1828800" indent="0" algn="l" defTabSz="914400" rtl="0" eaLnBrk="1" latinLnBrk="0" hangingPunct="1">
+              <a:lnSpc>
+                <a:spcPct val="90000"/>
+              </a:lnSpc>
+              <a:spcBef>
+                <a:spcPts val="500"/>
+              </a:spcBef>
+              <a:buFont typeface="Arial" panose="020B0604020202020204" pitchFamily="34" charset="0"/>
+              <a:buNone/>
+              <a:defRPr sz="1600" kern="1200">
+                <a:solidFill>
+                  <a:schemeClr val="tx1">
+                    <a:tint val="75000"/>
+                  </a:schemeClr>
+                </a:solidFill>
+                <a:latin typeface="+mn-lt"/>
+                <a:ea typeface="+mn-ea"/>
+                <a:cs typeface="+mn-cs"/>
+              </a:defRPr>
+            </a:lvl5pPr>
+            <a:lvl6pPr marL="2286000" indent="0" algn="l" defTabSz="914400" rtl="0" eaLnBrk="1" latinLnBrk="0" hangingPunct="1">
+              <a:lnSpc>
+                <a:spcPct val="90000"/>
+              </a:lnSpc>
+              <a:spcBef>
+                <a:spcPts val="500"/>
+              </a:spcBef>
+              <a:buFont typeface="Arial" panose="020B0604020202020204" pitchFamily="34" charset="0"/>
+              <a:buNone/>
+              <a:defRPr sz="1600" kern="1200">
+                <a:solidFill>
+                  <a:schemeClr val="tx1">
+                    <a:tint val="75000"/>
+                  </a:schemeClr>
+                </a:solidFill>
+                <a:latin typeface="+mn-lt"/>
+                <a:ea typeface="+mn-ea"/>
+                <a:cs typeface="+mn-cs"/>
+              </a:defRPr>
+            </a:lvl6pPr>
+            <a:lvl7pPr marL="2743200" indent="0" algn="l" defTabSz="914400" rtl="0" eaLnBrk="1" latinLnBrk="0" hangingPunct="1">
+              <a:lnSpc>
+                <a:spcPct val="90000"/>
+              </a:lnSpc>
+              <a:spcBef>
+                <a:spcPts val="500"/>
+              </a:spcBef>
+              <a:buFont typeface="Arial" panose="020B0604020202020204" pitchFamily="34" charset="0"/>
+              <a:buNone/>
+              <a:defRPr sz="1600" kern="1200">
+                <a:solidFill>
+                  <a:schemeClr val="tx1">
+                    <a:tint val="75000"/>
+                  </a:schemeClr>
+                </a:solidFill>
+                <a:latin typeface="+mn-lt"/>
+                <a:ea typeface="+mn-ea"/>
+                <a:cs typeface="+mn-cs"/>
+              </a:defRPr>
+            </a:lvl7pPr>
+            <a:lvl8pPr marL="3200400" indent="0" algn="l" defTabSz="914400" rtl="0" eaLnBrk="1" latinLnBrk="0" hangingPunct="1">
+              <a:lnSpc>
+                <a:spcPct val="90000"/>
+              </a:lnSpc>
+              <a:spcBef>
+                <a:spcPts val="500"/>
+              </a:spcBef>
+              <a:buFont typeface="Arial" panose="020B0604020202020204" pitchFamily="34" charset="0"/>
+              <a:buNone/>
+              <a:defRPr sz="1600" kern="1200">
+                <a:solidFill>
+                  <a:schemeClr val="tx1">
+                    <a:tint val="75000"/>
+                  </a:schemeClr>
+                </a:solidFill>
+                <a:latin typeface="+mn-lt"/>
+                <a:ea typeface="+mn-ea"/>
+                <a:cs typeface="+mn-cs"/>
+              </a:defRPr>
+            </a:lvl8pPr>
+            <a:lvl9pPr marL="3657600" indent="0" algn="l" defTabSz="914400" rtl="0" eaLnBrk="1" latinLnBrk="0" hangingPunct="1">
+              <a:lnSpc>
+                <a:spcPct val="90000"/>
+              </a:lnSpc>
+              <a:spcBef>
+                <a:spcPts val="500"/>
+              </a:spcBef>
+              <a:buFont typeface="Arial" panose="020B0604020202020204" pitchFamily="34" charset="0"/>
+              <a:buNone/>
+              <a:defRPr sz="1600" kern="1200">
+                <a:solidFill>
+                  <a:schemeClr val="tx1">
+                    <a:tint val="75000"/>
+                  </a:schemeClr>
+                </a:solidFill>
+                <a:latin typeface="+mn-lt"/>
+                <a:ea typeface="+mn-ea"/>
+                <a:cs typeface="+mn-cs"/>
+              </a:defRPr>
+            </a:lvl9pPr>
+          </a:lstStyle>
+          <a:p>
+            <a:pPr marL="285750" indent="-285750">
+              <a:buFont typeface="Wingdings" panose="05000000000000000000" pitchFamily="2" charset="2"/>
+              <a:buChar char="q"/>
+            </a:pPr>
+            <a:r>
+              <a:rPr lang="en-US" sz="1800" dirty="0"/>
+              <a:t>Build on top of node js, makes easier to write node js applications</a:t>
+            </a:r>
+          </a:p>
+          <a:p>
+            <a:r>
+              <a:rPr lang="en-US" dirty="0">
+                <a:solidFill>
+                  <a:srgbClr val="7030A0"/>
+                </a:solidFill>
+                <a:latin typeface="Abadi" panose="020B0604020104020204" pitchFamily="34" charset="0"/>
+              </a:rPr>
+              <a:t> nodejs-learnings\express_demo\app_1.js (postman – GET app_1/, GET app_1/json, POST   app_1)</a:t>
+            </a:r>
+          </a:p>
+          <a:p>
+            <a:pPr marL="285750" indent="-285750">
+              <a:buFont typeface="Wingdings" panose="05000000000000000000" pitchFamily="2" charset="2"/>
+              <a:buChar char="q"/>
+            </a:pPr>
+            <a:endParaRPr lang="en-US" sz="1800" dirty="0"/>
+          </a:p>
+        </p:txBody>
+      </p:sp>
     </p:spTree>
     <p:extLst>
       <p:ext uri="{BB962C8B-B14F-4D97-AF65-F5344CB8AC3E}">
-        <p14:creationId xmlns:p14="http://schemas.microsoft.com/office/powerpoint/2010/main" val="1564817544"/>
+        <p14:creationId xmlns:p14="http://schemas.microsoft.com/office/powerpoint/2010/main" val="2970716428"/>
       </p:ext>
     </p:extLst>
   </p:cSld>
@@ -15960,7 +16043,7 @@
         </p:spPr>
         <p:txBody>
           <a:bodyPr>
-            <a:normAutofit lnSpcReduction="10000"/>
+            <a:normAutofit fontScale="92500" lnSpcReduction="20000"/>
           </a:bodyPr>
           <a:lstStyle/>
           <a:p>
@@ -16001,6 +16084,16 @@
           </a:p>
           <a:p>
             <a:endParaRPr lang="en-US" sz="1800" dirty="0"/>
+          </a:p>
+          <a:p>
+            <a:pPr marL="285750" indent="-285750">
+              <a:buFont typeface="Wingdings" panose="05000000000000000000" pitchFamily="2" charset="2"/>
+              <a:buChar char="q"/>
+            </a:pPr>
+            <a:r>
+              <a:rPr lang="en-US" sz="1800" dirty="0"/>
+              <a:t>NodeJS got lot of libraries, which makes development easier</a:t>
+            </a:r>
           </a:p>
           <a:p>
             <a:pPr marL="285750" indent="-285750">
@@ -16135,45 +16228,6 @@
           </a:prstGeom>
         </p:spPr>
       </p:pic>
-      <p:sp>
-        <p:nvSpPr>
-          <p:cNvPr id="7" name="TextBox 6">
-            <a:extLst>
-              <a:ext uri="{FF2B5EF4-FFF2-40B4-BE49-F238E27FC236}">
-                <a16:creationId xmlns:a16="http://schemas.microsoft.com/office/drawing/2014/main" id="{850EA36F-9F57-EBA8-A536-B848E493C52E}"/>
-              </a:ext>
-            </a:extLst>
-          </p:cNvPr>
-          <p:cNvSpPr txBox="1"/>
-          <p:nvPr/>
-        </p:nvSpPr>
-        <p:spPr>
-          <a:xfrm>
-            <a:off x="3051313" y="3109148"/>
-            <a:ext cx="6102626" cy="646331"/>
-          </a:xfrm>
-          <a:prstGeom prst="rect">
-            <a:avLst/>
-          </a:prstGeom>
-          <a:noFill/>
-        </p:spPr>
-        <p:txBody>
-          <a:bodyPr wrap="square">
-            <a:spAutoFit/>
-          </a:bodyPr>
-          <a:lstStyle/>
-          <a:p>
-            <a:pPr marL="285750" indent="-285750">
-              <a:buFont typeface="Wingdings" panose="05000000000000000000" pitchFamily="2" charset="2"/>
-              <a:buChar char="q"/>
-            </a:pPr>
-            <a:r>
-              <a:rPr lang="en-US" sz="1800" dirty="0"/>
-              <a:t>NodeJS got lot of libraries, which makes development easier</a:t>
-            </a:r>
-          </a:p>
-        </p:txBody>
-      </p:sp>
     </p:spTree>
     <p:extLst>
       <p:ext uri="{BB962C8B-B14F-4D97-AF65-F5344CB8AC3E}">
@@ -16234,7 +16288,7 @@
           <a:p>
             <a:r>
               <a:rPr lang="en-US" sz="2400" dirty="0"/>
-              <a:t>Refactoring - routes</a:t>
+              <a:t>REST APIs</a:t>
             </a:r>
           </a:p>
         </p:txBody>
@@ -16258,7 +16312,7 @@
         <p:spPr>
           <a:xfrm>
             <a:off x="686213" y="895417"/>
-            <a:ext cx="8139734" cy="2338671"/>
+            <a:ext cx="8139734" cy="4340726"/>
           </a:xfrm>
         </p:spPr>
         <p:txBody>
@@ -16273,7 +16327,47 @@
             </a:pPr>
             <a:r>
               <a:rPr lang="en-US" sz="1800" dirty="0"/>
-              <a:t>Separate out routes from methods</a:t>
+              <a:t>Express helps to quickly implement REST apis</a:t>
+            </a:r>
+          </a:p>
+          <a:p>
+            <a:pPr marL="285750" indent="-285750">
+              <a:buFont typeface="Wingdings" panose="05000000000000000000" pitchFamily="2" charset="2"/>
+              <a:buChar char="q"/>
+            </a:pPr>
+            <a:r>
+              <a:rPr lang="en-US" sz="1800" dirty="0"/>
+              <a:t>Demo for GET and POST request, with JSON object</a:t>
+            </a:r>
+          </a:p>
+          <a:p>
+            <a:pPr marL="285750" indent="-285750">
+              <a:buFont typeface="Wingdings" panose="05000000000000000000" pitchFamily="2" charset="2"/>
+              <a:buChar char="q"/>
+            </a:pPr>
+            <a:r>
+              <a:rPr lang="en-US" sz="1800" dirty="0"/>
+              <a:t>Express </a:t>
+            </a:r>
+            <a:r>
+              <a:rPr lang="en-US" sz="1800" i="1" dirty="0"/>
+              <a:t>middleware </a:t>
+            </a:r>
+            <a:r>
+              <a:rPr lang="en-US" sz="1800" dirty="0"/>
+              <a:t>are functions, which have access to request and response objects (</a:t>
+            </a:r>
+            <a:r>
+              <a:rPr lang="en-US" sz="1800" i="1" dirty="0">
+                <a:solidFill>
+                  <a:srgbClr val="0070C0"/>
+                </a:solidFill>
+              </a:rPr>
+              <a:t>app demonstrate a usage to plug request json to middleware</a:t>
+            </a:r>
+            <a:r>
+              <a:rPr lang="en-US" sz="1800" dirty="0"/>
+              <a:t>)</a:t>
             </a:r>
           </a:p>
           <a:p>
@@ -16290,11 +16384,6 @@
             </a:endParaRPr>
           </a:p>
           <a:p>
-            <a:pPr>
-              <a:spcBef>
-                <a:spcPts val="0"/>
-              </a:spcBef>
-            </a:pPr>
             <a:r>
               <a:rPr lang="en-US" dirty="0">
                 <a:solidFill>
@@ -16302,23 +16391,7 @@
                 </a:solidFill>
                 <a:latin typeface="Abadi" panose="020B0604020104020204" pitchFamily="34" charset="0"/>
               </a:rPr>
-              <a:t>nodejs-learnings\express_demo\app_3.js and </a:t>
-            </a:r>
-          </a:p>
-          <a:p>
-            <a:pPr>
-              <a:spcBef>
-                <a:spcPts val="0"/>
-              </a:spcBef>
-            </a:pPr>
-            <a:r>
-              <a:rPr lang="en-US" dirty="0">
-                <a:solidFill>
-                  <a:srgbClr val="7030A0"/>
-                </a:solidFill>
-                <a:latin typeface="Abadi" panose="020B0604020104020204" pitchFamily="34" charset="0"/>
-              </a:rPr>
-              <a:t>nodejs-learnings\express_demo\app_4.js </a:t>
+              <a:t>nodejs-learnings\express_demo\app_2.js </a:t>
             </a:r>
             <a:r>
               <a:rPr lang="en-US" dirty="0">
@@ -16329,7 +16402,7 @@
                 </a:solidFill>
                 <a:latin typeface="Abadi" panose="020B0604020104020204" pitchFamily="34" charset="0"/>
               </a:rPr>
-              <a:t>(postman – GET app_2/api/v1/fruits, GET app_2/api/v1/fruits/id, POST app_2/api/v1/fruits) (postman requests for app_2 should work here)</a:t>
+              <a:t>(postman – GET app_2/api/v1/fruits, GET app_2/api/v1/fruits/id, POST app_2/api/v1/fruits)</a:t>
             </a:r>
           </a:p>
           <a:p>
@@ -16440,7 +16513,7 @@
     </p:spTree>
     <p:extLst>
       <p:ext uri="{BB962C8B-B14F-4D97-AF65-F5344CB8AC3E}">
-        <p14:creationId xmlns:p14="http://schemas.microsoft.com/office/powerpoint/2010/main" val="3190762067"/>
+        <p14:creationId xmlns:p14="http://schemas.microsoft.com/office/powerpoint/2010/main" val="1564817544"/>
       </p:ext>
     </p:extLst>
   </p:cSld>
@@ -16497,7 +16570,7 @@
           <a:p>
             <a:r>
               <a:rPr lang="en-US" sz="2400" dirty="0"/>
-              <a:t>middlewares</a:t>
+              <a:t>Refactoring - routes</a:t>
             </a:r>
           </a:p>
         </p:txBody>
@@ -16521,7 +16594,7 @@
         <p:spPr>
           <a:xfrm>
             <a:off x="686213" y="895417"/>
-            <a:ext cx="8139734" cy="5158874"/>
+            <a:ext cx="8139734" cy="2338671"/>
           </a:xfrm>
         </p:spPr>
         <p:txBody>
@@ -16536,47 +16609,7 @@
             </a:pPr>
             <a:r>
               <a:rPr lang="en-US" sz="1800" dirty="0"/>
-              <a:t>Middleware function has access to request and response object</a:t>
-            </a:r>
-          </a:p>
-          <a:p>
-            <a:pPr marL="285750" indent="-285750">
-              <a:buFont typeface="Wingdings" panose="05000000000000000000" pitchFamily="2" charset="2"/>
-              <a:buChar char="q"/>
-            </a:pPr>
-            <a:r>
-              <a:rPr lang="en-US" sz="1800" dirty="0"/>
-              <a:t>Can execute any code</a:t>
-            </a:r>
-          </a:p>
-          <a:p>
-            <a:pPr marL="285750" indent="-285750">
-              <a:buFont typeface="Wingdings" panose="05000000000000000000" pitchFamily="2" charset="2"/>
-              <a:buChar char="q"/>
-            </a:pPr>
-            <a:r>
-              <a:rPr lang="en-US" sz="1800" dirty="0"/>
-              <a:t>Can make changes to request/response object</a:t>
-            </a:r>
-          </a:p>
-          <a:p>
-            <a:pPr marL="285750" indent="-285750">
-              <a:buFont typeface="Wingdings" panose="05000000000000000000" pitchFamily="2" charset="2"/>
-              <a:buChar char="q"/>
-            </a:pPr>
-            <a:r>
-              <a:rPr lang="en-US" sz="1800" dirty="0"/>
-              <a:t>Call next middleware in stack (must call next() to pass control to next middleware)</a:t>
-            </a:r>
-          </a:p>
-          <a:p>
-            <a:pPr marL="285750" indent="-285750">
-              <a:buFont typeface="Wingdings" panose="05000000000000000000" pitchFamily="2" charset="2"/>
-              <a:buChar char="q"/>
-            </a:pPr>
-            <a:r>
-              <a:rPr lang="en-US" sz="1800" dirty="0"/>
-              <a:t>Order matters, always get called in order</a:t>
+              <a:t>Separate out routes from methods</a:t>
             </a:r>
           </a:p>
           <a:p>
@@ -16605,7 +16638,23 @@
                 </a:solidFill>
                 <a:latin typeface="Abadi" panose="020B0604020104020204" pitchFamily="34" charset="0"/>
               </a:rPr>
-              <a:t>nodejs-learnings\express_demo\app_5.js </a:t>
+              <a:t>nodejs-learnings\express_demo\app_3.js and </a:t>
+            </a:r>
+          </a:p>
+          <a:p>
+            <a:pPr>
+              <a:spcBef>
+                <a:spcPts val="0"/>
+              </a:spcBef>
+            </a:pPr>
+            <a:r>
+              <a:rPr lang="en-US" dirty="0">
+                <a:solidFill>
+                  <a:srgbClr val="7030A0"/>
+                </a:solidFill>
+                <a:latin typeface="Abadi" panose="020B0604020104020204" pitchFamily="34" charset="0"/>
+              </a:rPr>
+              <a:t>nodejs-learnings\express_demo\app_4.js </a:t>
             </a:r>
             <a:r>
               <a:rPr lang="en-US" dirty="0">
@@ -16616,29 +16665,7 @@
                 </a:solidFill>
                 <a:latin typeface="Abadi" panose="020B0604020104020204" pitchFamily="34" charset="0"/>
               </a:rPr>
-              <a:t>(postman – GET app_2/api/v1/fruits, GET app_2/api/v1/fruits/id, POST app_2/api/v1/fruits) (postman requests for app_2 should work here) (additionally , GET app_2/api/v1/</a:t>
-            </a:r>
-            <a:r>
-              <a:rPr lang="en-US" dirty="0" err="1">
-                <a:solidFill>
-                  <a:schemeClr val="accent2">
-                    <a:lumMod val="75000"/>
-                  </a:schemeClr>
-                </a:solidFill>
-                <a:latin typeface="Abadi" panose="020B0604020104020204" pitchFamily="34" charset="0"/>
-              </a:rPr>
-              <a:t>fruitspath</a:t>
-            </a:r>
-            <a:r>
-              <a:rPr lang="en-US" dirty="0">
-                <a:solidFill>
-                  <a:schemeClr val="accent2">
-                    <a:lumMod val="75000"/>
-                  </a:schemeClr>
-                </a:solidFill>
-                <a:latin typeface="Abadi" panose="020B0604020104020204" pitchFamily="34" charset="0"/>
-              </a:rPr>
-              <a:t>/id for middleware demo to specific path)</a:t>
+              <a:t>(postman – GET app_2/api/v1/fruits, GET app_2/api/v1/fruits/id, POST app_2/api/v1/fruits) (postman requests for app_2 should work here)</a:t>
             </a:r>
           </a:p>
           <a:p>
@@ -16660,47 +16687,15 @@
               <a:buChar char="q"/>
             </a:pPr>
             <a:r>
-              <a:rPr lang="en-US" sz="1800" dirty="0"/>
-              <a:t>‘</a:t>
-            </a:r>
-            <a:r>
-              <a:rPr lang="en-US" sz="1800" dirty="0" err="1"/>
-              <a:t>morgan</a:t>
-            </a:r>
-            <a:r>
-              <a:rPr lang="en-US" sz="1800" dirty="0"/>
-              <a:t>’ is middleware(3</a:t>
-            </a:r>
-            <a:r>
-              <a:rPr lang="en-US" sz="1800" baseline="30000" dirty="0"/>
-              <a:t>rd</a:t>
-            </a:r>
-            <a:r>
-              <a:rPr lang="en-US" sz="1800" dirty="0"/>
-              <a:t> party), which logs the request with some other information</a:t>
-            </a:r>
-          </a:p>
-          <a:p>
-            <a:r>
-              <a:rPr lang="en-US" dirty="0">
-                <a:solidFill>
-                  <a:srgbClr val="7030A0"/>
-                </a:solidFill>
-                <a:latin typeface="Abadi" panose="020B0604020104020204" pitchFamily="34" charset="0"/>
-              </a:rPr>
-              <a:t>nodejs-learnings\express_demo\app_6.js </a:t>
-            </a:r>
-            <a:r>
-              <a:rPr lang="en-US" dirty="0">
-                <a:solidFill>
-                  <a:schemeClr val="accent2">
-                    <a:lumMod val="75000"/>
-                  </a:schemeClr>
-                </a:solidFill>
-                <a:latin typeface="Abadi" panose="020B0604020104020204" pitchFamily="34" charset="0"/>
-              </a:rPr>
-              <a:t>(postman – GET app_2/api/v1/fruits, GET app_2/api/v1/fruits/id, POST app_2/api/v1/fruits) (postman requests for app_2 should work here)</a:t>
-            </a:r>
+              <a:rPr lang="en-US" sz="1800" dirty="0">
+                <a:solidFill>
+                  <a:srgbClr val="C00000"/>
+                </a:solidFill>
+              </a:rPr>
+              <a:t>Assignments – PUT and DELETE requests</a:t>
+            </a:r>
+          </a:p>
+          <a:p>
             <a:endParaRPr lang="en-US" dirty="0">
               <a:solidFill>
                 <a:srgbClr val="7030A0"/>
@@ -16781,7 +16776,7 @@
     </p:spTree>
     <p:extLst>
       <p:ext uri="{BB962C8B-B14F-4D97-AF65-F5344CB8AC3E}">
-        <p14:creationId xmlns:p14="http://schemas.microsoft.com/office/powerpoint/2010/main" val="601340888"/>
+        <p14:creationId xmlns:p14="http://schemas.microsoft.com/office/powerpoint/2010/main" val="3190762067"/>
       </p:ext>
     </p:extLst>
   </p:cSld>
@@ -16838,7 +16833,7 @@
           <a:p>
             <a:r>
               <a:rPr lang="en-US" sz="2400" dirty="0"/>
-              <a:t>User defined routes</a:t>
+              <a:t>middlewares</a:t>
             </a:r>
           </a:p>
         </p:txBody>
@@ -16876,8 +16871,48 @@
               <a:buChar char="q"/>
             </a:pPr>
             <a:r>
-              <a:rPr lang="en-US" sz="1600" dirty="0"/>
-              <a:t>Add few more routes</a:t>
+              <a:rPr lang="en-US" sz="1800" dirty="0"/>
+              <a:t>Middleware function has access to request and response object</a:t>
+            </a:r>
+          </a:p>
+          <a:p>
+            <a:pPr marL="285750" indent="-285750">
+              <a:buFont typeface="Wingdings" panose="05000000000000000000" pitchFamily="2" charset="2"/>
+              <a:buChar char="q"/>
+            </a:pPr>
+            <a:r>
+              <a:rPr lang="en-US" sz="1800" dirty="0"/>
+              <a:t>Can execute any code</a:t>
+            </a:r>
+          </a:p>
+          <a:p>
+            <a:pPr marL="285750" indent="-285750">
+              <a:buFont typeface="Wingdings" panose="05000000000000000000" pitchFamily="2" charset="2"/>
+              <a:buChar char="q"/>
+            </a:pPr>
+            <a:r>
+              <a:rPr lang="en-US" sz="1800" dirty="0"/>
+              <a:t>Can make changes to request/response object</a:t>
+            </a:r>
+          </a:p>
+          <a:p>
+            <a:pPr marL="285750" indent="-285750">
+              <a:buFont typeface="Wingdings" panose="05000000000000000000" pitchFamily="2" charset="2"/>
+              <a:buChar char="q"/>
+            </a:pPr>
+            <a:r>
+              <a:rPr lang="en-US" sz="1800" dirty="0"/>
+              <a:t>Call next middleware in stack (must call next() to pass control to next middleware)</a:t>
+            </a:r>
+          </a:p>
+          <a:p>
+            <a:pPr marL="285750" indent="-285750">
+              <a:buFont typeface="Wingdings" panose="05000000000000000000" pitchFamily="2" charset="2"/>
+              <a:buChar char="q"/>
+            </a:pPr>
+            <a:r>
+              <a:rPr lang="en-US" sz="1800" dirty="0"/>
+              <a:t>Order matters, always get called in order</a:t>
             </a:r>
           </a:p>
           <a:p>
@@ -16900,16 +16935,16 @@
               </a:spcBef>
             </a:pPr>
             <a:r>
-              <a:rPr lang="en-US" sz="1200" dirty="0">
+              <a:rPr lang="en-US" dirty="0">
                 <a:solidFill>
                   <a:srgbClr val="7030A0"/>
                 </a:solidFill>
                 <a:latin typeface="Abadi" panose="020B0604020104020204" pitchFamily="34" charset="0"/>
               </a:rPr>
-              <a:t>nodejs-learnings\express_demo\app_7.js </a:t>
-            </a:r>
-            <a:r>
-              <a:rPr lang="en-US" sz="1200" dirty="0">
+              <a:t>nodejs-learnings\express_demo\app_5.js </a:t>
+            </a:r>
+            <a:r>
+              <a:rPr lang="en-US" dirty="0">
                 <a:solidFill>
                   <a:schemeClr val="accent2">
                     <a:lumMod val="75000"/>
@@ -16917,51 +16952,10 @@
                 </a:solidFill>
                 <a:latin typeface="Abadi" panose="020B0604020104020204" pitchFamily="34" charset="0"/>
               </a:rPr>
-              <a:t>(postman – GET app_2/api/v1/fruits, GET app_2/api/v1/users)</a:t>
-            </a:r>
-          </a:p>
-          <a:p>
-            <a:pPr marL="285750" indent="-285750">
-              <a:buFont typeface="Wingdings" panose="05000000000000000000" pitchFamily="2" charset="2"/>
-              <a:buChar char="q"/>
-            </a:pPr>
-            <a:r>
-              <a:rPr lang="en-US" sz="1600" dirty="0"/>
-              <a:t>This file is mess now , will all routes and methods at one place</a:t>
-            </a:r>
-          </a:p>
-          <a:p>
-            <a:pPr marL="285750" indent="-285750">
-              <a:buFont typeface="Wingdings" panose="05000000000000000000" pitchFamily="2" charset="2"/>
-              <a:buChar char="q"/>
-            </a:pPr>
-            <a:r>
-              <a:rPr lang="en-US" sz="1600" dirty="0"/>
-              <a:t>Let's Organize</a:t>
-            </a:r>
-          </a:p>
-          <a:p>
-            <a:pPr marL="285750" indent="-285750">
-              <a:buFont typeface="Wingdings" panose="05000000000000000000" pitchFamily="2" charset="2"/>
-              <a:buChar char="q"/>
-            </a:pPr>
-            <a:r>
-              <a:rPr lang="en-US" sz="1600" dirty="0"/>
-              <a:t>First create routers as middleware and mount those on paths</a:t>
-            </a:r>
-          </a:p>
-          <a:p>
-            <a:r>
-              <a:rPr lang="en-US" sz="1200" dirty="0">
-                <a:solidFill>
-                  <a:srgbClr val="7030A0"/>
-                </a:solidFill>
-                <a:latin typeface="Abadi" panose="020B0604020104020204" pitchFamily="34" charset="0"/>
-              </a:rPr>
-              <a:t>nodejs-learnings\express_demo\app_8.js </a:t>
-            </a:r>
-            <a:r>
-              <a:rPr lang="en-US" sz="1200" dirty="0">
+              <a:t>(postman – GET app_2/api/v1/fruits, GET app_2/api/v1/fruits/id, POST app_2/api/v1/fruits) (postman requests for app_2 should work here) (additionally , GET app_2/api/v1/</a:t>
+            </a:r>
+            <a:r>
+              <a:rPr lang="en-US" dirty="0" err="1">
                 <a:solidFill>
                   <a:schemeClr val="accent2">
                     <a:lumMod val="75000"/>
@@ -16969,49 +16963,10 @@
                 </a:solidFill>
                 <a:latin typeface="Abadi" panose="020B0604020104020204" pitchFamily="34" charset="0"/>
               </a:rPr>
-              <a:t>(postman – GET app_2/api/v1/fruits, GET app_2/api/v1/users)</a:t>
-            </a:r>
-          </a:p>
-          <a:p>
-            <a:pPr marL="285750" indent="-285750">
-              <a:buFont typeface="Wingdings" panose="05000000000000000000" pitchFamily="2" charset="2"/>
-              <a:buChar char="q"/>
-            </a:pPr>
-            <a:r>
-              <a:rPr lang="en-US" sz="1600" dirty="0"/>
-              <a:t>Separate router functionality in diff files now</a:t>
-            </a:r>
-          </a:p>
-          <a:p>
-            <a:pPr>
-              <a:spcBef>
-                <a:spcPts val="0"/>
-              </a:spcBef>
-            </a:pPr>
-            <a:endParaRPr lang="en-US" sz="1000" dirty="0">
-              <a:solidFill>
-                <a:srgbClr val="7030A0"/>
-              </a:solidFill>
-              <a:latin typeface="Abadi" panose="020B0604020104020204" pitchFamily="34" charset="0"/>
-            </a:endParaRPr>
-          </a:p>
-          <a:p>
-            <a:pPr>
-              <a:spcBef>
-                <a:spcPts val="0"/>
-              </a:spcBef>
-            </a:pPr>
-            <a:r>
-              <a:rPr lang="en-US" sz="1200" dirty="0">
-                <a:solidFill>
-                  <a:srgbClr val="7030A0"/>
-                </a:solidFill>
-                <a:latin typeface="Abadi" panose="020B0604020104020204" pitchFamily="34" charset="0"/>
-              </a:rPr>
-              <a:t> nodejs-learnings\express_demo\app_9.js </a:t>
-            </a:r>
-            <a:r>
-              <a:rPr lang="en-US" sz="1200" dirty="0">
+              <a:t>fruitspath</a:t>
+            </a:r>
+            <a:r>
+              <a:rPr lang="en-US" dirty="0">
                 <a:solidFill>
                   <a:schemeClr val="accent2">
                     <a:lumMod val="75000"/>
@@ -17019,32 +16974,7 @@
                 </a:solidFill>
                 <a:latin typeface="Abadi" panose="020B0604020104020204" pitchFamily="34" charset="0"/>
               </a:rPr>
-              <a:t>(postman – GET app_2/api/v1/fruits, GET app_2/api/v1/fruits/id)</a:t>
-            </a:r>
-          </a:p>
-          <a:p>
-            <a:pPr>
-              <a:spcBef>
-                <a:spcPts val="0"/>
-              </a:spcBef>
-            </a:pPr>
-            <a:endParaRPr lang="en-US" sz="1000" dirty="0">
-              <a:solidFill>
-                <a:schemeClr val="accent2">
-                  <a:lumMod val="75000"/>
-                </a:schemeClr>
-              </a:solidFill>
-              <a:latin typeface="Abadi" panose="020B0604020104020204" pitchFamily="34" charset="0"/>
-            </a:endParaRPr>
-          </a:p>
-          <a:p>
-            <a:pPr marL="285750" indent="-285750">
-              <a:buFont typeface="Wingdings" panose="05000000000000000000" pitchFamily="2" charset="2"/>
-              <a:buChar char="q"/>
-            </a:pPr>
-            <a:r>
-              <a:rPr lang="en-US" sz="1600" dirty="0"/>
-              <a:t>The main app files looks like having middleware only</a:t>
+              <a:t>/id for middleware demo to specific path)</a:t>
             </a:r>
           </a:p>
           <a:p>
@@ -17066,32 +16996,38 @@
               <a:buChar char="q"/>
             </a:pPr>
             <a:r>
-              <a:rPr lang="en-US" sz="1600" dirty="0"/>
-              <a:t>Still route files got handlers. Let's separate those out in controller</a:t>
-            </a:r>
-          </a:p>
-          <a:p>
-            <a:pPr marL="285750" indent="-285750">
-              <a:buFont typeface="Wingdings" panose="05000000000000000000" pitchFamily="2" charset="2"/>
-              <a:buChar char="q"/>
-            </a:pPr>
-            <a:r>
-              <a:rPr lang="en-US" sz="1600" dirty="0"/>
-              <a:t>Let's also separate out server</a:t>
-            </a:r>
-          </a:p>
-          <a:p>
-            <a:r>
-              <a:rPr lang="en-US" sz="1200" dirty="0">
+              <a:rPr lang="en-US" sz="1800" dirty="0"/>
+              <a:t>‘</a:t>
+            </a:r>
+            <a:r>
+              <a:rPr lang="en-US" sz="1800" dirty="0" err="1"/>
+              <a:t>morgan</a:t>
+            </a:r>
+            <a:r>
+              <a:rPr lang="en-US" sz="1800" dirty="0"/>
+              <a:t>’ is middleware(3</a:t>
+            </a:r>
+            <a:r>
+              <a:rPr lang="en-US" sz="1800" baseline="30000" dirty="0"/>
+              <a:t>rd</a:t>
+            </a:r>
+            <a:r>
+              <a:rPr lang="en-US" sz="1800" dirty="0"/>
+              <a:t> party), which logs the request with some other information</a:t>
+            </a:r>
+          </a:p>
+          <a:p>
+            <a:r>
+              <a:rPr lang="en-US" dirty="0">
                 <a:solidFill>
                   <a:srgbClr val="7030A0"/>
                 </a:solidFill>
                 <a:latin typeface="Abadi" panose="020B0604020104020204" pitchFamily="34" charset="0"/>
               </a:rPr>
-              <a:t>nodejs-learnings\express_demo\server_1.js </a:t>
-            </a:r>
-            <a:r>
-              <a:rPr lang="en-US" sz="1200" dirty="0">
+              <a:t>nodejs-learnings\express_demo\app_6.js </a:t>
+            </a:r>
+            <a:r>
+              <a:rPr lang="en-US" dirty="0">
                 <a:solidFill>
                   <a:schemeClr val="accent2">
                     <a:lumMod val="75000"/>
@@ -17099,10 +17035,8 @@
                 </a:solidFill>
                 <a:latin typeface="Abadi" panose="020B0604020104020204" pitchFamily="34" charset="0"/>
               </a:rPr>
-              <a:t>(postman – GET app_2/api/v1/fruits, GET app_2/api/v1/fruits/id)</a:t>
-            </a:r>
-          </a:p>
-          <a:p>
+              <a:t>(postman – GET app_2/api/v1/fruits, GET app_2/api/v1/fruits/id, POST app_2/api/v1/fruits) (postman requests for app_2 should work here)</a:t>
+            </a:r>
             <a:endParaRPr lang="en-US" dirty="0">
               <a:solidFill>
                 <a:srgbClr val="7030A0"/>
@@ -17183,7 +17117,7 @@
     </p:spTree>
     <p:extLst>
       <p:ext uri="{BB962C8B-B14F-4D97-AF65-F5344CB8AC3E}">
-        <p14:creationId xmlns:p14="http://schemas.microsoft.com/office/powerpoint/2010/main" val="1097674693"/>
+        <p14:creationId xmlns:p14="http://schemas.microsoft.com/office/powerpoint/2010/main" val="601340888"/>
       </p:ext>
     </p:extLst>
   </p:cSld>
@@ -17240,7 +17174,7 @@
           <a:p>
             <a:r>
               <a:rPr lang="en-US" sz="2400" dirty="0"/>
-              <a:t>Redefining further</a:t>
+              <a:t>User defined routes</a:t>
             </a:r>
           </a:p>
         </p:txBody>
@@ -17279,7 +17213,7 @@
             </a:pPr>
             <a:r>
               <a:rPr lang="en-US" sz="1600" dirty="0"/>
-              <a:t>Have middleware (routerParam) , operational when id is supplied as parameter</a:t>
+              <a:t>Add few more routes</a:t>
             </a:r>
           </a:p>
           <a:p>
@@ -17308,7 +17242,7 @@
                 </a:solidFill>
                 <a:latin typeface="Abadi" panose="020B0604020104020204" pitchFamily="34" charset="0"/>
               </a:rPr>
-              <a:t>nodejs-learnings\express_demo\server_2.js  </a:t>
+              <a:t>nodejs-learnings\express_demo\app_7.js </a:t>
             </a:r>
             <a:r>
               <a:rPr lang="en-US" sz="1200" dirty="0">
@@ -17319,7 +17253,69 @@
                 </a:solidFill>
                 <a:latin typeface="Abadi" panose="020B0604020104020204" pitchFamily="34" charset="0"/>
               </a:rPr>
-              <a:t>(postman – GET app_2/api/v1/fruits and pass param as 5)</a:t>
+              <a:t>(postman – GET app_2/api/v1/fruits, GET app_2/api/v1/users)</a:t>
+            </a:r>
+          </a:p>
+          <a:p>
+            <a:pPr marL="285750" indent="-285750">
+              <a:buFont typeface="Wingdings" panose="05000000000000000000" pitchFamily="2" charset="2"/>
+              <a:buChar char="q"/>
+            </a:pPr>
+            <a:r>
+              <a:rPr lang="en-US" sz="1600" dirty="0"/>
+              <a:t>This file is mess now , will all routes and methods at one place</a:t>
+            </a:r>
+          </a:p>
+          <a:p>
+            <a:pPr marL="285750" indent="-285750">
+              <a:buFont typeface="Wingdings" panose="05000000000000000000" pitchFamily="2" charset="2"/>
+              <a:buChar char="q"/>
+            </a:pPr>
+            <a:r>
+              <a:rPr lang="en-US" sz="1600" dirty="0"/>
+              <a:t>Let's Organize</a:t>
+            </a:r>
+          </a:p>
+          <a:p>
+            <a:pPr marL="285750" indent="-285750">
+              <a:buFont typeface="Wingdings" panose="05000000000000000000" pitchFamily="2" charset="2"/>
+              <a:buChar char="q"/>
+            </a:pPr>
+            <a:r>
+              <a:rPr lang="en-US" sz="1600" dirty="0"/>
+              <a:t>First create routers as middleware and mount those on paths</a:t>
+            </a:r>
+          </a:p>
+          <a:p>
+            <a:r>
+              <a:rPr lang="en-US" sz="1200" dirty="0">
+                <a:solidFill>
+                  <a:srgbClr val="7030A0"/>
+                </a:solidFill>
+                <a:latin typeface="Abadi" panose="020B0604020104020204" pitchFamily="34" charset="0"/>
+              </a:rPr>
+              <a:t>nodejs-learnings\express_demo\app_8.js </a:t>
+            </a:r>
+            <a:r>
+              <a:rPr lang="en-US" sz="1200" dirty="0">
+                <a:solidFill>
+                  <a:schemeClr val="accent2">
+                    <a:lumMod val="75000"/>
+                  </a:schemeClr>
+                </a:solidFill>
+                <a:latin typeface="Abadi" panose="020B0604020104020204" pitchFamily="34" charset="0"/>
+              </a:rPr>
+              <a:t>(postman – GET app_2/api/v1/fruits, GET app_2/api/v1/users)</a:t>
+            </a:r>
+          </a:p>
+          <a:p>
+            <a:pPr marL="285750" indent="-285750">
+              <a:buFont typeface="Wingdings" panose="05000000000000000000" pitchFamily="2" charset="2"/>
+              <a:buChar char="q"/>
+            </a:pPr>
+            <a:r>
+              <a:rPr lang="en-US" sz="1600" dirty="0"/>
+              <a:t>Separate router functionality in diff files now</a:t>
             </a:r>
           </a:p>
           <a:p>
@@ -17328,7 +17324,47 @@
                 <a:spcPts val="0"/>
               </a:spcBef>
             </a:pPr>
-            <a:endParaRPr lang="en-US" sz="1200" dirty="0">
+            <a:endParaRPr lang="en-US" sz="1000" dirty="0">
+              <a:solidFill>
+                <a:srgbClr val="7030A0"/>
+              </a:solidFill>
+              <a:latin typeface="Abadi" panose="020B0604020104020204" pitchFamily="34" charset="0"/>
+            </a:endParaRPr>
+          </a:p>
+          <a:p>
+            <a:pPr>
+              <a:spcBef>
+                <a:spcPts val="0"/>
+              </a:spcBef>
+            </a:pPr>
+            <a:r>
+              <a:rPr lang="en-US" sz="1200" dirty="0">
+                <a:solidFill>
+                  <a:srgbClr val="7030A0"/>
+                </a:solidFill>
+                <a:latin typeface="Abadi" panose="020B0604020104020204" pitchFamily="34" charset="0"/>
+              </a:rPr>
+              <a:t> nodejs-learnings\express_demo\app_9.js </a:t>
+            </a:r>
+            <a:r>
+              <a:rPr lang="en-US" sz="1200" dirty="0">
+                <a:solidFill>
+                  <a:schemeClr val="accent2">
+                    <a:lumMod val="75000"/>
+                  </a:schemeClr>
+                </a:solidFill>
+                <a:latin typeface="Abadi" panose="020B0604020104020204" pitchFamily="34" charset="0"/>
+              </a:rPr>
+              <a:t>(postman – GET app_2/api/v1/fruits, GET app_2/api/v1/fruits/id)</a:t>
+            </a:r>
+          </a:p>
+          <a:p>
+            <a:pPr>
+              <a:spcBef>
+                <a:spcPts val="0"/>
+              </a:spcBef>
+            </a:pPr>
+            <a:endParaRPr lang="en-US" sz="1000" dirty="0">
               <a:solidFill>
                 <a:schemeClr val="accent2">
                   <a:lumMod val="75000"/>
@@ -17344,66 +17380,15 @@
             </a:pPr>
             <a:r>
               <a:rPr lang="en-US" sz="1600" dirty="0"/>
-              <a:t>Clear separated logic here as routerParam is only defined for fruits and not for users</a:t>
-            </a:r>
-          </a:p>
-          <a:p>
-            <a:pPr marL="285750" indent="-285750">
-              <a:buFont typeface="Wingdings" panose="05000000000000000000" pitchFamily="2" charset="2"/>
-              <a:buChar char="q"/>
+              <a:t>The main app files looks like having middleware only</a:t>
+            </a:r>
+          </a:p>
+          <a:p>
+            <a:pPr>
+              <a:spcBef>
+                <a:spcPts val="0"/>
+              </a:spcBef>
             </a:pPr>
-            <a:r>
-              <a:rPr lang="en-US" sz="1600" dirty="0"/>
-              <a:t>Note addition of patch and delete methods in </a:t>
-            </a:r>
-            <a:r>
-              <a:rPr lang="en-US" sz="1600" i="1" dirty="0"/>
-              <a:t>fruit_controller_1.js. </a:t>
-            </a:r>
-            <a:r>
-              <a:rPr lang="en-US" sz="1600" dirty="0"/>
-              <a:t>These are incomplete methods, but the id check is seen repeated</a:t>
-            </a:r>
-            <a:endParaRPr lang="en-US" sz="1600" i="1" dirty="0"/>
-          </a:p>
-          <a:p>
-            <a:pPr marL="285750" indent="-285750">
-              <a:buFont typeface="Wingdings" panose="05000000000000000000" pitchFamily="2" charset="2"/>
-              <a:buChar char="q"/>
-            </a:pPr>
-            <a:r>
-              <a:rPr lang="en-US" sz="1600" dirty="0"/>
-              <a:t>Fruit_controller_2.js is not having validation , </a:t>
-            </a:r>
-            <a:r>
-              <a:rPr lang="en-US" sz="1600" dirty="0" err="1"/>
-              <a:t>exports.checkId</a:t>
-            </a:r>
-            <a:endParaRPr lang="en-US" sz="1600" dirty="0"/>
-          </a:p>
-          <a:p>
-            <a:r>
-              <a:rPr lang="en-US" sz="1200" dirty="0">
-                <a:solidFill>
-                  <a:srgbClr val="7030A0"/>
-                </a:solidFill>
-                <a:latin typeface="Abadi" panose="020B0604020104020204" pitchFamily="34" charset="0"/>
-              </a:rPr>
-              <a:t>nodejs-learnings\express_demo\server_3.js </a:t>
-            </a:r>
-            <a:r>
-              <a:rPr lang="en-US" sz="1200" dirty="0">
-                <a:solidFill>
-                  <a:schemeClr val="accent2">
-                    <a:lumMod val="75000"/>
-                  </a:schemeClr>
-                </a:solidFill>
-                <a:latin typeface="Abadi" panose="020B0604020104020204" pitchFamily="34" charset="0"/>
-              </a:rPr>
-              <a:t>(postman – GET app_2/api/v1/fruits and pass param as 51)</a:t>
-            </a:r>
-          </a:p>
-          <a:p>
             <a:endParaRPr lang="en-US" dirty="0">
               <a:solidFill>
                 <a:srgbClr val="7030A0"/>
@@ -17411,6 +17396,56 @@
               <a:latin typeface="Abadi" panose="020B0604020104020204" pitchFamily="34" charset="0"/>
             </a:endParaRPr>
           </a:p>
+          <a:p>
+            <a:pPr marL="285750" indent="-285750">
+              <a:buFont typeface="Wingdings" panose="05000000000000000000" pitchFamily="2" charset="2"/>
+              <a:buChar char="q"/>
+            </a:pPr>
+            <a:r>
+              <a:rPr lang="en-US" sz="1600" dirty="0"/>
+              <a:t>Still route files got handlers. Let's separate those out in controller</a:t>
+            </a:r>
+          </a:p>
+          <a:p>
+            <a:pPr marL="285750" indent="-285750">
+              <a:buFont typeface="Wingdings" panose="05000000000000000000" pitchFamily="2" charset="2"/>
+              <a:buChar char="q"/>
+            </a:pPr>
+            <a:r>
+              <a:rPr lang="en-US" sz="1600" dirty="0"/>
+              <a:t>Let's also separate out server</a:t>
+            </a:r>
+          </a:p>
+          <a:p>
+            <a:r>
+              <a:rPr lang="en-US" sz="1200" dirty="0">
+                <a:solidFill>
+                  <a:srgbClr val="7030A0"/>
+                </a:solidFill>
+                <a:latin typeface="Abadi" panose="020B0604020104020204" pitchFamily="34" charset="0"/>
+              </a:rPr>
+              <a:t>nodejs-learnings\express_demo\server_1.js </a:t>
+            </a:r>
+            <a:r>
+              <a:rPr lang="en-US" sz="1200" dirty="0">
+                <a:solidFill>
+                  <a:schemeClr val="accent2">
+                    <a:lumMod val="75000"/>
+                  </a:schemeClr>
+                </a:solidFill>
+                <a:latin typeface="Abadi" panose="020B0604020104020204" pitchFamily="34" charset="0"/>
+              </a:rPr>
+              <a:t>(postman – GET app_2/api/v1/fruits, GET app_2/api/v1/fruits/id)</a:t>
+            </a:r>
+          </a:p>
+          <a:p>
+            <a:endParaRPr lang="en-US" dirty="0">
+              <a:solidFill>
+                <a:srgbClr val="7030A0"/>
+              </a:solidFill>
+              <a:latin typeface="Abadi" panose="020B0604020104020204" pitchFamily="34" charset="0"/>
+            </a:endParaRPr>
+          </a:p>
         </p:txBody>
       </p:sp>
       <p:sp>
@@ -17484,7 +17519,7 @@
     </p:spTree>
     <p:extLst>
       <p:ext uri="{BB962C8B-B14F-4D97-AF65-F5344CB8AC3E}">
-        <p14:creationId xmlns:p14="http://schemas.microsoft.com/office/powerpoint/2010/main" val="3858388251"/>
+        <p14:creationId xmlns:p14="http://schemas.microsoft.com/office/powerpoint/2010/main" val="1097674693"/>
       </p:ext>
     </p:extLst>
   </p:cSld>
@@ -17541,7 +17576,7 @@
           <a:p>
             <a:r>
               <a:rPr lang="en-US" sz="2400" dirty="0"/>
-              <a:t>Middleware chaining</a:t>
+              <a:t>Redefining further</a:t>
             </a:r>
           </a:p>
         </p:txBody>
@@ -17580,15 +17615,7 @@
             </a:pPr>
             <a:r>
               <a:rPr lang="en-US" sz="1600" dirty="0"/>
-              <a:t>Middlewares can be chained, note </a:t>
-            </a:r>
-            <a:r>
-              <a:rPr lang="en-US" sz="1600" dirty="0" err="1"/>
-              <a:t>exports.checkBody</a:t>
-            </a:r>
-            <a:r>
-              <a:rPr lang="en-US" sz="1600" dirty="0"/>
-              <a:t> middleware which is chained in fruit_routes_5.js</a:t>
+              <a:t>Have middleware (routerParam) , operational when id is supplied as parameter</a:t>
             </a:r>
           </a:p>
           <a:p>
@@ -17617,7 +17644,7 @@
                 </a:solidFill>
                 <a:latin typeface="Abadi" panose="020B0604020104020204" pitchFamily="34" charset="0"/>
               </a:rPr>
-              <a:t>nodejs-learnings\express_demo\server_4.js  </a:t>
+              <a:t>nodejs-learnings\express_demo\server_2.js  </a:t>
             </a:r>
             <a:r>
               <a:rPr lang="en-US" sz="1200" dirty="0">
@@ -17628,7 +17655,7 @@
                 </a:solidFill>
                 <a:latin typeface="Abadi" panose="020B0604020104020204" pitchFamily="34" charset="0"/>
               </a:rPr>
-              <a:t>(postman – POST app_2/api/v1/fruits and ignore price or fruitName from body)</a:t>
+              <a:t>(postman – GET app_2/api/v1/fruits and pass param as 5)</a:t>
             </a:r>
           </a:p>
           <a:p>
@@ -17646,6 +17673,80 @@
               <a:latin typeface="Abadi" panose="020B0604020104020204" pitchFamily="34" charset="0"/>
             </a:endParaRPr>
           </a:p>
+          <a:p>
+            <a:pPr marL="285750" indent="-285750">
+              <a:buFont typeface="Wingdings" panose="05000000000000000000" pitchFamily="2" charset="2"/>
+              <a:buChar char="q"/>
+            </a:pPr>
+            <a:r>
+              <a:rPr lang="en-US" sz="1600" dirty="0"/>
+              <a:t>Clear separated logic here as routerParam is only defined for fruits and not for users</a:t>
+            </a:r>
+          </a:p>
+          <a:p>
+            <a:pPr marL="285750" indent="-285750">
+              <a:buFont typeface="Wingdings" panose="05000000000000000000" pitchFamily="2" charset="2"/>
+              <a:buChar char="q"/>
+            </a:pPr>
+            <a:r>
+              <a:rPr lang="en-US" sz="1600" dirty="0"/>
+              <a:t>Note addition of patch and delete methods in </a:t>
+            </a:r>
+            <a:r>
+              <a:rPr lang="en-US" sz="1600" i="1" dirty="0"/>
+              <a:t>fruit_controller_1.js. </a:t>
+            </a:r>
+            <a:r>
+              <a:rPr lang="en-US" sz="1600" dirty="0"/>
+              <a:t>These are incomplete methods, but the id check is seen repeated</a:t>
+            </a:r>
+            <a:endParaRPr lang="en-US" sz="1600" i="1" dirty="0"/>
+          </a:p>
+          <a:p>
+            <a:pPr marL="285750" indent="-285750">
+              <a:buFont typeface="Wingdings" panose="05000000000000000000" pitchFamily="2" charset="2"/>
+              <a:buChar char="q"/>
+            </a:pPr>
+            <a:r>
+              <a:rPr lang="en-US" sz="1600" dirty="0"/>
+              <a:t>Fruit_controller_2.js is not having validation , </a:t>
+            </a:r>
+            <a:r>
+              <a:rPr lang="en-US" sz="1600" dirty="0" err="1"/>
+              <a:t>exports.checkId</a:t>
+            </a:r>
+            <a:endParaRPr lang="en-US" sz="1600" dirty="0"/>
+          </a:p>
+          <a:p>
+            <a:r>
+              <a:rPr lang="en-US" sz="1200" dirty="0">
+                <a:solidFill>
+                  <a:srgbClr val="7030A0"/>
+                </a:solidFill>
+                <a:latin typeface="Abadi" panose="020B0604020104020204" pitchFamily="34" charset="0"/>
+              </a:rPr>
+              <a:t>nodejs-learnings\express_demo\server_3.js </a:t>
+            </a:r>
+            <a:r>
+              <a:rPr lang="en-US" sz="1200" dirty="0">
+                <a:solidFill>
+                  <a:schemeClr val="accent2">
+                    <a:lumMod val="75000"/>
+                  </a:schemeClr>
+                </a:solidFill>
+                <a:latin typeface="Abadi" panose="020B0604020104020204" pitchFamily="34" charset="0"/>
+              </a:rPr>
+              <a:t>(postman – GET app_2/api/v1/fruits and pass param as 51)</a:t>
+            </a:r>
+          </a:p>
+          <a:p>
+            <a:endParaRPr lang="en-US" dirty="0">
+              <a:solidFill>
+                <a:srgbClr val="7030A0"/>
+              </a:solidFill>
+              <a:latin typeface="Abadi" panose="020B0604020104020204" pitchFamily="34" charset="0"/>
+            </a:endParaRPr>
+          </a:p>
         </p:txBody>
       </p:sp>
       <p:sp>
@@ -17719,7 +17820,7 @@
     </p:spTree>
     <p:extLst>
       <p:ext uri="{BB962C8B-B14F-4D97-AF65-F5344CB8AC3E}">
-        <p14:creationId xmlns:p14="http://schemas.microsoft.com/office/powerpoint/2010/main" val="3152947906"/>
+        <p14:creationId xmlns:p14="http://schemas.microsoft.com/office/powerpoint/2010/main" val="3858388251"/>
       </p:ext>
     </p:extLst>
   </p:cSld>
@@ -17776,7 +17877,7 @@
           <a:p>
             <a:r>
               <a:rPr lang="en-US" sz="2400" dirty="0"/>
-              <a:t>Environmental variables</a:t>
+              <a:t>Middleware chaining</a:t>
             </a:r>
           </a:p>
         </p:txBody>
@@ -17815,7 +17916,15 @@
             </a:pPr>
             <a:r>
               <a:rPr lang="en-US" sz="1600" dirty="0"/>
-              <a:t>The NODE_ENV is already defined for you and environmental variable can be passed via, command line</a:t>
+              <a:t>Middlewares can be chained, note </a:t>
+            </a:r>
+            <a:r>
+              <a:rPr lang="en-US" sz="1600" dirty="0" err="1"/>
+              <a:t>exports.checkBody</a:t>
+            </a:r>
+            <a:r>
+              <a:rPr lang="en-US" sz="1600" dirty="0"/>
+              <a:t> middleware which is chained in fruit_routes_5.js</a:t>
             </a:r>
           </a:p>
           <a:p>
@@ -17844,16 +17953,19 @@
                 </a:solidFill>
                 <a:latin typeface="Abadi" panose="020B0604020104020204" pitchFamily="34" charset="0"/>
               </a:rPr>
-              <a:t>COURSE=DEV_OPS node nodejs-learnings\express_demo\server_5.js</a:t>
-            </a:r>
-            <a:endParaRPr lang="en-US" sz="1200" dirty="0">
-              <a:solidFill>
-                <a:schemeClr val="accent2">
-                  <a:lumMod val="75000"/>
-                </a:schemeClr>
-              </a:solidFill>
-              <a:latin typeface="Abadi" panose="020B0604020104020204" pitchFamily="34" charset="0"/>
-            </a:endParaRPr>
+              <a:t>nodejs-learnings\express_demo\server_4.js  </a:t>
+            </a:r>
+            <a:r>
+              <a:rPr lang="en-US" sz="1200" dirty="0">
+                <a:solidFill>
+                  <a:schemeClr val="accent2">
+                    <a:lumMod val="75000"/>
+                  </a:schemeClr>
+                </a:solidFill>
+                <a:latin typeface="Abadi" panose="020B0604020104020204" pitchFamily="34" charset="0"/>
+              </a:rPr>
+              <a:t>(postman – POST app_2/api/v1/fruits and ignore price or fruitName from body)</a:t>
+            </a:r>
           </a:p>
           <a:p>
             <a:pPr>
@@ -17870,79 +17982,6 @@
               <a:latin typeface="Abadi" panose="020B0604020104020204" pitchFamily="34" charset="0"/>
             </a:endParaRPr>
           </a:p>
-          <a:p>
-            <a:pPr marL="285750" indent="-285750">
-              <a:buFont typeface="Wingdings" panose="05000000000000000000" pitchFamily="2" charset="2"/>
-              <a:buChar char="q"/>
-            </a:pPr>
-            <a:r>
-              <a:rPr lang="en-US" sz="1600" dirty="0"/>
-              <a:t>But defining on command line can only use for development purpose</a:t>
-            </a:r>
-          </a:p>
-          <a:p>
-            <a:pPr marL="285750" indent="-285750">
-              <a:buFont typeface="Wingdings" panose="05000000000000000000" pitchFamily="2" charset="2"/>
-              <a:buChar char="q"/>
-            </a:pPr>
-            <a:r>
-              <a:rPr lang="en-US" sz="1600" dirty="0"/>
-              <a:t>Instead, these should be placed in some configuration file </a:t>
-            </a:r>
-          </a:p>
-          <a:p>
-            <a:pPr marL="285750" indent="-285750">
-              <a:buFont typeface="Wingdings" panose="05000000000000000000" pitchFamily="2" charset="2"/>
-              <a:buChar char="q"/>
-            </a:pPr>
-            <a:r>
-              <a:rPr lang="en-US" sz="1600" dirty="0"/>
-              <a:t>Run -  npm </a:t>
-            </a:r>
-            <a:r>
-              <a:rPr lang="en-US" sz="1600" dirty="0" err="1"/>
-              <a:t>i</a:t>
-            </a:r>
-            <a:r>
-              <a:rPr lang="en-US" sz="1600" dirty="0"/>
-              <a:t> </a:t>
-            </a:r>
-            <a:r>
-              <a:rPr lang="en-US" sz="1600" dirty="0" err="1"/>
-              <a:t>dotenv</a:t>
-            </a:r>
-            <a:endParaRPr lang="en-US" sz="1600" dirty="0"/>
-          </a:p>
-          <a:p>
-            <a:r>
-              <a:rPr lang="en-US" sz="1200" dirty="0">
-                <a:solidFill>
-                  <a:srgbClr val="7030A0"/>
-                </a:solidFill>
-                <a:latin typeface="Abadi" panose="020B0604020104020204" pitchFamily="34" charset="0"/>
-              </a:rPr>
-              <a:t>nodejs-learnings\express_demo\server_6.js </a:t>
-            </a:r>
-            <a:r>
-              <a:rPr lang="en-US" sz="1200" dirty="0">
-                <a:solidFill>
-                  <a:schemeClr val="accent2">
-                    <a:lumMod val="75000"/>
-                  </a:schemeClr>
-                </a:solidFill>
-                <a:latin typeface="Abadi" panose="020B0604020104020204" pitchFamily="34" charset="0"/>
-              </a:rPr>
-              <a:t>(also note use of env variable in server_6.js)</a:t>
-            </a:r>
-          </a:p>
-          <a:p>
-            <a:endParaRPr lang="en-US" dirty="0">
-              <a:solidFill>
-                <a:srgbClr val="7030A0"/>
-              </a:solidFill>
-              <a:latin typeface="Abadi" panose="020B0604020104020204" pitchFamily="34" charset="0"/>
-            </a:endParaRPr>
-          </a:p>
         </p:txBody>
       </p:sp>
       <p:sp>
@@ -18016,7 +18055,7 @@
     </p:spTree>
     <p:extLst>
       <p:ext uri="{BB962C8B-B14F-4D97-AF65-F5344CB8AC3E}">
-        <p14:creationId xmlns:p14="http://schemas.microsoft.com/office/powerpoint/2010/main" val="501177668"/>
+        <p14:creationId xmlns:p14="http://schemas.microsoft.com/office/powerpoint/2010/main" val="3152947906"/>
       </p:ext>
     </p:extLst>
   </p:cSld>
@@ -18048,21 +18087,220 @@
           <p:cNvPr id="2" name="Title 1">
             <a:extLst>
               <a:ext uri="{FF2B5EF4-FFF2-40B4-BE49-F238E27FC236}">
-                <a16:creationId xmlns:a16="http://schemas.microsoft.com/office/drawing/2014/main" id="{B1FE5F11-B7B9-4B80-8C6A-A8A7A7190B77}"/>
-              </a:ext>
-            </a:extLst>
-          </p:cNvPr>
-          <p:cNvSpPr>
-            <a:spLocks noGrp="1"/>
-          </p:cNvSpPr>
-          <p:nvPr>
-            <p:ph type="ctrTitle"/>
-          </p:nvPr>
-        </p:nvSpPr>
-        <p:spPr>
-          <a:xfrm>
-            <a:off x="6991350" y="2148840"/>
-            <a:ext cx="4179570" cy="1715531"/>
+                <a16:creationId xmlns:a16="http://schemas.microsoft.com/office/drawing/2014/main" id="{0A32731C-311B-46F7-A865-6C3AF6B09A47}"/>
+              </a:ext>
+            </a:extLst>
+          </p:cNvPr>
+          <p:cNvSpPr>
+            <a:spLocks noGrp="1"/>
+          </p:cNvSpPr>
+          <p:nvPr>
+            <p:ph type="title"/>
+          </p:nvPr>
+        </p:nvSpPr>
+        <p:spPr>
+          <a:xfrm>
+            <a:off x="686213" y="153780"/>
+            <a:ext cx="6377196" cy="517664"/>
+          </a:xfrm>
+        </p:spPr>
+        <p:txBody>
+          <a:bodyPr>
+            <a:normAutofit/>
+          </a:bodyPr>
+          <a:lstStyle/>
+          <a:p>
+            <a:r>
+              <a:rPr lang="en-US" sz="2400" dirty="0"/>
+              <a:t>Environmental variables</a:t>
+            </a:r>
+          </a:p>
+        </p:txBody>
+      </p:sp>
+      <p:sp>
+        <p:nvSpPr>
+          <p:cNvPr id="3" name="Text Placeholder 2">
+            <a:extLst>
+              <a:ext uri="{FF2B5EF4-FFF2-40B4-BE49-F238E27FC236}">
+                <a16:creationId xmlns:a16="http://schemas.microsoft.com/office/drawing/2014/main" id="{9D5232F9-FD00-464A-9F17-619C91AEF8F3}"/>
+              </a:ext>
+            </a:extLst>
+          </p:cNvPr>
+          <p:cNvSpPr>
+            <a:spLocks noGrp="1"/>
+          </p:cNvSpPr>
+          <p:nvPr>
+            <p:ph type="body" idx="1"/>
+          </p:nvPr>
+        </p:nvSpPr>
+        <p:spPr>
+          <a:xfrm>
+            <a:off x="686213" y="895417"/>
+            <a:ext cx="8139734" cy="5158874"/>
+          </a:xfrm>
+        </p:spPr>
+        <p:txBody>
+          <a:bodyPr>
+            <a:normAutofit/>
+          </a:bodyPr>
+          <a:lstStyle/>
+          <a:p>
+            <a:pPr marL="285750" indent="-285750">
+              <a:buFont typeface="Wingdings" panose="05000000000000000000" pitchFamily="2" charset="2"/>
+              <a:buChar char="q"/>
+            </a:pPr>
+            <a:r>
+              <a:rPr lang="en-US" sz="1600" dirty="0"/>
+              <a:t>The NODE_ENV is already defined for you and environmental variable can be passed via, command line</a:t>
+            </a:r>
+          </a:p>
+          <a:p>
+            <a:pPr>
+              <a:spcBef>
+                <a:spcPts val="0"/>
+              </a:spcBef>
+            </a:pPr>
+            <a:endParaRPr lang="en-US" dirty="0">
+              <a:solidFill>
+                <a:srgbClr val="7030A0"/>
+              </a:solidFill>
+              <a:latin typeface="Abadi" panose="020B0604020104020204" pitchFamily="34" charset="0"/>
+            </a:endParaRPr>
+          </a:p>
+          <a:p>
+            <a:pPr>
+              <a:spcBef>
+                <a:spcPts val="0"/>
+              </a:spcBef>
+            </a:pPr>
+            <a:r>
+              <a:rPr lang="en-US" sz="1200" dirty="0">
+                <a:solidFill>
+                  <a:srgbClr val="7030A0"/>
+                </a:solidFill>
+                <a:latin typeface="Abadi" panose="020B0604020104020204" pitchFamily="34" charset="0"/>
+              </a:rPr>
+              <a:t>COURSE=DEV_OPS node nodejs-learnings\express_demo\server_5.js</a:t>
+            </a:r>
+            <a:endParaRPr lang="en-US" sz="1200" dirty="0">
+              <a:solidFill>
+                <a:schemeClr val="accent2">
+                  <a:lumMod val="75000"/>
+                </a:schemeClr>
+              </a:solidFill>
+              <a:latin typeface="Abadi" panose="020B0604020104020204" pitchFamily="34" charset="0"/>
+            </a:endParaRPr>
+          </a:p>
+          <a:p>
+            <a:pPr>
+              <a:spcBef>
+                <a:spcPts val="0"/>
+              </a:spcBef>
+            </a:pPr>
+            <a:endParaRPr lang="en-US" sz="1200" dirty="0">
+              <a:solidFill>
+                <a:schemeClr val="accent2">
+                  <a:lumMod val="75000"/>
+                </a:schemeClr>
+              </a:solidFill>
+              <a:latin typeface="Abadi" panose="020B0604020104020204" pitchFamily="34" charset="0"/>
+            </a:endParaRPr>
+          </a:p>
+          <a:p>
+            <a:pPr marL="285750" indent="-285750">
+              <a:buFont typeface="Wingdings" panose="05000000000000000000" pitchFamily="2" charset="2"/>
+              <a:buChar char="q"/>
+            </a:pPr>
+            <a:r>
+              <a:rPr lang="en-US" sz="1600" dirty="0"/>
+              <a:t>But defining on command line can only use for development purpose</a:t>
+            </a:r>
+          </a:p>
+          <a:p>
+            <a:pPr marL="285750" indent="-285750">
+              <a:buFont typeface="Wingdings" panose="05000000000000000000" pitchFamily="2" charset="2"/>
+              <a:buChar char="q"/>
+            </a:pPr>
+            <a:r>
+              <a:rPr lang="en-US" sz="1600" dirty="0"/>
+              <a:t>Instead, these should be placed in some configuration file </a:t>
+            </a:r>
+          </a:p>
+          <a:p>
+            <a:pPr marL="285750" indent="-285750">
+              <a:buFont typeface="Wingdings" panose="05000000000000000000" pitchFamily="2" charset="2"/>
+              <a:buChar char="q"/>
+            </a:pPr>
+            <a:r>
+              <a:rPr lang="en-US" sz="1600" dirty="0"/>
+              <a:t>Run -  npm </a:t>
+            </a:r>
+            <a:r>
+              <a:rPr lang="en-US" sz="1600" dirty="0" err="1"/>
+              <a:t>i</a:t>
+            </a:r>
+            <a:r>
+              <a:rPr lang="en-US" sz="1600" dirty="0"/>
+              <a:t> </a:t>
+            </a:r>
+            <a:r>
+              <a:rPr lang="en-US" sz="1600" dirty="0" err="1"/>
+              <a:t>dotenv</a:t>
+            </a:r>
+            <a:endParaRPr lang="en-US" sz="1600" dirty="0"/>
+          </a:p>
+          <a:p>
+            <a:r>
+              <a:rPr lang="en-US" sz="1200" dirty="0">
+                <a:solidFill>
+                  <a:srgbClr val="7030A0"/>
+                </a:solidFill>
+                <a:latin typeface="Abadi" panose="020B0604020104020204" pitchFamily="34" charset="0"/>
+              </a:rPr>
+              <a:t>nodejs-learnings\express_demo\server_6.js </a:t>
+            </a:r>
+            <a:r>
+              <a:rPr lang="en-US" sz="1200" dirty="0">
+                <a:solidFill>
+                  <a:schemeClr val="accent2">
+                    <a:lumMod val="75000"/>
+                  </a:schemeClr>
+                </a:solidFill>
+                <a:latin typeface="Abadi" panose="020B0604020104020204" pitchFamily="34" charset="0"/>
+              </a:rPr>
+              <a:t>(also note use of env variable in server_6.js)</a:t>
+            </a:r>
+          </a:p>
+          <a:p>
+            <a:endParaRPr lang="en-US" dirty="0">
+              <a:solidFill>
+                <a:srgbClr val="7030A0"/>
+              </a:solidFill>
+              <a:latin typeface="Abadi" panose="020B0604020104020204" pitchFamily="34" charset="0"/>
+            </a:endParaRPr>
+          </a:p>
+        </p:txBody>
+      </p:sp>
+      <p:sp>
+        <p:nvSpPr>
+          <p:cNvPr id="4" name="Date Placeholder 3">
+            <a:extLst>
+              <a:ext uri="{FF2B5EF4-FFF2-40B4-BE49-F238E27FC236}">
+                <a16:creationId xmlns:a16="http://schemas.microsoft.com/office/drawing/2014/main" id="{70E12647-CCB2-45E2-A9CB-A868F490497E}"/>
+              </a:ext>
+            </a:extLst>
+          </p:cNvPr>
+          <p:cNvSpPr>
+            <a:spLocks noGrp="1"/>
+          </p:cNvSpPr>
+          <p:nvPr>
+            <p:ph type="dt" sz="half" idx="10"/>
+          </p:nvPr>
+        </p:nvSpPr>
+        <p:spPr>
+          <a:xfrm>
+            <a:off x="838200" y="6356350"/>
+            <a:ext cx="1219200" cy="365125"/>
           </a:xfrm>
         </p:spPr>
         <p:txBody>
@@ -18070,16 +18308,51 @@
           <a:lstStyle/>
           <a:p>
             <a:r>
-              <a:rPr lang="en-US" sz="3200" dirty="0"/>
-              <a:t>MONGO</a:t>
-            </a:r>
+              <a:rPr lang="en-US" dirty="0"/>
+              <a:t>2023</a:t>
+            </a:r>
+          </a:p>
+        </p:txBody>
+      </p:sp>
+      <p:sp>
+        <p:nvSpPr>
+          <p:cNvPr id="6" name="Slide Number Placeholder 5">
+            <a:extLst>
+              <a:ext uri="{FF2B5EF4-FFF2-40B4-BE49-F238E27FC236}">
+                <a16:creationId xmlns:a16="http://schemas.microsoft.com/office/drawing/2014/main" id="{7BC1787E-7110-4989-B0B8-DD4E0ACC09DF}"/>
+              </a:ext>
+            </a:extLst>
+          </p:cNvPr>
+          <p:cNvSpPr>
+            <a:spLocks noGrp="1"/>
+          </p:cNvSpPr>
+          <p:nvPr>
+            <p:ph type="sldNum" sz="quarter" idx="12"/>
+          </p:nvPr>
+        </p:nvSpPr>
+        <p:spPr>
+          <a:xfrm>
+            <a:off x="8610600" y="6356350"/>
+            <a:ext cx="2743200" cy="365125"/>
+          </a:xfrm>
+        </p:spPr>
+        <p:txBody>
+          <a:bodyPr/>
+          <a:lstStyle/>
+          <a:p>
+            <a:fld id="{A49DFD55-3C28-40EF-9E31-A92D2E4017FF}" type="slidenum">
+              <a:rPr lang="en-US" smtClean="0"/>
+              <a:pPr/>
+              <a:t>26</a:t>
+            </a:fld>
+            <a:endParaRPr lang="en-US" dirty="0"/>
           </a:p>
         </p:txBody>
       </p:sp>
     </p:spTree>
     <p:extLst>
       <p:ext uri="{BB962C8B-B14F-4D97-AF65-F5344CB8AC3E}">
-        <p14:creationId xmlns:p14="http://schemas.microsoft.com/office/powerpoint/2010/main" val="2680921"/>
+        <p14:creationId xmlns:p14="http://schemas.microsoft.com/office/powerpoint/2010/main" val="501177668"/>
       </p:ext>
     </p:extLst>
   </p:cSld>
@@ -18111,56 +18384,21 @@
           <p:cNvPr id="2" name="Title 1">
             <a:extLst>
               <a:ext uri="{FF2B5EF4-FFF2-40B4-BE49-F238E27FC236}">
-                <a16:creationId xmlns:a16="http://schemas.microsoft.com/office/drawing/2014/main" id="{0A32731C-311B-46F7-A865-6C3AF6B09A47}"/>
-              </a:ext>
-            </a:extLst>
-          </p:cNvPr>
-          <p:cNvSpPr>
-            <a:spLocks noGrp="1"/>
-          </p:cNvSpPr>
-          <p:nvPr>
-            <p:ph type="title"/>
-          </p:nvPr>
-        </p:nvSpPr>
-        <p:spPr>
-          <a:xfrm>
-            <a:off x="686213" y="153780"/>
-            <a:ext cx="5111750" cy="517664"/>
-          </a:xfrm>
-        </p:spPr>
-        <p:txBody>
-          <a:bodyPr>
-            <a:normAutofit/>
-          </a:bodyPr>
-          <a:lstStyle/>
-          <a:p>
-            <a:r>
-              <a:rPr lang="en-US" sz="2400" dirty="0"/>
-              <a:t>Mongo</a:t>
-            </a:r>
-          </a:p>
-        </p:txBody>
-      </p:sp>
-      <p:sp>
-        <p:nvSpPr>
-          <p:cNvPr id="4" name="Date Placeholder 3">
-            <a:extLst>
-              <a:ext uri="{FF2B5EF4-FFF2-40B4-BE49-F238E27FC236}">
-                <a16:creationId xmlns:a16="http://schemas.microsoft.com/office/drawing/2014/main" id="{70E12647-CCB2-45E2-A9CB-A868F490497E}"/>
-              </a:ext>
-            </a:extLst>
-          </p:cNvPr>
-          <p:cNvSpPr>
-            <a:spLocks noGrp="1"/>
-          </p:cNvSpPr>
-          <p:nvPr>
-            <p:ph type="dt" sz="half" idx="10"/>
-          </p:nvPr>
-        </p:nvSpPr>
-        <p:spPr>
-          <a:xfrm>
-            <a:off x="838200" y="6356350"/>
-            <a:ext cx="1219200" cy="365125"/>
+                <a16:creationId xmlns:a16="http://schemas.microsoft.com/office/drawing/2014/main" id="{B1FE5F11-B7B9-4B80-8C6A-A8A7A7190B77}"/>
+              </a:ext>
+            </a:extLst>
+          </p:cNvPr>
+          <p:cNvSpPr>
+            <a:spLocks noGrp="1"/>
+          </p:cNvSpPr>
+          <p:nvPr>
+            <p:ph type="ctrTitle"/>
+          </p:nvPr>
+        </p:nvSpPr>
+        <p:spPr>
+          <a:xfrm>
+            <a:off x="6991350" y="2148840"/>
+            <a:ext cx="4179570" cy="1715531"/>
           </a:xfrm>
         </p:spPr>
         <p:txBody>
@@ -18168,352 +18406,16 @@
           <a:lstStyle/>
           <a:p>
             <a:r>
-              <a:rPr lang="en-US" dirty="0"/>
-              <a:t>2023</a:t>
-            </a:r>
-          </a:p>
-        </p:txBody>
-      </p:sp>
-      <p:sp>
-        <p:nvSpPr>
-          <p:cNvPr id="6" name="Slide Number Placeholder 5">
-            <a:extLst>
-              <a:ext uri="{FF2B5EF4-FFF2-40B4-BE49-F238E27FC236}">
-                <a16:creationId xmlns:a16="http://schemas.microsoft.com/office/drawing/2014/main" id="{7BC1787E-7110-4989-B0B8-DD4E0ACC09DF}"/>
-              </a:ext>
-            </a:extLst>
-          </p:cNvPr>
-          <p:cNvSpPr>
-            <a:spLocks noGrp="1"/>
-          </p:cNvSpPr>
-          <p:nvPr>
-            <p:ph type="sldNum" sz="quarter" idx="12"/>
-          </p:nvPr>
-        </p:nvSpPr>
-        <p:spPr>
-          <a:xfrm>
-            <a:off x="8610600" y="6356350"/>
-            <a:ext cx="2743200" cy="365125"/>
-          </a:xfrm>
-        </p:spPr>
-        <p:txBody>
-          <a:bodyPr/>
-          <a:lstStyle/>
-          <a:p>
-            <a:fld id="{A49DFD55-3C28-40EF-9E31-A92D2E4017FF}" type="slidenum">
-              <a:rPr lang="en-US" smtClean="0"/>
-              <a:pPr/>
-              <a:t>27</a:t>
-            </a:fld>
-            <a:endParaRPr lang="en-US" dirty="0"/>
-          </a:p>
-        </p:txBody>
-      </p:sp>
-      <p:sp>
-        <p:nvSpPr>
-          <p:cNvPr id="8" name="Text Placeholder 2">
-            <a:extLst>
-              <a:ext uri="{FF2B5EF4-FFF2-40B4-BE49-F238E27FC236}">
-                <a16:creationId xmlns:a16="http://schemas.microsoft.com/office/drawing/2014/main" id="{60ED2FD2-8304-9961-36D1-C89DB41703DE}"/>
-              </a:ext>
-            </a:extLst>
-          </p:cNvPr>
-          <p:cNvSpPr txBox="1">
-            <a:spLocks/>
-          </p:cNvSpPr>
-          <p:nvPr/>
-        </p:nvSpPr>
-        <p:spPr>
-          <a:xfrm>
-            <a:off x="686213" y="4395423"/>
-            <a:ext cx="8139734" cy="2092004"/>
-          </a:xfrm>
-          <a:prstGeom prst="rect">
-            <a:avLst/>
-          </a:prstGeom>
-        </p:spPr>
-        <p:txBody>
-          <a:bodyPr vert="horz" lIns="91440" tIns="45720" rIns="91440" bIns="45720" rtlCol="0">
-            <a:normAutofit lnSpcReduction="10000"/>
-          </a:bodyPr>
-          <a:lstStyle>
-            <a:lvl1pPr marL="0" indent="0" algn="l" defTabSz="914400" rtl="0" eaLnBrk="1" latinLnBrk="0" hangingPunct="1">
-              <a:lnSpc>
-                <a:spcPct val="100000"/>
-              </a:lnSpc>
-              <a:spcBef>
-                <a:spcPts val="1000"/>
-              </a:spcBef>
-              <a:buFont typeface="Arial" panose="020B0604020202020204" pitchFamily="34" charset="0"/>
-              <a:buNone/>
-              <a:defRPr sz="1400" kern="1200" spc="50" baseline="0">
-                <a:solidFill>
-                  <a:schemeClr val="tx1"/>
-                </a:solidFill>
-                <a:latin typeface="+mn-lt"/>
-                <a:ea typeface="+mn-ea"/>
-                <a:cs typeface="+mn-cs"/>
-              </a:defRPr>
-            </a:lvl1pPr>
-            <a:lvl2pPr marL="457200" indent="0" algn="l" defTabSz="914400" rtl="0" eaLnBrk="1" latinLnBrk="0" hangingPunct="1">
-              <a:lnSpc>
-                <a:spcPct val="90000"/>
-              </a:lnSpc>
-              <a:spcBef>
-                <a:spcPts val="500"/>
-              </a:spcBef>
-              <a:buFont typeface="Arial" panose="020B0604020202020204" pitchFamily="34" charset="0"/>
-              <a:buNone/>
-              <a:defRPr sz="2000" kern="1200">
-                <a:solidFill>
-                  <a:schemeClr val="tx1">
-                    <a:tint val="75000"/>
-                  </a:schemeClr>
-                </a:solidFill>
-                <a:latin typeface="+mn-lt"/>
-                <a:ea typeface="+mn-ea"/>
-                <a:cs typeface="+mn-cs"/>
-              </a:defRPr>
-            </a:lvl2pPr>
-            <a:lvl3pPr marL="914400" indent="0" algn="l" defTabSz="914400" rtl="0" eaLnBrk="1" latinLnBrk="0" hangingPunct="1">
-              <a:lnSpc>
-                <a:spcPct val="90000"/>
-              </a:lnSpc>
-              <a:spcBef>
-                <a:spcPts val="500"/>
-              </a:spcBef>
-              <a:buFont typeface="Arial" panose="020B0604020202020204" pitchFamily="34" charset="0"/>
-              <a:buNone/>
-              <a:defRPr sz="1800" kern="1200">
-                <a:solidFill>
-                  <a:schemeClr val="tx1">
-                    <a:tint val="75000"/>
-                  </a:schemeClr>
-                </a:solidFill>
-                <a:latin typeface="+mn-lt"/>
-                <a:ea typeface="+mn-ea"/>
-                <a:cs typeface="+mn-cs"/>
-              </a:defRPr>
-            </a:lvl3pPr>
-            <a:lvl4pPr marL="1371600" indent="0" algn="l" defTabSz="914400" rtl="0" eaLnBrk="1" latinLnBrk="0" hangingPunct="1">
-              <a:lnSpc>
-                <a:spcPct val="90000"/>
-              </a:lnSpc>
-              <a:spcBef>
-                <a:spcPts val="500"/>
-              </a:spcBef>
-              <a:buFont typeface="Arial" panose="020B0604020202020204" pitchFamily="34" charset="0"/>
-              <a:buNone/>
-              <a:defRPr sz="1600" kern="1200">
-                <a:solidFill>
-                  <a:schemeClr val="tx1">
-                    <a:tint val="75000"/>
-                  </a:schemeClr>
-                </a:solidFill>
-                <a:latin typeface="+mn-lt"/>
-                <a:ea typeface="+mn-ea"/>
-                <a:cs typeface="+mn-cs"/>
-              </a:defRPr>
-            </a:lvl4pPr>
-            <a:lvl5pPr marL="1828800" indent="0" algn="l" defTabSz="914400" rtl="0" eaLnBrk="1" latinLnBrk="0" hangingPunct="1">
-              <a:lnSpc>
-                <a:spcPct val="90000"/>
-              </a:lnSpc>
-              <a:spcBef>
-                <a:spcPts val="500"/>
-              </a:spcBef>
-              <a:buFont typeface="Arial" panose="020B0604020202020204" pitchFamily="34" charset="0"/>
-              <a:buNone/>
-              <a:defRPr sz="1600" kern="1200">
-                <a:solidFill>
-                  <a:schemeClr val="tx1">
-                    <a:tint val="75000"/>
-                  </a:schemeClr>
-                </a:solidFill>
-                <a:latin typeface="+mn-lt"/>
-                <a:ea typeface="+mn-ea"/>
-                <a:cs typeface="+mn-cs"/>
-              </a:defRPr>
-            </a:lvl5pPr>
-            <a:lvl6pPr marL="2286000" indent="0" algn="l" defTabSz="914400" rtl="0" eaLnBrk="1" latinLnBrk="0" hangingPunct="1">
-              <a:lnSpc>
-                <a:spcPct val="90000"/>
-              </a:lnSpc>
-              <a:spcBef>
-                <a:spcPts val="500"/>
-              </a:spcBef>
-              <a:buFont typeface="Arial" panose="020B0604020202020204" pitchFamily="34" charset="0"/>
-              <a:buNone/>
-              <a:defRPr sz="1600" kern="1200">
-                <a:solidFill>
-                  <a:schemeClr val="tx1">
-                    <a:tint val="75000"/>
-                  </a:schemeClr>
-                </a:solidFill>
-                <a:latin typeface="+mn-lt"/>
-                <a:ea typeface="+mn-ea"/>
-                <a:cs typeface="+mn-cs"/>
-              </a:defRPr>
-            </a:lvl6pPr>
-            <a:lvl7pPr marL="2743200" indent="0" algn="l" defTabSz="914400" rtl="0" eaLnBrk="1" latinLnBrk="0" hangingPunct="1">
-              <a:lnSpc>
-                <a:spcPct val="90000"/>
-              </a:lnSpc>
-              <a:spcBef>
-                <a:spcPts val="500"/>
-              </a:spcBef>
-              <a:buFont typeface="Arial" panose="020B0604020202020204" pitchFamily="34" charset="0"/>
-              <a:buNone/>
-              <a:defRPr sz="1600" kern="1200">
-                <a:solidFill>
-                  <a:schemeClr val="tx1">
-                    <a:tint val="75000"/>
-                  </a:schemeClr>
-                </a:solidFill>
-                <a:latin typeface="+mn-lt"/>
-                <a:ea typeface="+mn-ea"/>
-                <a:cs typeface="+mn-cs"/>
-              </a:defRPr>
-            </a:lvl7pPr>
-            <a:lvl8pPr marL="3200400" indent="0" algn="l" defTabSz="914400" rtl="0" eaLnBrk="1" latinLnBrk="0" hangingPunct="1">
-              <a:lnSpc>
-                <a:spcPct val="90000"/>
-              </a:lnSpc>
-              <a:spcBef>
-                <a:spcPts val="500"/>
-              </a:spcBef>
-              <a:buFont typeface="Arial" panose="020B0604020202020204" pitchFamily="34" charset="0"/>
-              <a:buNone/>
-              <a:defRPr sz="1600" kern="1200">
-                <a:solidFill>
-                  <a:schemeClr val="tx1">
-                    <a:tint val="75000"/>
-                  </a:schemeClr>
-                </a:solidFill>
-                <a:latin typeface="+mn-lt"/>
-                <a:ea typeface="+mn-ea"/>
-                <a:cs typeface="+mn-cs"/>
-              </a:defRPr>
-            </a:lvl8pPr>
-            <a:lvl9pPr marL="3657600" indent="0" algn="l" defTabSz="914400" rtl="0" eaLnBrk="1" latinLnBrk="0" hangingPunct="1">
-              <a:lnSpc>
-                <a:spcPct val="90000"/>
-              </a:lnSpc>
-              <a:spcBef>
-                <a:spcPts val="500"/>
-              </a:spcBef>
-              <a:buFont typeface="Arial" panose="020B0604020202020204" pitchFamily="34" charset="0"/>
-              <a:buNone/>
-              <a:defRPr sz="1600" kern="1200">
-                <a:solidFill>
-                  <a:schemeClr val="tx1">
-                    <a:tint val="75000"/>
-                  </a:schemeClr>
-                </a:solidFill>
-                <a:latin typeface="+mn-lt"/>
-                <a:ea typeface="+mn-ea"/>
-                <a:cs typeface="+mn-cs"/>
-              </a:defRPr>
-            </a:lvl9pPr>
-          </a:lstStyle>
-          <a:p>
-            <a:pPr marL="285750" indent="-285750">
-              <a:buFont typeface="Wingdings" panose="05000000000000000000" pitchFamily="2" charset="2"/>
-              <a:buChar char="q"/>
-            </a:pPr>
-            <a:r>
-              <a:rPr lang="en-US" sz="1800" dirty="0"/>
-              <a:t>Free and Opensource</a:t>
-            </a:r>
-          </a:p>
-          <a:p>
-            <a:pPr marL="285750" indent="-285750">
-              <a:buFont typeface="Wingdings" panose="05000000000000000000" pitchFamily="2" charset="2"/>
-              <a:buChar char="q"/>
-            </a:pPr>
-            <a:r>
-              <a:rPr lang="en-US" sz="1800" dirty="0"/>
-              <a:t>Highly used DB with node</a:t>
-            </a:r>
-          </a:p>
-          <a:p>
-            <a:pPr marL="285750" indent="-285750">
-              <a:buFont typeface="Wingdings" panose="05000000000000000000" pitchFamily="2" charset="2"/>
-              <a:buChar char="q"/>
-            </a:pPr>
-            <a:r>
-              <a:rPr lang="en-US" sz="1800" dirty="0"/>
-              <a:t>Was developed by Atlas</a:t>
-            </a:r>
-          </a:p>
-          <a:p>
-            <a:pPr marL="285750" indent="-285750">
-              <a:buFont typeface="Wingdings" panose="05000000000000000000" pitchFamily="2" charset="2"/>
-              <a:buChar char="q"/>
-            </a:pPr>
-            <a:r>
-              <a:rPr lang="en-US" sz="1800" dirty="0"/>
-              <a:t>Google for atlas mongo, create account, create a free shared cluster, explore on your own, get connection string, user , password</a:t>
-            </a:r>
-          </a:p>
-          <a:p>
-            <a:pPr marL="285750" indent="-285750">
-              <a:buFont typeface="Wingdings" panose="05000000000000000000" pitchFamily="2" charset="2"/>
-              <a:buChar char="q"/>
-            </a:pPr>
-            <a:r>
-              <a:rPr lang="en-US" sz="1800" dirty="0"/>
-              <a:t>Put information in </a:t>
-            </a:r>
-            <a:r>
-              <a:rPr lang="en-US" sz="1800" dirty="0" err="1"/>
-              <a:t>config.env</a:t>
-            </a:r>
-            <a:endParaRPr lang="en-US" sz="1800" dirty="0"/>
-          </a:p>
-          <a:p>
-            <a:pPr marL="285750" indent="-285750">
-              <a:buFont typeface="Wingdings" panose="05000000000000000000" pitchFamily="2" charset="2"/>
-              <a:buChar char="q"/>
-            </a:pPr>
-            <a:endParaRPr lang="en-US" sz="1800" dirty="0"/>
-          </a:p>
-        </p:txBody>
-      </p:sp>
-      <p:pic>
-        <p:nvPicPr>
-          <p:cNvPr id="5" name="Picture 4" descr="A picture containing arrow&#10;&#10;Description automatically generated">
-            <a:extLst>
-              <a:ext uri="{FF2B5EF4-FFF2-40B4-BE49-F238E27FC236}">
-                <a16:creationId xmlns:a16="http://schemas.microsoft.com/office/drawing/2014/main" id="{AC175C69-76F9-2B04-D85D-2B915365AA3F}"/>
-              </a:ext>
-            </a:extLst>
-          </p:cNvPr>
-          <p:cNvPicPr>
-            <a:picLocks noChangeAspect="1"/>
-          </p:cNvPicPr>
-          <p:nvPr/>
-        </p:nvPicPr>
-        <p:blipFill>
-          <a:blip r:embed="rId3"/>
-          <a:stretch>
-            <a:fillRect/>
-          </a:stretch>
-        </p:blipFill>
-        <p:spPr>
-          <a:xfrm>
-            <a:off x="686213" y="1204510"/>
-            <a:ext cx="5915851" cy="2657846"/>
-          </a:xfrm>
-          <a:prstGeom prst="rect">
-            <a:avLst/>
-          </a:prstGeom>
-        </p:spPr>
-      </p:pic>
+              <a:rPr lang="en-US" sz="3200" dirty="0"/>
+              <a:t>MONGO</a:t>
+            </a:r>
+          </a:p>
+        </p:txBody>
+      </p:sp>
     </p:spTree>
     <p:extLst>
       <p:ext uri="{BB962C8B-B14F-4D97-AF65-F5344CB8AC3E}">
-        <p14:creationId xmlns:p14="http://schemas.microsoft.com/office/powerpoint/2010/main" val="4257625341"/>
+        <p14:creationId xmlns:p14="http://schemas.microsoft.com/office/powerpoint/2010/main" val="2680921"/>
       </p:ext>
     </p:extLst>
   </p:cSld>
@@ -18559,7 +18461,7 @@
         <p:spPr>
           <a:xfrm>
             <a:off x="686213" y="153780"/>
-            <a:ext cx="6377196" cy="517664"/>
+            <a:ext cx="5111750" cy="517664"/>
           </a:xfrm>
         </p:spPr>
         <p:txBody>
@@ -18570,141 +18472,8 @@
           <a:p>
             <a:r>
               <a:rPr lang="en-US" sz="2400" dirty="0"/>
-              <a:t>mongoose</a:t>
-            </a:r>
-          </a:p>
-        </p:txBody>
-      </p:sp>
-      <p:sp>
-        <p:nvSpPr>
-          <p:cNvPr id="3" name="Text Placeholder 2">
-            <a:extLst>
-              <a:ext uri="{FF2B5EF4-FFF2-40B4-BE49-F238E27FC236}">
-                <a16:creationId xmlns:a16="http://schemas.microsoft.com/office/drawing/2014/main" id="{9D5232F9-FD00-464A-9F17-619C91AEF8F3}"/>
-              </a:ext>
-            </a:extLst>
-          </p:cNvPr>
-          <p:cNvSpPr>
-            <a:spLocks noGrp="1"/>
-          </p:cNvSpPr>
-          <p:nvPr>
-            <p:ph type="body" idx="1"/>
-          </p:nvPr>
-        </p:nvSpPr>
-        <p:spPr>
-          <a:xfrm>
-            <a:off x="686213" y="4013735"/>
-            <a:ext cx="8139734" cy="1713297"/>
-          </a:xfrm>
-        </p:spPr>
-        <p:txBody>
-          <a:bodyPr>
-            <a:normAutofit fontScale="92500" lnSpcReduction="20000"/>
-          </a:bodyPr>
-          <a:lstStyle/>
-          <a:p>
-            <a:pPr marL="285750" indent="-285750">
-              <a:buFont typeface="Wingdings" panose="05000000000000000000" pitchFamily="2" charset="2"/>
-              <a:buChar char="q"/>
-            </a:pPr>
-            <a:endParaRPr lang="en-US" sz="1600" dirty="0"/>
-          </a:p>
-          <a:p>
-            <a:pPr marL="285750" indent="-285750">
-              <a:buFont typeface="Wingdings" panose="05000000000000000000" pitchFamily="2" charset="2"/>
-              <a:buChar char="q"/>
-            </a:pPr>
-            <a:r>
-              <a:rPr lang="en-US" sz="1600" dirty="0"/>
-              <a:t>npm </a:t>
-            </a:r>
-            <a:r>
-              <a:rPr lang="en-US" sz="1600" dirty="0" err="1"/>
-              <a:t>i</a:t>
-            </a:r>
-            <a:r>
-              <a:rPr lang="en-US" sz="1600" dirty="0"/>
-              <a:t> mongoose</a:t>
-            </a:r>
-          </a:p>
-          <a:p>
-            <a:pPr>
-              <a:spcBef>
-                <a:spcPts val="0"/>
-              </a:spcBef>
-            </a:pPr>
-            <a:endParaRPr lang="en-US" dirty="0">
-              <a:solidFill>
-                <a:srgbClr val="7030A0"/>
-              </a:solidFill>
-              <a:latin typeface="Abadi" panose="020B0604020104020204" pitchFamily="34" charset="0"/>
-            </a:endParaRPr>
-          </a:p>
-          <a:p>
-            <a:pPr>
-              <a:spcBef>
-                <a:spcPts val="0"/>
-              </a:spcBef>
-            </a:pPr>
-            <a:r>
-              <a:rPr lang="en-US" sz="1200" dirty="0">
-                <a:solidFill>
-                  <a:srgbClr val="7030A0"/>
-                </a:solidFill>
-                <a:latin typeface="Abadi" panose="020B0604020104020204" pitchFamily="34" charset="0"/>
-              </a:rPr>
-              <a:t>COURSE=DEV_OPS node nodejs-learnings\express_demo\server_5.js</a:t>
-            </a:r>
-            <a:endParaRPr lang="en-US" sz="1200" dirty="0">
-              <a:solidFill>
-                <a:schemeClr val="accent2">
-                  <a:lumMod val="75000"/>
-                </a:schemeClr>
-              </a:solidFill>
-              <a:latin typeface="Abadi" panose="020B0604020104020204" pitchFamily="34" charset="0"/>
-            </a:endParaRPr>
-          </a:p>
-          <a:p>
-            <a:pPr>
-              <a:spcBef>
-                <a:spcPts val="0"/>
-              </a:spcBef>
-            </a:pPr>
-            <a:endParaRPr lang="en-US" sz="1200" dirty="0">
-              <a:solidFill>
-                <a:schemeClr val="accent2">
-                  <a:lumMod val="75000"/>
-                </a:schemeClr>
-              </a:solidFill>
-              <a:latin typeface="Abadi" panose="020B0604020104020204" pitchFamily="34" charset="0"/>
-            </a:endParaRPr>
-          </a:p>
-          <a:p>
-            <a:pPr marL="285750" indent="-285750">
-              <a:buFont typeface="Wingdings" panose="05000000000000000000" pitchFamily="2" charset="2"/>
-              <a:buChar char="q"/>
-            </a:pPr>
-            <a:r>
-              <a:rPr lang="en-US" sz="1600" dirty="0"/>
-              <a:t>Just check connection to mongo</a:t>
-            </a:r>
-          </a:p>
-          <a:p>
-            <a:r>
-              <a:rPr lang="en-US" sz="1200" dirty="0">
-                <a:solidFill>
-                  <a:srgbClr val="7030A0"/>
-                </a:solidFill>
-                <a:latin typeface="Abadi" panose="020B0604020104020204" pitchFamily="34" charset="0"/>
-              </a:rPr>
-              <a:t>Nodemon nodejs-learnings\express_demo\server_7.js</a:t>
-            </a:r>
-            <a:endParaRPr lang="en-US" dirty="0">
-              <a:solidFill>
-                <a:srgbClr val="7030A0"/>
-              </a:solidFill>
-              <a:latin typeface="Abadi" panose="020B0604020104020204" pitchFamily="34" charset="0"/>
-            </a:endParaRPr>
+              <a:t>Mongo</a:t>
+            </a:r>
           </a:p>
         </p:txBody>
       </p:sp>
@@ -18776,12 +18545,283 @@
           </a:p>
         </p:txBody>
       </p:sp>
+      <p:sp>
+        <p:nvSpPr>
+          <p:cNvPr id="8" name="Text Placeholder 2">
+            <a:extLst>
+              <a:ext uri="{FF2B5EF4-FFF2-40B4-BE49-F238E27FC236}">
+                <a16:creationId xmlns:a16="http://schemas.microsoft.com/office/drawing/2014/main" id="{60ED2FD2-8304-9961-36D1-C89DB41703DE}"/>
+              </a:ext>
+            </a:extLst>
+          </p:cNvPr>
+          <p:cNvSpPr txBox="1">
+            <a:spLocks/>
+          </p:cNvSpPr>
+          <p:nvPr/>
+        </p:nvSpPr>
+        <p:spPr>
+          <a:xfrm>
+            <a:off x="686213" y="4395423"/>
+            <a:ext cx="8139734" cy="2092004"/>
+          </a:xfrm>
+          <a:prstGeom prst="rect">
+            <a:avLst/>
+          </a:prstGeom>
+        </p:spPr>
+        <p:txBody>
+          <a:bodyPr vert="horz" lIns="91440" tIns="45720" rIns="91440" bIns="45720" rtlCol="0">
+            <a:normAutofit lnSpcReduction="10000"/>
+          </a:bodyPr>
+          <a:lstStyle>
+            <a:lvl1pPr marL="0" indent="0" algn="l" defTabSz="914400" rtl="0" eaLnBrk="1" latinLnBrk="0" hangingPunct="1">
+              <a:lnSpc>
+                <a:spcPct val="100000"/>
+              </a:lnSpc>
+              <a:spcBef>
+                <a:spcPts val="1000"/>
+              </a:spcBef>
+              <a:buFont typeface="Arial" panose="020B0604020202020204" pitchFamily="34" charset="0"/>
+              <a:buNone/>
+              <a:defRPr sz="1400" kern="1200" spc="50" baseline="0">
+                <a:solidFill>
+                  <a:schemeClr val="tx1"/>
+                </a:solidFill>
+                <a:latin typeface="+mn-lt"/>
+                <a:ea typeface="+mn-ea"/>
+                <a:cs typeface="+mn-cs"/>
+              </a:defRPr>
+            </a:lvl1pPr>
+            <a:lvl2pPr marL="457200" indent="0" algn="l" defTabSz="914400" rtl="0" eaLnBrk="1" latinLnBrk="0" hangingPunct="1">
+              <a:lnSpc>
+                <a:spcPct val="90000"/>
+              </a:lnSpc>
+              <a:spcBef>
+                <a:spcPts val="500"/>
+              </a:spcBef>
+              <a:buFont typeface="Arial" panose="020B0604020202020204" pitchFamily="34" charset="0"/>
+              <a:buNone/>
+              <a:defRPr sz="2000" kern="1200">
+                <a:solidFill>
+                  <a:schemeClr val="tx1">
+                    <a:tint val="75000"/>
+                  </a:schemeClr>
+                </a:solidFill>
+                <a:latin typeface="+mn-lt"/>
+                <a:ea typeface="+mn-ea"/>
+                <a:cs typeface="+mn-cs"/>
+              </a:defRPr>
+            </a:lvl2pPr>
+            <a:lvl3pPr marL="914400" indent="0" algn="l" defTabSz="914400" rtl="0" eaLnBrk="1" latinLnBrk="0" hangingPunct="1">
+              <a:lnSpc>
+                <a:spcPct val="90000"/>
+              </a:lnSpc>
+              <a:spcBef>
+                <a:spcPts val="500"/>
+              </a:spcBef>
+              <a:buFont typeface="Arial" panose="020B0604020202020204" pitchFamily="34" charset="0"/>
+              <a:buNone/>
+              <a:defRPr sz="1800" kern="1200">
+                <a:solidFill>
+                  <a:schemeClr val="tx1">
+                    <a:tint val="75000"/>
+                  </a:schemeClr>
+                </a:solidFill>
+                <a:latin typeface="+mn-lt"/>
+                <a:ea typeface="+mn-ea"/>
+                <a:cs typeface="+mn-cs"/>
+              </a:defRPr>
+            </a:lvl3pPr>
+            <a:lvl4pPr marL="1371600" indent="0" algn="l" defTabSz="914400" rtl="0" eaLnBrk="1" latinLnBrk="0" hangingPunct="1">
+              <a:lnSpc>
+                <a:spcPct val="90000"/>
+              </a:lnSpc>
+              <a:spcBef>
+                <a:spcPts val="500"/>
+              </a:spcBef>
+              <a:buFont typeface="Arial" panose="020B0604020202020204" pitchFamily="34" charset="0"/>
+              <a:buNone/>
+              <a:defRPr sz="1600" kern="1200">
+                <a:solidFill>
+                  <a:schemeClr val="tx1">
+                    <a:tint val="75000"/>
+                  </a:schemeClr>
+                </a:solidFill>
+                <a:latin typeface="+mn-lt"/>
+                <a:ea typeface="+mn-ea"/>
+                <a:cs typeface="+mn-cs"/>
+              </a:defRPr>
+            </a:lvl4pPr>
+            <a:lvl5pPr marL="1828800" indent="0" algn="l" defTabSz="914400" rtl="0" eaLnBrk="1" latinLnBrk="0" hangingPunct="1">
+              <a:lnSpc>
+                <a:spcPct val="90000"/>
+              </a:lnSpc>
+              <a:spcBef>
+                <a:spcPts val="500"/>
+              </a:spcBef>
+              <a:buFont typeface="Arial" panose="020B0604020202020204" pitchFamily="34" charset="0"/>
+              <a:buNone/>
+              <a:defRPr sz="1600" kern="1200">
+                <a:solidFill>
+                  <a:schemeClr val="tx1">
+                    <a:tint val="75000"/>
+                  </a:schemeClr>
+                </a:solidFill>
+                <a:latin typeface="+mn-lt"/>
+                <a:ea typeface="+mn-ea"/>
+                <a:cs typeface="+mn-cs"/>
+              </a:defRPr>
+            </a:lvl5pPr>
+            <a:lvl6pPr marL="2286000" indent="0" algn="l" defTabSz="914400" rtl="0" eaLnBrk="1" latinLnBrk="0" hangingPunct="1">
+              <a:lnSpc>
+                <a:spcPct val="90000"/>
+              </a:lnSpc>
+              <a:spcBef>
+                <a:spcPts val="500"/>
+              </a:spcBef>
+              <a:buFont typeface="Arial" panose="020B0604020202020204" pitchFamily="34" charset="0"/>
+              <a:buNone/>
+              <a:defRPr sz="1600" kern="1200">
+                <a:solidFill>
+                  <a:schemeClr val="tx1">
+                    <a:tint val="75000"/>
+                  </a:schemeClr>
+                </a:solidFill>
+                <a:latin typeface="+mn-lt"/>
+                <a:ea typeface="+mn-ea"/>
+                <a:cs typeface="+mn-cs"/>
+              </a:defRPr>
+            </a:lvl6pPr>
+            <a:lvl7pPr marL="2743200" indent="0" algn="l" defTabSz="914400" rtl="0" eaLnBrk="1" latinLnBrk="0" hangingPunct="1">
+              <a:lnSpc>
+                <a:spcPct val="90000"/>
+              </a:lnSpc>
+              <a:spcBef>
+                <a:spcPts val="500"/>
+              </a:spcBef>
+              <a:buFont typeface="Arial" panose="020B0604020202020204" pitchFamily="34" charset="0"/>
+              <a:buNone/>
+              <a:defRPr sz="1600" kern="1200">
+                <a:solidFill>
+                  <a:schemeClr val="tx1">
+                    <a:tint val="75000"/>
+                  </a:schemeClr>
+                </a:solidFill>
+                <a:latin typeface="+mn-lt"/>
+                <a:ea typeface="+mn-ea"/>
+                <a:cs typeface="+mn-cs"/>
+              </a:defRPr>
+            </a:lvl7pPr>
+            <a:lvl8pPr marL="3200400" indent="0" algn="l" defTabSz="914400" rtl="0" eaLnBrk="1" latinLnBrk="0" hangingPunct="1">
+              <a:lnSpc>
+                <a:spcPct val="90000"/>
+              </a:lnSpc>
+              <a:spcBef>
+                <a:spcPts val="500"/>
+              </a:spcBef>
+              <a:buFont typeface="Arial" panose="020B0604020202020204" pitchFamily="34" charset="0"/>
+              <a:buNone/>
+              <a:defRPr sz="1600" kern="1200">
+                <a:solidFill>
+                  <a:schemeClr val="tx1">
+                    <a:tint val="75000"/>
+                  </a:schemeClr>
+                </a:solidFill>
+                <a:latin typeface="+mn-lt"/>
+                <a:ea typeface="+mn-ea"/>
+                <a:cs typeface="+mn-cs"/>
+              </a:defRPr>
+            </a:lvl8pPr>
+            <a:lvl9pPr marL="3657600" indent="0" algn="l" defTabSz="914400" rtl="0" eaLnBrk="1" latinLnBrk="0" hangingPunct="1">
+              <a:lnSpc>
+                <a:spcPct val="90000"/>
+              </a:lnSpc>
+              <a:spcBef>
+                <a:spcPts val="500"/>
+              </a:spcBef>
+              <a:buFont typeface="Arial" panose="020B0604020202020204" pitchFamily="34" charset="0"/>
+              <a:buNone/>
+              <a:defRPr sz="1600" kern="1200">
+                <a:solidFill>
+                  <a:schemeClr val="tx1">
+                    <a:tint val="75000"/>
+                  </a:schemeClr>
+                </a:solidFill>
+                <a:latin typeface="+mn-lt"/>
+                <a:ea typeface="+mn-ea"/>
+                <a:cs typeface="+mn-cs"/>
+              </a:defRPr>
+            </a:lvl9pPr>
+          </a:lstStyle>
+          <a:p>
+            <a:pPr marL="285750" indent="-285750">
+              <a:buFont typeface="Wingdings" panose="05000000000000000000" pitchFamily="2" charset="2"/>
+              <a:buChar char="q"/>
+            </a:pPr>
+            <a:r>
+              <a:rPr lang="en-US" sz="1800" dirty="0"/>
+              <a:t>Free and Opensource</a:t>
+            </a:r>
+          </a:p>
+          <a:p>
+            <a:pPr marL="285750" indent="-285750">
+              <a:buFont typeface="Wingdings" panose="05000000000000000000" pitchFamily="2" charset="2"/>
+              <a:buChar char="q"/>
+            </a:pPr>
+            <a:r>
+              <a:rPr lang="en-US" sz="1800" dirty="0"/>
+              <a:t>Highly used DB with node</a:t>
+            </a:r>
+          </a:p>
+          <a:p>
+            <a:pPr marL="285750" indent="-285750">
+              <a:buFont typeface="Wingdings" panose="05000000000000000000" pitchFamily="2" charset="2"/>
+              <a:buChar char="q"/>
+            </a:pPr>
+            <a:r>
+              <a:rPr lang="en-US" sz="1800" dirty="0"/>
+              <a:t>Was developed by Atlas</a:t>
+            </a:r>
+          </a:p>
+          <a:p>
+            <a:pPr marL="285750" indent="-285750">
+              <a:buFont typeface="Wingdings" panose="05000000000000000000" pitchFamily="2" charset="2"/>
+              <a:buChar char="q"/>
+            </a:pPr>
+            <a:r>
+              <a:rPr lang="en-US" sz="1800" dirty="0"/>
+              <a:t>Google for atlas mongo, create account, create a free shared cluster, explore on your own, get connection string, user , password</a:t>
+            </a:r>
+          </a:p>
+          <a:p>
+            <a:pPr marL="285750" indent="-285750">
+              <a:buFont typeface="Wingdings" panose="05000000000000000000" pitchFamily="2" charset="2"/>
+              <a:buChar char="q"/>
+            </a:pPr>
+            <a:r>
+              <a:rPr lang="en-US" sz="1800" dirty="0"/>
+              <a:t>Put information in </a:t>
+            </a:r>
+            <a:r>
+              <a:rPr lang="en-US" sz="1800" dirty="0" err="1"/>
+              <a:t>config.env</a:t>
+            </a:r>
+            <a:endParaRPr lang="en-US" sz="1800" dirty="0"/>
+          </a:p>
+          <a:p>
+            <a:pPr marL="285750" indent="-285750">
+              <a:buFont typeface="Wingdings" panose="05000000000000000000" pitchFamily="2" charset="2"/>
+              <a:buChar char="q"/>
+            </a:pPr>
+            <a:endParaRPr lang="en-US" sz="1800" dirty="0"/>
+          </a:p>
+        </p:txBody>
+      </p:sp>
       <p:pic>
         <p:nvPicPr>
-          <p:cNvPr id="7" name="Picture 6" descr="Graphical user interface&#10;&#10;Description automatically generated with low confidence">
-            <a:extLst>
-              <a:ext uri="{FF2B5EF4-FFF2-40B4-BE49-F238E27FC236}">
-                <a16:creationId xmlns:a16="http://schemas.microsoft.com/office/drawing/2014/main" id="{FD00C8C4-61E5-55B8-DDD8-BDB6F36E3475}"/>
+          <p:cNvPr id="5" name="Picture 4" descr="A picture containing arrow&#10;&#10;Description automatically generated">
+            <a:extLst>
+              <a:ext uri="{FF2B5EF4-FFF2-40B4-BE49-F238E27FC236}">
+                <a16:creationId xmlns:a16="http://schemas.microsoft.com/office/drawing/2014/main" id="{AC175C69-76F9-2B04-D85D-2B915365AA3F}"/>
               </a:ext>
             </a:extLst>
           </p:cNvPr>
@@ -18798,8 +18838,8 @@
         </p:blipFill>
         <p:spPr>
           <a:xfrm>
-            <a:off x="838200" y="904114"/>
-            <a:ext cx="6225209" cy="2876951"/>
+            <a:off x="686213" y="1204510"/>
+            <a:ext cx="5915851" cy="2657846"/>
           </a:xfrm>
           <a:prstGeom prst="rect">
             <a:avLst/>
@@ -18809,7 +18849,7 @@
     </p:spTree>
     <p:extLst>
       <p:ext uri="{BB962C8B-B14F-4D97-AF65-F5344CB8AC3E}">
-        <p14:creationId xmlns:p14="http://schemas.microsoft.com/office/powerpoint/2010/main" val="4173198691"/>
+        <p14:creationId xmlns:p14="http://schemas.microsoft.com/office/powerpoint/2010/main" val="4257625341"/>
       </p:ext>
     </p:extLst>
   </p:cSld>
@@ -18866,7 +18906,7 @@
           <a:p>
             <a:r>
               <a:rPr lang="en-US" sz="2400" dirty="0"/>
-              <a:t>Mongoose in action</a:t>
+              <a:t>mongoose</a:t>
             </a:r>
           </a:p>
         </p:txBody>
@@ -18889,13 +18929,13 @@
         </p:nvSpPr>
         <p:spPr>
           <a:xfrm>
-            <a:off x="838200" y="943951"/>
-            <a:ext cx="8139734" cy="3262289"/>
+            <a:off x="686213" y="4013735"/>
+            <a:ext cx="8139734" cy="1713297"/>
           </a:xfrm>
         </p:spPr>
         <p:txBody>
           <a:bodyPr>
-            <a:normAutofit/>
+            <a:normAutofit fontScale="92500" lnSpcReduction="20000"/>
           </a:bodyPr>
           <a:lstStyle/>
           <a:p>
@@ -18912,17 +18952,15 @@
             </a:pPr>
             <a:r>
               <a:rPr lang="en-US" sz="1600" dirty="0"/>
-              <a:t>Schema defines data, datatypes, validate data, default values etc.,</a:t>
-            </a:r>
-          </a:p>
-          <a:p>
-            <a:pPr marL="285750" indent="-285750">
-              <a:buFont typeface="Wingdings" panose="05000000000000000000" pitchFamily="2" charset="2"/>
-              <a:buChar char="q"/>
-            </a:pPr>
+              <a:t>npm </a:t>
+            </a:r>
+            <a:r>
+              <a:rPr lang="en-US" sz="1600" dirty="0" err="1"/>
+              <a:t>i</a:t>
+            </a:r>
             <a:r>
               <a:rPr lang="en-US" sz="1600" dirty="0"/>
-              <a:t>Models are created out of schema</a:t>
+              <a:t> mongoose</a:t>
             </a:r>
           </a:p>
           <a:p>
@@ -18951,19 +18989,16 @@
                 </a:solidFill>
                 <a:latin typeface="Abadi" panose="020B0604020104020204" pitchFamily="34" charset="0"/>
               </a:rPr>
-              <a:t>nodejs-learnings\express_demo\server_8.js   </a:t>
-            </a:r>
-            <a:r>
-              <a:rPr lang="en-US" sz="1200" dirty="0">
-                <a:solidFill>
-                  <a:schemeClr val="accent2">
-                    <a:lumMod val="75000"/>
-                  </a:schemeClr>
-                </a:solidFill>
-                <a:latin typeface="Abadi" panose="020B0604020104020204" pitchFamily="34" charset="0"/>
-              </a:rPr>
-              <a:t>(verify on atlas)</a:t>
-            </a:r>
+              <a:t>COURSE=DEV_OPS node nodejs-learnings\express_demo\server_5.js</a:t>
+            </a:r>
+            <a:endParaRPr lang="en-US" sz="1200" dirty="0">
+              <a:solidFill>
+                <a:schemeClr val="accent2">
+                  <a:lumMod val="75000"/>
+                </a:schemeClr>
+              </a:solidFill>
+              <a:latin typeface="Abadi" panose="020B0604020104020204" pitchFamily="34" charset="0"/>
+            </a:endParaRPr>
           </a:p>
           <a:p>
             <a:pPr>
@@ -18981,16 +19016,28 @@
             </a:endParaRPr>
           </a:p>
           <a:p>
-            <a:pPr>
-              <a:spcBef>
-                <a:spcPts val="0"/>
-              </a:spcBef>
+            <a:pPr marL="285750" indent="-285750">
+              <a:buFont typeface="Wingdings" panose="05000000000000000000" pitchFamily="2" charset="2"/>
+              <a:buChar char="q"/>
             </a:pPr>
-            <a:endParaRPr lang="en-US" sz="1200" dirty="0">
+            <a:r>
+              <a:rPr lang="en-US" sz="1600" dirty="0"/>
+              <a:t>Just check connection to mongo</a:t>
+            </a:r>
+          </a:p>
+          <a:p>
+            <a:r>
+              <a:rPr lang="en-US" sz="1200" dirty="0">
+                <a:solidFill>
+                  <a:srgbClr val="7030A0"/>
+                </a:solidFill>
+                <a:latin typeface="Abadi" panose="020B0604020104020204" pitchFamily="34" charset="0"/>
+              </a:rPr>
+              <a:t>Nodemon nodejs-learnings\express_demo\server_7.js</a:t>
+            </a:r>
+            <a:endParaRPr lang="en-US" dirty="0">
               <a:solidFill>
-                <a:schemeClr val="accent2">
-                  <a:lumMod val="75000"/>
-                </a:schemeClr>
+                <a:srgbClr val="7030A0"/>
               </a:solidFill>
               <a:latin typeface="Abadi" panose="020B0604020104020204" pitchFamily="34" charset="0"/>
             </a:endParaRPr>
@@ -19065,10 +19112,40 @@
           </a:p>
         </p:txBody>
       </p:sp>
+      <p:pic>
+        <p:nvPicPr>
+          <p:cNvPr id="7" name="Picture 6" descr="Graphical user interface&#10;&#10;Description automatically generated with low confidence">
+            <a:extLst>
+              <a:ext uri="{FF2B5EF4-FFF2-40B4-BE49-F238E27FC236}">
+                <a16:creationId xmlns:a16="http://schemas.microsoft.com/office/drawing/2014/main" id="{FD00C8C4-61E5-55B8-DDD8-BDB6F36E3475}"/>
+              </a:ext>
+            </a:extLst>
+          </p:cNvPr>
+          <p:cNvPicPr>
+            <a:picLocks noChangeAspect="1"/>
+          </p:cNvPicPr>
+          <p:nvPr/>
+        </p:nvPicPr>
+        <p:blipFill>
+          <a:blip r:embed="rId3"/>
+          <a:stretch>
+            <a:fillRect/>
+          </a:stretch>
+        </p:blipFill>
+        <p:spPr>
+          <a:xfrm>
+            <a:off x="838200" y="904114"/>
+            <a:ext cx="6225209" cy="2876951"/>
+          </a:xfrm>
+          <a:prstGeom prst="rect">
+            <a:avLst/>
+          </a:prstGeom>
+        </p:spPr>
+      </p:pic>
     </p:spTree>
     <p:extLst>
       <p:ext uri="{BB962C8B-B14F-4D97-AF65-F5344CB8AC3E}">
-        <p14:creationId xmlns:p14="http://schemas.microsoft.com/office/powerpoint/2010/main" val="3095827698"/>
+        <p14:creationId xmlns:p14="http://schemas.microsoft.com/office/powerpoint/2010/main" val="4173198691"/>
       </p:ext>
     </p:extLst>
   </p:cSld>
@@ -19688,7 +19765,7 @@
           <a:p>
             <a:r>
               <a:rPr lang="en-US" sz="2400" dirty="0"/>
-              <a:t>MVC</a:t>
+              <a:t>Mongoose in action</a:t>
             </a:r>
           </a:p>
         </p:txBody>
@@ -19711,8 +19788,8 @@
         </p:nvSpPr>
         <p:spPr>
           <a:xfrm>
-            <a:off x="686213" y="4013735"/>
-            <a:ext cx="8139734" cy="1713297"/>
+            <a:off x="838200" y="943951"/>
+            <a:ext cx="8139734" cy="3262289"/>
           </a:xfrm>
         </p:spPr>
         <p:txBody>
@@ -19734,7 +19811,7 @@
             </a:pPr>
             <a:r>
               <a:rPr lang="en-US" sz="1600" dirty="0"/>
-              <a:t>Model – Layer constitute of data and business logic</a:t>
+              <a:t>Schema defines data, datatypes, validate data, default values etc.,</a:t>
             </a:r>
           </a:p>
           <a:p>
@@ -19744,18 +19821,78 @@
             </a:pPr>
             <a:r>
               <a:rPr lang="en-US" sz="1600" dirty="0"/>
-              <a:t>Controller – Interact with business layer and send response back</a:t>
-            </a:r>
-          </a:p>
-          <a:p>
-            <a:pPr marL="285750" indent="-285750">
-              <a:buFont typeface="Wingdings" panose="05000000000000000000" pitchFamily="2" charset="2"/>
-              <a:buChar char="q"/>
+              <a:t>Models are created out of schema</a:t>
+            </a:r>
+          </a:p>
+          <a:p>
+            <a:pPr>
+              <a:spcBef>
+                <a:spcPts val="0"/>
+              </a:spcBef>
             </a:pPr>
-            <a:r>
-              <a:rPr lang="en-US" sz="1600" dirty="0"/>
-              <a:t>View – Display like web-pages</a:t>
-            </a:r>
+            <a:endParaRPr lang="en-US" dirty="0">
+              <a:solidFill>
+                <a:srgbClr val="7030A0"/>
+              </a:solidFill>
+              <a:latin typeface="Abadi" panose="020B0604020104020204" pitchFamily="34" charset="0"/>
+            </a:endParaRPr>
+          </a:p>
+          <a:p>
+            <a:pPr>
+              <a:spcBef>
+                <a:spcPts val="0"/>
+              </a:spcBef>
+            </a:pPr>
+            <a:r>
+              <a:rPr lang="en-US" sz="1200" dirty="0">
+                <a:solidFill>
+                  <a:srgbClr val="7030A0"/>
+                </a:solidFill>
+                <a:latin typeface="Abadi" panose="020B0604020104020204" pitchFamily="34" charset="0"/>
+              </a:rPr>
+              <a:t>nodejs-learnings\express_demo\server_8.js   </a:t>
+            </a:r>
+            <a:r>
+              <a:rPr lang="en-US" sz="1200" dirty="0">
+                <a:solidFill>
+                  <a:schemeClr val="accent2">
+                    <a:lumMod val="75000"/>
+                  </a:schemeClr>
+                </a:solidFill>
+                <a:latin typeface="Abadi" panose="020B0604020104020204" pitchFamily="34" charset="0"/>
+              </a:rPr>
+              <a:t>(verify on atlas)</a:t>
+            </a:r>
+          </a:p>
+          <a:p>
+            <a:pPr>
+              <a:spcBef>
+                <a:spcPts val="0"/>
+              </a:spcBef>
+            </a:pPr>
+            <a:endParaRPr lang="en-US" sz="1200" dirty="0">
+              <a:solidFill>
+                <a:schemeClr val="accent2">
+                  <a:lumMod val="75000"/>
+                </a:schemeClr>
+              </a:solidFill>
+              <a:latin typeface="Abadi" panose="020B0604020104020204" pitchFamily="34" charset="0"/>
+            </a:endParaRPr>
+          </a:p>
+          <a:p>
+            <a:pPr>
+              <a:spcBef>
+                <a:spcPts val="0"/>
+              </a:spcBef>
+            </a:pPr>
+            <a:endParaRPr lang="en-US" sz="1200" dirty="0">
+              <a:solidFill>
+                <a:schemeClr val="accent2">
+                  <a:lumMod val="75000"/>
+                </a:schemeClr>
+              </a:solidFill>
+              <a:latin typeface="Abadi" panose="020B0604020104020204" pitchFamily="34" charset="0"/>
+            </a:endParaRPr>
           </a:p>
         </p:txBody>
       </p:sp>
@@ -19827,40 +19964,10 @@
           </a:p>
         </p:txBody>
       </p:sp>
-      <p:pic>
-        <p:nvPicPr>
-          <p:cNvPr id="8" name="Picture 7" descr="Diagram&#10;&#10;Description automatically generated">
-            <a:extLst>
-              <a:ext uri="{FF2B5EF4-FFF2-40B4-BE49-F238E27FC236}">
-                <a16:creationId xmlns:a16="http://schemas.microsoft.com/office/drawing/2014/main" id="{1E238CC5-DB82-FC51-B8D6-AE4F07B9CD53}"/>
-              </a:ext>
-            </a:extLst>
-          </p:cNvPr>
-          <p:cNvPicPr>
-            <a:picLocks noChangeAspect="1"/>
-          </p:cNvPicPr>
-          <p:nvPr/>
-        </p:nvPicPr>
-        <p:blipFill>
-          <a:blip r:embed="rId3"/>
-          <a:stretch>
-            <a:fillRect/>
-          </a:stretch>
-        </p:blipFill>
-        <p:spPr>
-          <a:xfrm>
-            <a:off x="686213" y="859798"/>
-            <a:ext cx="7906853" cy="3153937"/>
-          </a:xfrm>
-          <a:prstGeom prst="rect">
-            <a:avLst/>
-          </a:prstGeom>
-        </p:spPr>
-      </p:pic>
     </p:spTree>
     <p:extLst>
       <p:ext uri="{BB962C8B-B14F-4D97-AF65-F5344CB8AC3E}">
-        <p14:creationId xmlns:p14="http://schemas.microsoft.com/office/powerpoint/2010/main" val="2400204203"/>
+        <p14:creationId xmlns:p14="http://schemas.microsoft.com/office/powerpoint/2010/main" val="3095827698"/>
       </p:ext>
     </p:extLst>
   </p:cSld>
@@ -19917,7 +20024,7 @@
           <a:p>
             <a:r>
               <a:rPr lang="en-US" sz="2400" dirty="0"/>
-              <a:t>Let’s organize in CRUD operations</a:t>
+              <a:t>MVC</a:t>
             </a:r>
           </a:p>
         </p:txBody>
@@ -19940,8 +20047,8 @@
         </p:nvSpPr>
         <p:spPr>
           <a:xfrm>
-            <a:off x="838200" y="943951"/>
-            <a:ext cx="8139734" cy="3262289"/>
+            <a:off x="686213" y="4013735"/>
+            <a:ext cx="8139734" cy="1713297"/>
           </a:xfrm>
         </p:spPr>
         <p:txBody>
@@ -19963,29 +20070,7 @@
             </a:pPr>
             <a:r>
               <a:rPr lang="en-US" sz="1600" dirty="0"/>
-              <a:t>Let’s create model first and use it in controller</a:t>
-            </a:r>
-          </a:p>
-          <a:p>
-            <a:r>
-              <a:rPr lang="en-US" sz="1200" dirty="0">
-                <a:solidFill>
-                  <a:srgbClr val="7030A0"/>
-                </a:solidFill>
-                <a:latin typeface="Abadi" panose="020B0604020104020204" pitchFamily="34" charset="0"/>
-              </a:rPr>
-              <a:t>nodejs-learnings\express_demo\server_9.js   </a:t>
-            </a:r>
-            <a:r>
-              <a:rPr lang="en-US" sz="1200" dirty="0">
-                <a:solidFill>
-                  <a:schemeClr val="accent2">
-                    <a:lumMod val="75000"/>
-                  </a:schemeClr>
-                </a:solidFill>
-                <a:latin typeface="Abadi" panose="020B0604020104020204" pitchFamily="34" charset="0"/>
-              </a:rPr>
-              <a:t>(POST app_2/api/v1/fruits and check Atlas, GET app_2/api/v1/fruits)</a:t>
+              <a:t>Model – Layer constitute of data and business logic</a:t>
             </a:r>
           </a:p>
           <a:p>
@@ -19995,51 +20080,18 @@
             </a:pPr>
             <a:r>
               <a:rPr lang="en-US" sz="1600" dirty="0"/>
-              <a:t>Verify and try other methods like patch , delete</a:t>
-            </a:r>
-          </a:p>
-          <a:p>
-            <a:pPr>
-              <a:spcBef>
-                <a:spcPts val="0"/>
-              </a:spcBef>
+              <a:t>Controller – Interact with business layer and send response back</a:t>
+            </a:r>
+          </a:p>
+          <a:p>
+            <a:pPr marL="285750" indent="-285750">
+              <a:buFont typeface="Wingdings" panose="05000000000000000000" pitchFamily="2" charset="2"/>
+              <a:buChar char="q"/>
             </a:pPr>
-            <a:endParaRPr lang="en-US" dirty="0">
-              <a:solidFill>
-                <a:srgbClr val="7030A0"/>
-              </a:solidFill>
-              <a:latin typeface="Abadi" panose="020B0604020104020204" pitchFamily="34" charset="0"/>
-            </a:endParaRPr>
-          </a:p>
-          <a:p>
-            <a:pPr>
-              <a:spcBef>
-                <a:spcPts val="0"/>
-              </a:spcBef>
-            </a:pPr>
-            <a:endParaRPr lang="en-US" sz="1200" dirty="0">
-              <a:solidFill>
-                <a:schemeClr val="accent2">
-                  <a:lumMod val="75000"/>
-                </a:schemeClr>
-              </a:solidFill>
-              <a:latin typeface="Abadi" panose="020B0604020104020204" pitchFamily="34" charset="0"/>
-            </a:endParaRPr>
-          </a:p>
-          <a:p>
-            <a:pPr>
-              <a:spcBef>
-                <a:spcPts val="0"/>
-              </a:spcBef>
-            </a:pPr>
-            <a:endParaRPr lang="en-US" sz="1200" dirty="0">
-              <a:solidFill>
-                <a:schemeClr val="accent2">
-                  <a:lumMod val="75000"/>
-                </a:schemeClr>
-              </a:solidFill>
-              <a:latin typeface="Abadi" panose="020B0604020104020204" pitchFamily="34" charset="0"/>
-            </a:endParaRPr>
+            <a:r>
+              <a:rPr lang="en-US" sz="1600" dirty="0"/>
+              <a:t>View – Display like web-pages</a:t>
+            </a:r>
           </a:p>
         </p:txBody>
       </p:sp>
@@ -20111,10 +20163,40 @@
           </a:p>
         </p:txBody>
       </p:sp>
+      <p:pic>
+        <p:nvPicPr>
+          <p:cNvPr id="8" name="Picture 7" descr="Diagram&#10;&#10;Description automatically generated">
+            <a:extLst>
+              <a:ext uri="{FF2B5EF4-FFF2-40B4-BE49-F238E27FC236}">
+                <a16:creationId xmlns:a16="http://schemas.microsoft.com/office/drawing/2014/main" id="{1E238CC5-DB82-FC51-B8D6-AE4F07B9CD53}"/>
+              </a:ext>
+            </a:extLst>
+          </p:cNvPr>
+          <p:cNvPicPr>
+            <a:picLocks noChangeAspect="1"/>
+          </p:cNvPicPr>
+          <p:nvPr/>
+        </p:nvPicPr>
+        <p:blipFill>
+          <a:blip r:embed="rId3"/>
+          <a:stretch>
+            <a:fillRect/>
+          </a:stretch>
+        </p:blipFill>
+        <p:spPr>
+          <a:xfrm>
+            <a:off x="686213" y="859798"/>
+            <a:ext cx="7906853" cy="3153937"/>
+          </a:xfrm>
+          <a:prstGeom prst="rect">
+            <a:avLst/>
+          </a:prstGeom>
+        </p:spPr>
+      </p:pic>
     </p:spTree>
     <p:extLst>
       <p:ext uri="{BB962C8B-B14F-4D97-AF65-F5344CB8AC3E}">
-        <p14:creationId xmlns:p14="http://schemas.microsoft.com/office/powerpoint/2010/main" val="1297124205"/>
+        <p14:creationId xmlns:p14="http://schemas.microsoft.com/office/powerpoint/2010/main" val="2400204203"/>
       </p:ext>
     </p:extLst>
   </p:cSld>
@@ -20171,7 +20253,7 @@
           <a:p>
             <a:r>
               <a:rPr lang="en-US" sz="2400" dirty="0"/>
-              <a:t>Bulk import</a:t>
+              <a:t>Let’s organize in CRUD operations</a:t>
             </a:r>
           </a:p>
         </p:txBody>
@@ -20217,7 +20299,7 @@
             </a:pPr>
             <a:r>
               <a:rPr lang="en-US" sz="1600" dirty="0"/>
-              <a:t>Might require for initial data creation</a:t>
+              <a:t>Let’s create model first and use it in controller</a:t>
             </a:r>
           </a:p>
           <a:p>
@@ -20228,76 +20310,29 @@
                 </a:solidFill>
                 <a:latin typeface="Abadi" panose="020B0604020104020204" pitchFamily="34" charset="0"/>
               </a:rPr>
-              <a:t>nodejs-learnings\express_demo\</a:t>
-            </a:r>
-            <a:r>
-              <a:rPr lang="en-US" sz="1200" dirty="0" err="1">
-                <a:solidFill>
-                  <a:srgbClr val="7030A0"/>
+              <a:t>nodejs-learnings\express_demo\server_9.js   </a:t>
+            </a:r>
+            <a:r>
+              <a:rPr lang="en-US" sz="1200" dirty="0">
+                <a:solidFill>
+                  <a:schemeClr val="accent2">
+                    <a:lumMod val="75000"/>
+                  </a:schemeClr>
                 </a:solidFill>
                 <a:latin typeface="Abadi" panose="020B0604020104020204" pitchFamily="34" charset="0"/>
               </a:rPr>
-              <a:t>import_data</a:t>
-            </a:r>
-            <a:r>
-              <a:rPr lang="en-US" sz="1200" dirty="0">
-                <a:solidFill>
-                  <a:srgbClr val="7030A0"/>
-                </a:solidFill>
-                <a:latin typeface="Abadi" panose="020B0604020104020204" pitchFamily="34" charset="0"/>
-              </a:rPr>
-              <a:t>\import_data_data.js --import</a:t>
-            </a:r>
-            <a:endParaRPr lang="en-US" sz="1200" dirty="0">
-              <a:solidFill>
-                <a:schemeClr val="accent2">
-                  <a:lumMod val="75000"/>
-                </a:schemeClr>
-              </a:solidFill>
-              <a:latin typeface="Abadi" panose="020B0604020104020204" pitchFamily="34" charset="0"/>
-            </a:endParaRPr>
-          </a:p>
-          <a:p>
-            <a:pPr>
-              <a:spcBef>
-                <a:spcPts val="0"/>
-              </a:spcBef>
+              <a:t>(POST app_2/api/v1/fruits and check Atlas, GET app_2/api/v1/fruits)</a:t>
+            </a:r>
+          </a:p>
+          <a:p>
+            <a:pPr marL="285750" indent="-285750">
+              <a:buFont typeface="Wingdings" panose="05000000000000000000" pitchFamily="2" charset="2"/>
+              <a:buChar char="q"/>
             </a:pPr>
             <a:r>
-              <a:rPr lang="en-US" sz="1200" dirty="0">
-                <a:solidFill>
-                  <a:srgbClr val="7030A0"/>
-                </a:solidFill>
-                <a:latin typeface="Abadi" panose="020B0604020104020204" pitchFamily="34" charset="0"/>
-              </a:rPr>
-              <a:t>nodejs-learnings\express_demo\</a:t>
-            </a:r>
-            <a:r>
-              <a:rPr lang="en-US" sz="1200" dirty="0" err="1">
-                <a:solidFill>
-                  <a:srgbClr val="7030A0"/>
-                </a:solidFill>
-                <a:latin typeface="Abadi" panose="020B0604020104020204" pitchFamily="34" charset="0"/>
-              </a:rPr>
-              <a:t>import_data</a:t>
-            </a:r>
-            <a:r>
-              <a:rPr lang="en-US" sz="1200" dirty="0">
-                <a:solidFill>
-                  <a:srgbClr val="7030A0"/>
-                </a:solidFill>
-                <a:latin typeface="Abadi" panose="020B0604020104020204" pitchFamily="34" charset="0"/>
-              </a:rPr>
-              <a:t>\import_data_data.js --delete</a:t>
-            </a:r>
-            <a:endParaRPr lang="en-US" sz="1200" dirty="0">
-              <a:solidFill>
-                <a:schemeClr val="accent2">
-                  <a:lumMod val="75000"/>
-                </a:schemeClr>
-              </a:solidFill>
-              <a:latin typeface="Abadi" panose="020B0604020104020204" pitchFamily="34" charset="0"/>
-            </a:endParaRPr>
+              <a:rPr lang="en-US" sz="1600" dirty="0"/>
+              <a:t>Verify and try other methods like patch , delete</a:t>
+            </a:r>
           </a:p>
           <a:p>
             <a:pPr>
@@ -20415,7 +20450,7 @@
     </p:spTree>
     <p:extLst>
       <p:ext uri="{BB962C8B-B14F-4D97-AF65-F5344CB8AC3E}">
-        <p14:creationId xmlns:p14="http://schemas.microsoft.com/office/powerpoint/2010/main" val="4178380583"/>
+        <p14:creationId xmlns:p14="http://schemas.microsoft.com/office/powerpoint/2010/main" val="1297124205"/>
       </p:ext>
     </p:extLst>
   </p:cSld>
@@ -20447,7 +20482,7 @@
           <p:cNvPr id="2" name="Title 1">
             <a:extLst>
               <a:ext uri="{FF2B5EF4-FFF2-40B4-BE49-F238E27FC236}">
-                <a16:creationId xmlns:a16="http://schemas.microsoft.com/office/drawing/2014/main" id="{09140014-73D5-419B-8867-972BB18D52D4}"/>
+                <a16:creationId xmlns:a16="http://schemas.microsoft.com/office/drawing/2014/main" id="{0A32731C-311B-46F7-A865-6C3AF6B09A47}"/>
               </a:ext>
             </a:extLst>
           </p:cNvPr>
@@ -20460,41 +20495,8 @@
         </p:nvSpPr>
         <p:spPr>
           <a:xfrm>
-            <a:off x="2933700" y="892177"/>
-            <a:ext cx="8421688" cy="1325563"/>
-          </a:xfrm>
-        </p:spPr>
-        <p:txBody>
-          <a:bodyPr/>
-          <a:lstStyle/>
-          <a:p>
-            <a:r>
-              <a:rPr lang="en-US" dirty="0"/>
-              <a:t>Further learning</a:t>
-            </a:r>
-          </a:p>
-        </p:txBody>
-      </p:sp>
-      <p:sp>
-        <p:nvSpPr>
-          <p:cNvPr id="4" name="Content Placeholder 3">
-            <a:extLst>
-              <a:ext uri="{FF2B5EF4-FFF2-40B4-BE49-F238E27FC236}">
-                <a16:creationId xmlns:a16="http://schemas.microsoft.com/office/drawing/2014/main" id="{33D8731E-4977-402E-8BFD-895B4D0544CC}"/>
-              </a:ext>
-            </a:extLst>
-          </p:cNvPr>
-          <p:cNvSpPr>
-            <a:spLocks noGrp="1"/>
-          </p:cNvSpPr>
-          <p:nvPr>
-            <p:ph sz="half" idx="2"/>
-          </p:nvPr>
-        </p:nvSpPr>
-        <p:spPr>
-          <a:xfrm>
-            <a:off x="2933699" y="2289177"/>
-            <a:ext cx="8789871" cy="1997867"/>
+            <a:off x="686213" y="153780"/>
+            <a:ext cx="6377196" cy="517664"/>
           </a:xfrm>
         </p:spPr>
         <p:txBody>
@@ -20504,36 +20506,186 @@
           <a:lstStyle/>
           <a:p>
             <a:r>
-              <a:rPr lang="en-US" dirty="0"/>
-              <a:t>Filtering – how to filter data when say price is greater than or less than</a:t>
-            </a:r>
-          </a:p>
-          <a:p>
-            <a:r>
-              <a:rPr lang="en-US" dirty="0"/>
-              <a:t>Atlas mongo features</a:t>
-            </a:r>
-          </a:p>
-          <a:p>
-            <a:r>
-              <a:rPr lang="en-US" dirty="0"/>
-              <a:t>Views with java script</a:t>
-            </a:r>
-          </a:p>
-          <a:p>
-            <a:r>
-              <a:rPr lang="en-US" dirty="0"/>
-              <a:t>Tool for mongo db, like Mongo Compass</a:t>
-            </a:r>
-          </a:p>
-        </p:txBody>
-      </p:sp>
-      <p:sp>
-        <p:nvSpPr>
-          <p:cNvPr id="7" name="Date Placeholder 6">
-            <a:extLst>
-              <a:ext uri="{FF2B5EF4-FFF2-40B4-BE49-F238E27FC236}">
-                <a16:creationId xmlns:a16="http://schemas.microsoft.com/office/drawing/2014/main" id="{B2A46C4A-D036-4440-BB64-6754F4FF27C1}"/>
+              <a:rPr lang="en-US" sz="2400" dirty="0"/>
+              <a:t>Bulk import</a:t>
+            </a:r>
+          </a:p>
+        </p:txBody>
+      </p:sp>
+      <p:sp>
+        <p:nvSpPr>
+          <p:cNvPr id="3" name="Text Placeholder 2">
+            <a:extLst>
+              <a:ext uri="{FF2B5EF4-FFF2-40B4-BE49-F238E27FC236}">
+                <a16:creationId xmlns:a16="http://schemas.microsoft.com/office/drawing/2014/main" id="{9D5232F9-FD00-464A-9F17-619C91AEF8F3}"/>
+              </a:ext>
+            </a:extLst>
+          </p:cNvPr>
+          <p:cNvSpPr>
+            <a:spLocks noGrp="1"/>
+          </p:cNvSpPr>
+          <p:nvPr>
+            <p:ph type="body" idx="1"/>
+          </p:nvPr>
+        </p:nvSpPr>
+        <p:spPr>
+          <a:xfrm>
+            <a:off x="838200" y="943951"/>
+            <a:ext cx="8139734" cy="3262289"/>
+          </a:xfrm>
+        </p:spPr>
+        <p:txBody>
+          <a:bodyPr>
+            <a:normAutofit/>
+          </a:bodyPr>
+          <a:lstStyle/>
+          <a:p>
+            <a:pPr marL="285750" indent="-285750">
+              <a:buFont typeface="Wingdings" panose="05000000000000000000" pitchFamily="2" charset="2"/>
+              <a:buChar char="q"/>
+            </a:pPr>
+            <a:endParaRPr lang="en-US" sz="1600" dirty="0"/>
+          </a:p>
+          <a:p>
+            <a:pPr marL="285750" indent="-285750">
+              <a:buFont typeface="Wingdings" panose="05000000000000000000" pitchFamily="2" charset="2"/>
+              <a:buChar char="q"/>
+            </a:pPr>
+            <a:r>
+              <a:rPr lang="en-US" sz="1600" dirty="0"/>
+              <a:t>Might require for initial data creation</a:t>
+            </a:r>
+          </a:p>
+          <a:p>
+            <a:r>
+              <a:rPr lang="en-US" sz="1200" dirty="0">
+                <a:solidFill>
+                  <a:srgbClr val="7030A0"/>
+                </a:solidFill>
+                <a:latin typeface="Abadi" panose="020B0604020104020204" pitchFamily="34" charset="0"/>
+              </a:rPr>
+              <a:t>nodejs-learnings\express_demo\</a:t>
+            </a:r>
+            <a:r>
+              <a:rPr lang="en-US" sz="1200" dirty="0" err="1">
+                <a:solidFill>
+                  <a:srgbClr val="7030A0"/>
+                </a:solidFill>
+                <a:latin typeface="Abadi" panose="020B0604020104020204" pitchFamily="34" charset="0"/>
+              </a:rPr>
+              <a:t>import_data</a:t>
+            </a:r>
+            <a:r>
+              <a:rPr lang="en-US" sz="1200" dirty="0">
+                <a:solidFill>
+                  <a:srgbClr val="7030A0"/>
+                </a:solidFill>
+                <a:latin typeface="Abadi" panose="020B0604020104020204" pitchFamily="34" charset="0"/>
+              </a:rPr>
+              <a:t>\import_data_data.js --import</a:t>
+            </a:r>
+            <a:endParaRPr lang="en-US" sz="1200" dirty="0">
+              <a:solidFill>
+                <a:schemeClr val="accent2">
+                  <a:lumMod val="75000"/>
+                </a:schemeClr>
+              </a:solidFill>
+              <a:latin typeface="Abadi" panose="020B0604020104020204" pitchFamily="34" charset="0"/>
+            </a:endParaRPr>
+          </a:p>
+          <a:p>
+            <a:pPr>
+              <a:spcBef>
+                <a:spcPts val="0"/>
+              </a:spcBef>
+            </a:pPr>
+            <a:r>
+              <a:rPr lang="en-US" sz="1200" dirty="0">
+                <a:solidFill>
+                  <a:srgbClr val="7030A0"/>
+                </a:solidFill>
+                <a:latin typeface="Abadi" panose="020B0604020104020204" pitchFamily="34" charset="0"/>
+              </a:rPr>
+              <a:t>nodejs-learnings\express_demo\</a:t>
+            </a:r>
+            <a:r>
+              <a:rPr lang="en-US" sz="1200" dirty="0" err="1">
+                <a:solidFill>
+                  <a:srgbClr val="7030A0"/>
+                </a:solidFill>
+                <a:latin typeface="Abadi" panose="020B0604020104020204" pitchFamily="34" charset="0"/>
+              </a:rPr>
+              <a:t>import_data</a:t>
+            </a:r>
+            <a:r>
+              <a:rPr lang="en-US" sz="1200" dirty="0">
+                <a:solidFill>
+                  <a:srgbClr val="7030A0"/>
+                </a:solidFill>
+                <a:latin typeface="Abadi" panose="020B0604020104020204" pitchFamily="34" charset="0"/>
+              </a:rPr>
+              <a:t>\import_data_data.js --delete</a:t>
+            </a:r>
+            <a:endParaRPr lang="en-US" sz="1200" dirty="0">
+              <a:solidFill>
+                <a:schemeClr val="accent2">
+                  <a:lumMod val="75000"/>
+                </a:schemeClr>
+              </a:solidFill>
+              <a:latin typeface="Abadi" panose="020B0604020104020204" pitchFamily="34" charset="0"/>
+            </a:endParaRPr>
+          </a:p>
+          <a:p>
+            <a:pPr>
+              <a:spcBef>
+                <a:spcPts val="0"/>
+              </a:spcBef>
+            </a:pPr>
+            <a:endParaRPr lang="en-US" dirty="0">
+              <a:solidFill>
+                <a:srgbClr val="7030A0"/>
+              </a:solidFill>
+              <a:latin typeface="Abadi" panose="020B0604020104020204" pitchFamily="34" charset="0"/>
+            </a:endParaRPr>
+          </a:p>
+          <a:p>
+            <a:pPr>
+              <a:spcBef>
+                <a:spcPts val="0"/>
+              </a:spcBef>
+            </a:pPr>
+            <a:endParaRPr lang="en-US" sz="1200" dirty="0">
+              <a:solidFill>
+                <a:schemeClr val="accent2">
+                  <a:lumMod val="75000"/>
+                </a:schemeClr>
+              </a:solidFill>
+              <a:latin typeface="Abadi" panose="020B0604020104020204" pitchFamily="34" charset="0"/>
+            </a:endParaRPr>
+          </a:p>
+          <a:p>
+            <a:pPr>
+              <a:spcBef>
+                <a:spcPts val="0"/>
+              </a:spcBef>
+            </a:pPr>
+            <a:endParaRPr lang="en-US" sz="1200" dirty="0">
+              <a:solidFill>
+                <a:schemeClr val="accent2">
+                  <a:lumMod val="75000"/>
+                </a:schemeClr>
+              </a:solidFill>
+              <a:latin typeface="Abadi" panose="020B0604020104020204" pitchFamily="34" charset="0"/>
+            </a:endParaRPr>
+          </a:p>
+        </p:txBody>
+      </p:sp>
+      <p:sp>
+        <p:nvSpPr>
+          <p:cNvPr id="4" name="Date Placeholder 3">
+            <a:extLst>
+              <a:ext uri="{FF2B5EF4-FFF2-40B4-BE49-F238E27FC236}">
+                <a16:creationId xmlns:a16="http://schemas.microsoft.com/office/drawing/2014/main" id="{70E12647-CCB2-45E2-A9CB-A868F490497E}"/>
               </a:ext>
             </a:extLst>
           </p:cNvPr>
@@ -20547,7 +20699,7 @@
         <p:spPr>
           <a:xfrm>
             <a:off x="838200" y="6356350"/>
-            <a:ext cx="2743200" cy="365125"/>
+            <a:ext cx="1219200" cy="365125"/>
           </a:xfrm>
         </p:spPr>
         <p:txBody>
@@ -20556,50 +20708,17 @@
           <a:p>
             <a:r>
               <a:rPr lang="en-US" dirty="0"/>
-              <a:t>20XX</a:t>
-            </a:r>
-          </a:p>
-        </p:txBody>
-      </p:sp>
-      <p:sp>
-        <p:nvSpPr>
-          <p:cNvPr id="8" name="Footer Placeholder 7">
-            <a:extLst>
-              <a:ext uri="{FF2B5EF4-FFF2-40B4-BE49-F238E27FC236}">
-                <a16:creationId xmlns:a16="http://schemas.microsoft.com/office/drawing/2014/main" id="{905F172A-5D5D-43CD-A187-DA0D303F4144}"/>
-              </a:ext>
-            </a:extLst>
-          </p:cNvPr>
-          <p:cNvSpPr>
-            <a:spLocks noGrp="1"/>
-          </p:cNvSpPr>
-          <p:nvPr>
-            <p:ph type="ftr" sz="quarter" idx="11"/>
-          </p:nvPr>
-        </p:nvSpPr>
-        <p:spPr>
-          <a:xfrm>
-            <a:off x="4038600" y="6356350"/>
-            <a:ext cx="4114800" cy="365125"/>
-          </a:xfrm>
-        </p:spPr>
-        <p:txBody>
-          <a:bodyPr/>
-          <a:lstStyle/>
-          <a:p>
-            <a:r>
-              <a:rPr lang="en-US" dirty="0"/>
-              <a:t>PRESENTATION TITLE</a:t>
-            </a:r>
-          </a:p>
-        </p:txBody>
-      </p:sp>
-      <p:sp>
-        <p:nvSpPr>
-          <p:cNvPr id="9" name="Slide Number Placeholder 8">
-            <a:extLst>
-              <a:ext uri="{FF2B5EF4-FFF2-40B4-BE49-F238E27FC236}">
-                <a16:creationId xmlns:a16="http://schemas.microsoft.com/office/drawing/2014/main" id="{C396FFDC-ADE8-4009-A466-A81787258E88}"/>
+              <a:t>2023</a:t>
+            </a:r>
+          </a:p>
+        </p:txBody>
+      </p:sp>
+      <p:sp>
+        <p:nvSpPr>
+          <p:cNvPr id="6" name="Slide Number Placeholder 5">
+            <a:extLst>
+              <a:ext uri="{FF2B5EF4-FFF2-40B4-BE49-F238E27FC236}">
+                <a16:creationId xmlns:a16="http://schemas.microsoft.com/office/drawing/2014/main" id="{7BC1787E-7110-4989-B0B8-DD4E0ACC09DF}"/>
               </a:ext>
             </a:extLst>
           </p:cNvPr>
@@ -20632,7 +20751,7 @@
     </p:spTree>
     <p:extLst>
       <p:ext uri="{BB962C8B-B14F-4D97-AF65-F5344CB8AC3E}">
-        <p14:creationId xmlns:p14="http://schemas.microsoft.com/office/powerpoint/2010/main" val="1663780162"/>
+        <p14:creationId xmlns:p14="http://schemas.microsoft.com/office/powerpoint/2010/main" val="4178380583"/>
       </p:ext>
     </p:extLst>
   </p:cSld>
@@ -20664,7 +20783,7 @@
           <p:cNvPr id="2" name="Title 1">
             <a:extLst>
               <a:ext uri="{FF2B5EF4-FFF2-40B4-BE49-F238E27FC236}">
-                <a16:creationId xmlns:a16="http://schemas.microsoft.com/office/drawing/2014/main" id="{4518FC28-E0BD-4387-B8BE-9965D1A57FF1}"/>
+                <a16:creationId xmlns:a16="http://schemas.microsoft.com/office/drawing/2014/main" id="{09140014-73D5-419B-8867-972BB18D52D4}"/>
               </a:ext>
             </a:extLst>
           </p:cNvPr>
@@ -20677,8 +20796,8 @@
         </p:nvSpPr>
         <p:spPr>
           <a:xfrm>
-            <a:off x="5476875" y="1671638"/>
-            <a:ext cx="5111750" cy="1204912"/>
+            <a:off x="2933700" y="892177"/>
+            <a:ext cx="8421688" cy="1325563"/>
           </a:xfrm>
         </p:spPr>
         <p:txBody>
@@ -20687,31 +20806,31 @@
           <a:p>
             <a:r>
               <a:rPr lang="en-US" dirty="0"/>
-              <a:t>SUMMARY</a:t>
-            </a:r>
-          </a:p>
-        </p:txBody>
-      </p:sp>
-      <p:sp>
-        <p:nvSpPr>
-          <p:cNvPr id="3" name="Text Placeholder 2">
-            <a:extLst>
-              <a:ext uri="{FF2B5EF4-FFF2-40B4-BE49-F238E27FC236}">
-                <a16:creationId xmlns:a16="http://schemas.microsoft.com/office/drawing/2014/main" id="{FED19BCA-B61F-4EA6-A1FB-CCA3BD8506FB}"/>
-              </a:ext>
-            </a:extLst>
-          </p:cNvPr>
-          <p:cNvSpPr>
-            <a:spLocks noGrp="1"/>
-          </p:cNvSpPr>
-          <p:nvPr>
-            <p:ph type="body" idx="1"/>
-          </p:nvPr>
-        </p:nvSpPr>
-        <p:spPr>
-          <a:xfrm>
-            <a:off x="5476875" y="3429000"/>
-            <a:ext cx="5111750" cy="2105526"/>
+              <a:t>Further learning</a:t>
+            </a:r>
+          </a:p>
+        </p:txBody>
+      </p:sp>
+      <p:sp>
+        <p:nvSpPr>
+          <p:cNvPr id="4" name="Content Placeholder 3">
+            <a:extLst>
+              <a:ext uri="{FF2B5EF4-FFF2-40B4-BE49-F238E27FC236}">
+                <a16:creationId xmlns:a16="http://schemas.microsoft.com/office/drawing/2014/main" id="{33D8731E-4977-402E-8BFD-895B4D0544CC}"/>
+              </a:ext>
+            </a:extLst>
+          </p:cNvPr>
+          <p:cNvSpPr>
+            <a:spLocks noGrp="1"/>
+          </p:cNvSpPr>
+          <p:nvPr>
+            <p:ph sz="half" idx="2"/>
+          </p:nvPr>
+        </p:nvSpPr>
+        <p:spPr>
+          <a:xfrm>
+            <a:off x="2933699" y="2289177"/>
+            <a:ext cx="8789871" cy="1997867"/>
           </a:xfrm>
         </p:spPr>
         <p:txBody>
@@ -20722,29 +20841,35 @@
           <a:p>
             <a:r>
               <a:rPr lang="en-US" dirty="0"/>
-              <a:t>We learnt few features of node js, which enables us to design a MVC application where middleware interacts with backend. </a:t>
+              <a:t>Filtering – how to filter data when say price is greater than or less than</a:t>
             </a:r>
           </a:p>
           <a:p>
             <a:r>
               <a:rPr lang="en-US" dirty="0"/>
-              <a:t>We user atlas mongo db as our database, which is primarily used for node js</a:t>
+              <a:t>Atlas mongo features</a:t>
             </a:r>
           </a:p>
           <a:p>
             <a:r>
               <a:rPr lang="en-US" dirty="0"/>
-              <a:t>Always prefer node js for faster applications and not for CPU intensive applications</a:t>
-            </a:r>
-          </a:p>
-        </p:txBody>
-      </p:sp>
-      <p:sp>
-        <p:nvSpPr>
-          <p:cNvPr id="4" name="Date Placeholder 3">
-            <a:extLst>
-              <a:ext uri="{FF2B5EF4-FFF2-40B4-BE49-F238E27FC236}">
-                <a16:creationId xmlns:a16="http://schemas.microsoft.com/office/drawing/2014/main" id="{00560550-EE65-43CE-B899-F421E74287A1}"/>
+              <a:t>Views with java script</a:t>
+            </a:r>
+          </a:p>
+          <a:p>
+            <a:r>
+              <a:rPr lang="en-US" dirty="0"/>
+              <a:t>Tool for mongo db, like Mongo Compass</a:t>
+            </a:r>
+          </a:p>
+        </p:txBody>
+      </p:sp>
+      <p:sp>
+        <p:nvSpPr>
+          <p:cNvPr id="7" name="Date Placeholder 6">
+            <a:extLst>
+              <a:ext uri="{FF2B5EF4-FFF2-40B4-BE49-F238E27FC236}">
+                <a16:creationId xmlns:a16="http://schemas.microsoft.com/office/drawing/2014/main" id="{B2A46C4A-D036-4440-BB64-6754F4FF27C1}"/>
               </a:ext>
             </a:extLst>
           </p:cNvPr>
@@ -20774,10 +20899,10 @@
       </p:sp>
       <p:sp>
         <p:nvSpPr>
-          <p:cNvPr id="5" name="Footer Placeholder 4">
-            <a:extLst>
-              <a:ext uri="{FF2B5EF4-FFF2-40B4-BE49-F238E27FC236}">
-                <a16:creationId xmlns:a16="http://schemas.microsoft.com/office/drawing/2014/main" id="{4135E32A-1A8C-43D2-9C6E-12887B4DEDFB}"/>
+          <p:cNvPr id="8" name="Footer Placeholder 7">
+            <a:extLst>
+              <a:ext uri="{FF2B5EF4-FFF2-40B4-BE49-F238E27FC236}">
+                <a16:creationId xmlns:a16="http://schemas.microsoft.com/office/drawing/2014/main" id="{905F172A-5D5D-43CD-A187-DA0D303F4144}"/>
               </a:ext>
             </a:extLst>
           </p:cNvPr>
@@ -20807,10 +20932,10 @@
       </p:sp>
       <p:sp>
         <p:nvSpPr>
-          <p:cNvPr id="6" name="Slide Number Placeholder 5">
-            <a:extLst>
-              <a:ext uri="{FF2B5EF4-FFF2-40B4-BE49-F238E27FC236}">
-                <a16:creationId xmlns:a16="http://schemas.microsoft.com/office/drawing/2014/main" id="{7C4B8313-9270-4128-8674-3A3E42B806BC}"/>
+          <p:cNvPr id="9" name="Slide Number Placeholder 8">
+            <a:extLst>
+              <a:ext uri="{FF2B5EF4-FFF2-40B4-BE49-F238E27FC236}">
+                <a16:creationId xmlns:a16="http://schemas.microsoft.com/office/drawing/2014/main" id="{C396FFDC-ADE8-4009-A466-A81787258E88}"/>
               </a:ext>
             </a:extLst>
           </p:cNvPr>
@@ -20835,6 +20960,217 @@
               <a:rPr lang="en-US" smtClean="0"/>
               <a:pPr/>
               <a:t>34</a:t>
+            </a:fld>
+            <a:endParaRPr lang="en-US" dirty="0"/>
+          </a:p>
+        </p:txBody>
+      </p:sp>
+    </p:spTree>
+    <p:extLst>
+      <p:ext uri="{BB962C8B-B14F-4D97-AF65-F5344CB8AC3E}">
+        <p14:creationId xmlns:p14="http://schemas.microsoft.com/office/powerpoint/2010/main" val="1663780162"/>
+      </p:ext>
+    </p:extLst>
+  </p:cSld>
+  <p:clrMapOvr>
+    <a:masterClrMapping/>
+  </p:clrMapOvr>
+</p:sld>
+</file>
+
+<file path=ppt/slides/slide35.xml><?xml version="1.0" encoding="utf-8"?>
+<p:sld xmlns:a="http://schemas.openxmlformats.org/drawingml/2006/main" xmlns:r="http://schemas.openxmlformats.org/officeDocument/2006/relationships" xmlns:p="http://schemas.openxmlformats.org/presentationml/2006/main">
+  <p:cSld>
+    <p:spTree>
+      <p:nvGrpSpPr>
+        <p:cNvPr id="1" name=""/>
+        <p:cNvGrpSpPr/>
+        <p:nvPr/>
+      </p:nvGrpSpPr>
+      <p:grpSpPr>
+        <a:xfrm>
+          <a:off x="0" y="0"/>
+          <a:ext cx="0" cy="0"/>
+          <a:chOff x="0" y="0"/>
+          <a:chExt cx="0" cy="0"/>
+        </a:xfrm>
+      </p:grpSpPr>
+      <p:sp>
+        <p:nvSpPr>
+          <p:cNvPr id="2" name="Title 1">
+            <a:extLst>
+              <a:ext uri="{FF2B5EF4-FFF2-40B4-BE49-F238E27FC236}">
+                <a16:creationId xmlns:a16="http://schemas.microsoft.com/office/drawing/2014/main" id="{4518FC28-E0BD-4387-B8BE-9965D1A57FF1}"/>
+              </a:ext>
+            </a:extLst>
+          </p:cNvPr>
+          <p:cNvSpPr>
+            <a:spLocks noGrp="1"/>
+          </p:cNvSpPr>
+          <p:nvPr>
+            <p:ph type="title"/>
+          </p:nvPr>
+        </p:nvSpPr>
+        <p:spPr>
+          <a:xfrm>
+            <a:off x="5476875" y="1671638"/>
+            <a:ext cx="5111750" cy="1204912"/>
+          </a:xfrm>
+        </p:spPr>
+        <p:txBody>
+          <a:bodyPr/>
+          <a:lstStyle/>
+          <a:p>
+            <a:r>
+              <a:rPr lang="en-US" dirty="0"/>
+              <a:t>SUMMARY</a:t>
+            </a:r>
+          </a:p>
+        </p:txBody>
+      </p:sp>
+      <p:sp>
+        <p:nvSpPr>
+          <p:cNvPr id="3" name="Text Placeholder 2">
+            <a:extLst>
+              <a:ext uri="{FF2B5EF4-FFF2-40B4-BE49-F238E27FC236}">
+                <a16:creationId xmlns:a16="http://schemas.microsoft.com/office/drawing/2014/main" id="{FED19BCA-B61F-4EA6-A1FB-CCA3BD8506FB}"/>
+              </a:ext>
+            </a:extLst>
+          </p:cNvPr>
+          <p:cNvSpPr>
+            <a:spLocks noGrp="1"/>
+          </p:cNvSpPr>
+          <p:nvPr>
+            <p:ph type="body" idx="1"/>
+          </p:nvPr>
+        </p:nvSpPr>
+        <p:spPr>
+          <a:xfrm>
+            <a:off x="5476875" y="3429000"/>
+            <a:ext cx="5111750" cy="2105526"/>
+          </a:xfrm>
+        </p:spPr>
+        <p:txBody>
+          <a:bodyPr>
+            <a:normAutofit/>
+          </a:bodyPr>
+          <a:lstStyle/>
+          <a:p>
+            <a:r>
+              <a:rPr lang="en-US" dirty="0"/>
+              <a:t>We learnt few features of node js, which enables us to design a MVC application where middleware interacts with backend. </a:t>
+            </a:r>
+          </a:p>
+          <a:p>
+            <a:r>
+              <a:rPr lang="en-US" dirty="0"/>
+              <a:t>We user atlas mongo db as our database, which is primarily used for node js</a:t>
+            </a:r>
+          </a:p>
+          <a:p>
+            <a:r>
+              <a:rPr lang="en-US" dirty="0"/>
+              <a:t>Always prefer node js for faster applications and not for CPU intensive applications</a:t>
+            </a:r>
+          </a:p>
+        </p:txBody>
+      </p:sp>
+      <p:sp>
+        <p:nvSpPr>
+          <p:cNvPr id="4" name="Date Placeholder 3">
+            <a:extLst>
+              <a:ext uri="{FF2B5EF4-FFF2-40B4-BE49-F238E27FC236}">
+                <a16:creationId xmlns:a16="http://schemas.microsoft.com/office/drawing/2014/main" id="{00560550-EE65-43CE-B899-F421E74287A1}"/>
+              </a:ext>
+            </a:extLst>
+          </p:cNvPr>
+          <p:cNvSpPr>
+            <a:spLocks noGrp="1"/>
+          </p:cNvSpPr>
+          <p:nvPr>
+            <p:ph type="dt" sz="half" idx="10"/>
+          </p:nvPr>
+        </p:nvSpPr>
+        <p:spPr>
+          <a:xfrm>
+            <a:off x="838200" y="6356350"/>
+            <a:ext cx="2743200" cy="365125"/>
+          </a:xfrm>
+        </p:spPr>
+        <p:txBody>
+          <a:bodyPr/>
+          <a:lstStyle/>
+          <a:p>
+            <a:r>
+              <a:rPr lang="en-US" dirty="0"/>
+              <a:t>20XX</a:t>
+            </a:r>
+          </a:p>
+        </p:txBody>
+      </p:sp>
+      <p:sp>
+        <p:nvSpPr>
+          <p:cNvPr id="5" name="Footer Placeholder 4">
+            <a:extLst>
+              <a:ext uri="{FF2B5EF4-FFF2-40B4-BE49-F238E27FC236}">
+                <a16:creationId xmlns:a16="http://schemas.microsoft.com/office/drawing/2014/main" id="{4135E32A-1A8C-43D2-9C6E-12887B4DEDFB}"/>
+              </a:ext>
+            </a:extLst>
+          </p:cNvPr>
+          <p:cNvSpPr>
+            <a:spLocks noGrp="1"/>
+          </p:cNvSpPr>
+          <p:nvPr>
+            <p:ph type="ftr" sz="quarter" idx="11"/>
+          </p:nvPr>
+        </p:nvSpPr>
+        <p:spPr>
+          <a:xfrm>
+            <a:off x="4038600" y="6356350"/>
+            <a:ext cx="4114800" cy="365125"/>
+          </a:xfrm>
+        </p:spPr>
+        <p:txBody>
+          <a:bodyPr/>
+          <a:lstStyle/>
+          <a:p>
+            <a:r>
+              <a:rPr lang="en-US" dirty="0"/>
+              <a:t>PRESENTATION TITLE</a:t>
+            </a:r>
+          </a:p>
+        </p:txBody>
+      </p:sp>
+      <p:sp>
+        <p:nvSpPr>
+          <p:cNvPr id="6" name="Slide Number Placeholder 5">
+            <a:extLst>
+              <a:ext uri="{FF2B5EF4-FFF2-40B4-BE49-F238E27FC236}">
+                <a16:creationId xmlns:a16="http://schemas.microsoft.com/office/drawing/2014/main" id="{7C4B8313-9270-4128-8674-3A3E42B806BC}"/>
+              </a:ext>
+            </a:extLst>
+          </p:cNvPr>
+          <p:cNvSpPr>
+            <a:spLocks noGrp="1"/>
+          </p:cNvSpPr>
+          <p:nvPr>
+            <p:ph type="sldNum" sz="quarter" idx="12"/>
+          </p:nvPr>
+        </p:nvSpPr>
+        <p:spPr>
+          <a:xfrm>
+            <a:off x="8610600" y="6356350"/>
+            <a:ext cx="2743200" cy="365125"/>
+          </a:xfrm>
+        </p:spPr>
+        <p:txBody>
+          <a:bodyPr/>
+          <a:lstStyle/>
+          <a:p>
+            <a:fld id="{A49DFD55-3C28-40EF-9E31-A92D2E4017FF}" type="slidenum">
+              <a:rPr lang="en-US" smtClean="0"/>
+              <a:pPr/>
+              <a:t>35</a:t>
             </a:fld>
             <a:endParaRPr lang="en-US" dirty="0"/>
           </a:p>
@@ -22098,7 +22434,7 @@
         <p:spPr>
           <a:xfrm>
             <a:off x="686213" y="1465262"/>
-            <a:ext cx="8139734" cy="2011158"/>
+            <a:ext cx="8139734" cy="1234566"/>
           </a:xfrm>
         </p:spPr>
         <p:txBody>
@@ -22112,36 +22448,27 @@
               <a:buChar char="q"/>
             </a:pPr>
             <a:r>
-              <a:rPr lang="en-US" sz="1800" dirty="0"/>
+              <a:rPr lang="en-US" sz="1500" dirty="0"/>
               <a:t>Works on </a:t>
             </a:r>
             <a:r>
-              <a:rPr lang="en-US" sz="1800" i="1" dirty="0"/>
+              <a:rPr lang="en-US" sz="1500" i="1" dirty="0"/>
               <a:t>Request-Response </a:t>
             </a:r>
             <a:r>
-              <a:rPr lang="en-US" sz="1800" dirty="0"/>
+              <a:rPr lang="en-US" sz="1500" dirty="0"/>
               <a:t>paradigm</a:t>
             </a:r>
           </a:p>
           <a:p>
             <a:r>
-              <a:rPr lang="en-US" sz="1800" dirty="0">
+              <a:rPr lang="en-US" sz="1500" dirty="0">
                 <a:solidFill>
                   <a:srgbClr val="7030A0"/>
                 </a:solidFill>
                 <a:latin typeface="Abadi" panose="020B0604020104020204" pitchFamily="34" charset="0"/>
               </a:rPr>
-              <a:t> </a:t>
-            </a:r>
-            <a:r>
-              <a:rPr lang="en-US" dirty="0">
-                <a:solidFill>
-                  <a:srgbClr val="7030A0"/>
-                </a:solidFill>
-                <a:latin typeface="Abadi" panose="020B0604020104020204" pitchFamily="34" charset="0"/>
-              </a:rPr>
-              <a:t>\home\chandra\nodejs-learnings\http_server.js</a:t>
+              <a:t> \home\chandra\nodejs-learnings\http_server.js</a:t>
             </a:r>
           </a:p>
           <a:p>
@@ -22150,7 +22477,7 @@
               <a:buChar char="q"/>
             </a:pPr>
             <a:r>
-              <a:rPr lang="en-US" sz="1800" dirty="0"/>
+              <a:rPr lang="en-US" sz="1500" dirty="0"/>
               <a:t>Will work on various details or req, res object in subsequent demos</a:t>
             </a:r>
           </a:p>
@@ -22303,8 +22630,8 @@
         </p:nvSpPr>
         <p:spPr>
           <a:xfrm>
-            <a:off x="686213" y="3640658"/>
-            <a:ext cx="8139734" cy="2269811"/>
+            <a:off x="686213" y="3429000"/>
+            <a:ext cx="8139734" cy="2711824"/>
           </a:xfrm>
           <a:prstGeom prst="rect">
             <a:avLst/>
@@ -22312,7 +22639,7 @@
         </p:spPr>
         <p:txBody>
           <a:bodyPr vert="horz" lIns="91440" tIns="45720" rIns="91440" bIns="45720" rtlCol="0">
-            <a:normAutofit/>
+            <a:normAutofit fontScale="85000" lnSpcReduction="20000"/>
           </a:bodyPr>
           <a:lstStyle>
             <a:lvl1pPr marL="0" indent="0" algn="l" defTabSz="914400" rtl="0" eaLnBrk="1" latinLnBrk="0" hangingPunct="1">
@@ -22501,7 +22828,37 @@
             </a:pPr>
             <a:r>
               <a:rPr lang="en-US" sz="1800" dirty="0"/>
-              <a:t>Different actions on different URLs</a:t>
+              <a:t>JSON is JavaScript Object Notation, a way in which client and server can exchange information</a:t>
+            </a:r>
+          </a:p>
+          <a:p>
+            <a:pPr marL="285750" indent="-285750">
+              <a:buFont typeface="Wingdings" panose="05000000000000000000" pitchFamily="2" charset="2"/>
+              <a:buChar char="q"/>
+            </a:pPr>
+            <a:r>
+              <a:rPr lang="en-US" sz="1800" dirty="0"/>
+              <a:t>JSON is collection of key and values</a:t>
+            </a:r>
+          </a:p>
+          <a:p>
+            <a:pPr marL="285750" indent="-285750">
+              <a:buFont typeface="Wingdings" panose="05000000000000000000" pitchFamily="2" charset="2"/>
+              <a:buChar char="q"/>
+            </a:pPr>
+            <a:r>
+              <a:rPr lang="en-US" sz="1800" dirty="0"/>
+              <a:t>A URL can be parsed, and different actions can be initiated on different request (path)</a:t>
+            </a:r>
+          </a:p>
+          <a:p>
+            <a:pPr marL="285750" indent="-285750">
+              <a:buFont typeface="Wingdings" panose="05000000000000000000" pitchFamily="2" charset="2"/>
+              <a:buChar char="q"/>
+            </a:pPr>
+            <a:r>
+              <a:rPr lang="en-US" sz="1800" dirty="0"/>
+              <a:t>Headers will allow client/servers to know what is coming their way</a:t>
             </a:r>
           </a:p>
           <a:p>
@@ -22600,7 +22957,7 @@
         </p:nvSpPr>
         <p:spPr>
           <a:xfrm>
-            <a:off x="686213" y="3018475"/>
+            <a:off x="766895" y="2699828"/>
             <a:ext cx="5111750" cy="478593"/>
           </a:xfrm>
           <a:prstGeom prst="rect">
@@ -22633,7 +22990,7 @@
           <a:p>
             <a:r>
               <a:rPr lang="en-US" sz="2000" dirty="0"/>
-              <a:t>Routing</a:t>
+              <a:t>Routing and headers</a:t>
             </a:r>
           </a:p>
         </p:txBody>
@@ -22698,15 +23055,7 @@
           <a:p>
             <a:r>
               <a:rPr lang="en-US" sz="2400" dirty="0"/>
-              <a:t>WEB server </a:t>
-            </a:r>
-            <a:r>
-              <a:rPr lang="en-US" sz="2400" dirty="0" err="1"/>
-              <a:t>contd</a:t>
-            </a:r>
-            <a:r>
-              <a:rPr lang="en-US" sz="2400" dirty="0"/>
-              <a:t>…</a:t>
+              <a:t>JSON parsing</a:t>
             </a:r>
           </a:p>
         </p:txBody>
@@ -22729,13 +23078,13 @@
         </p:nvSpPr>
         <p:spPr>
           <a:xfrm>
-            <a:off x="686213" y="1465262"/>
-            <a:ext cx="8139734" cy="2011158"/>
+            <a:off x="838199" y="954273"/>
+            <a:ext cx="9462247" cy="3178455"/>
           </a:xfrm>
         </p:spPr>
         <p:txBody>
           <a:bodyPr>
-            <a:normAutofit lnSpcReduction="10000"/>
+            <a:normAutofit/>
           </a:bodyPr>
           <a:lstStyle/>
           <a:p>
@@ -22745,7 +23094,7 @@
             </a:pPr>
             <a:r>
               <a:rPr lang="en-US" sz="1800" dirty="0"/>
-              <a:t>Object in NodeJS got properties and functions</a:t>
+              <a:t>There are parsers/objects available in almost all languages to parse JSON</a:t>
             </a:r>
           </a:p>
           <a:p>
@@ -22754,8 +23103,12 @@
               <a:buChar char="q"/>
             </a:pPr>
             <a:r>
+              <a:rPr lang="en-US" sz="1800" dirty="0" err="1"/>
+              <a:t>JSON.parse</a:t>
+            </a:r>
+            <a:r>
               <a:rPr lang="en-US" sz="1800" dirty="0"/>
-              <a:t>The ‘url’ module got one such object i.e., url which got properties and functions to do useful operations with URL</a:t>
+              <a:t> will convert string object to JSON (string should be in JSON format)</a:t>
             </a:r>
           </a:p>
           <a:p>
@@ -22764,8 +23117,12 @@
               <a:buChar char="q"/>
             </a:pPr>
             <a:r>
+              <a:rPr lang="en-US" sz="1800" dirty="0" err="1"/>
+              <a:t>JSON.stringify</a:t>
+            </a:r>
+            <a:r>
               <a:rPr lang="en-US" sz="1800" dirty="0"/>
-              <a:t>‘parse’ function gives us important properties, to write meaningful operations</a:t>
+              <a:t> will convert JSON object to string representation</a:t>
             </a:r>
           </a:p>
           <a:p>
@@ -22785,8 +23142,11 @@
                 </a:solidFill>
                 <a:latin typeface="Abadi" panose="020B0604020104020204" pitchFamily="34" charset="0"/>
               </a:rPr>
-              <a:t>\home\chandra\nodejs-learnings\url_parsing.js</a:t>
-            </a:r>
+              <a:t>\home\chandra\nodejs-learnings\parsing_json.js</a:t>
+            </a:r>
+          </a:p>
+          <a:p>
+            <a:endParaRPr lang="en-US" sz="1800" dirty="0"/>
           </a:p>
           <a:p>
             <a:endParaRPr lang="en-US" dirty="0"/>
@@ -22864,64 +23224,10 @@
           </a:p>
         </p:txBody>
       </p:sp>
-      <p:sp>
-        <p:nvSpPr>
-          <p:cNvPr id="5" name="Title 1">
-            <a:extLst>
-              <a:ext uri="{FF2B5EF4-FFF2-40B4-BE49-F238E27FC236}">
-                <a16:creationId xmlns:a16="http://schemas.microsoft.com/office/drawing/2014/main" id="{8BDB9885-AD79-5813-EBF0-6FBD816A4205}"/>
-              </a:ext>
-            </a:extLst>
-          </p:cNvPr>
-          <p:cNvSpPr txBox="1">
-            <a:spLocks/>
-          </p:cNvSpPr>
-          <p:nvPr/>
-        </p:nvSpPr>
-        <p:spPr>
-          <a:xfrm>
-            <a:off x="686213" y="822430"/>
-            <a:ext cx="5111750" cy="478593"/>
-          </a:xfrm>
-          <a:prstGeom prst="rect">
-            <a:avLst/>
-          </a:prstGeom>
-        </p:spPr>
-        <p:txBody>
-          <a:bodyPr vert="horz" lIns="91440" tIns="45720" rIns="91440" bIns="45720" rtlCol="0" anchor="b">
-            <a:normAutofit/>
-          </a:bodyPr>
-          <a:lstStyle>
-            <a:lvl1pPr algn="l" defTabSz="914400" rtl="0" eaLnBrk="1" latinLnBrk="0" hangingPunct="1">
-              <a:lnSpc>
-                <a:spcPct val="90000"/>
-              </a:lnSpc>
-              <a:spcBef>
-                <a:spcPct val="0"/>
-              </a:spcBef>
-              <a:buNone/>
-              <a:defRPr lang="en-US" sz="2800" kern="1200" cap="all" spc="150" baseline="0" dirty="0">
-                <a:solidFill>
-                  <a:schemeClr val="tx1"/>
-                </a:solidFill>
-                <a:latin typeface="+mj-lt"/>
-                <a:ea typeface="+mj-ea"/>
-                <a:cs typeface="+mj-cs"/>
-              </a:defRPr>
-            </a:lvl1pPr>
-          </a:lstStyle>
-          <a:p>
-            <a:r>
-              <a:rPr lang="en-US" sz="2000" dirty="0"/>
-              <a:t>URL parsing</a:t>
-            </a:r>
-          </a:p>
-        </p:txBody>
-      </p:sp>
     </p:spTree>
     <p:extLst>
       <p:ext uri="{BB962C8B-B14F-4D97-AF65-F5344CB8AC3E}">
-        <p14:creationId xmlns:p14="http://schemas.microsoft.com/office/powerpoint/2010/main" val="140438148"/>
+        <p14:creationId xmlns:p14="http://schemas.microsoft.com/office/powerpoint/2010/main" val="3390156523"/>
       </p:ext>
     </p:extLst>
   </p:cSld>

--- a/nodejs-learnings/nodejs_learnings.pptx
+++ b/nodejs-learnings/nodejs_learnings.pptx
@@ -14923,7 +14923,7 @@
             </a:pPr>
             <a:r>
               <a:rPr lang="en-US" sz="1800" dirty="0"/>
-              <a:t>Promise is object, which is immediately available, and it promise us to return some data In future</a:t>
+              <a:t>Promise is object, which is immediately available, and it promise us to return some data In future </a:t>
             </a:r>
           </a:p>
           <a:p>
@@ -14933,15 +14933,15 @@
             </a:pPr>
             <a:r>
               <a:rPr lang="en-US" sz="1800" dirty="0"/>
-              <a:t>Promise can be in </a:t>
-            </a:r>
-            <a:r>
-              <a:rPr lang="en-US" sz="1800" i="1" dirty="0"/>
-              <a:t>pending</a:t>
+              <a:t>Eventual completion (or failure) of </a:t>
+            </a:r>
+            <a:r>
+              <a:rPr lang="en-US" sz="1800" dirty="0" err="1"/>
+              <a:t>asyn</a:t>
             </a:r>
             <a:r>
               <a:rPr lang="en-US" sz="1800" dirty="0"/>
-              <a:t> state, while data is not available</a:t>
+              <a:t> operation</a:t>
             </a:r>
           </a:p>
           <a:p>
@@ -14951,7 +14951,7 @@
             </a:pPr>
             <a:r>
               <a:rPr lang="en-US" sz="1800" dirty="0"/>
-              <a:t>Promise when gets data, is in </a:t>
+              <a:t>Promise is in </a:t>
             </a:r>
             <a:r>
               <a:rPr lang="en-US" sz="1800" i="1" dirty="0"/>
@@ -14959,7 +14959,7 @@
             </a:r>
             <a:r>
               <a:rPr lang="en-US" sz="1800" dirty="0"/>
-              <a:t> state</a:t>
+              <a:t> state, when the operation is completed</a:t>
             </a:r>
           </a:p>
           <a:p>

--- a/nodejs-learnings/nodejs_learnings.pptx
+++ b/nodejs-learnings/nodejs_learnings.pptx
@@ -249,7 +249,7 @@
           <a:p>
             <a:fld id="{B56F32FC-4BD9-442A-A8C6-51598C909FE3}" type="datetimeFigureOut">
               <a:rPr lang="en-US" smtClean="0"/>
-              <a:t>3/16/2024</a:t>
+              <a:t>3/30/2024</a:t>
             </a:fld>
             <a:endParaRPr lang="en-US" dirty="0"/>
           </a:p>
@@ -426,7 +426,7 @@
           <a:p>
             <a:fld id="{056371FA-A98D-41E8-93F4-09945841298A}" type="datetimeFigureOut">
               <a:rPr lang="en-US" smtClean="0"/>
-              <a:t>3/16/2024</a:t>
+              <a:t>3/30/2024</a:t>
             </a:fld>
             <a:endParaRPr lang="en-US" dirty="0"/>
           </a:p>
@@ -17709,7 +17709,15 @@
             </a:pPr>
             <a:r>
               <a:rPr lang="en-US" sz="1600" dirty="0"/>
-              <a:t>Fruit_controller_2.js is not having validation , </a:t>
+              <a:t>Fruit_controller_2.js </a:t>
+            </a:r>
+            <a:r>
+              <a:rPr lang="en-US" sz="1600"/>
+              <a:t>is now </a:t>
+            </a:r>
+            <a:r>
+              <a:rPr lang="en-US" sz="1600" dirty="0"/>
+              <a:t>having validation , </a:t>
             </a:r>
             <a:r>
               <a:rPr lang="en-US" sz="1600" dirty="0" err="1"/>
@@ -18989,7 +18997,7 @@
                 </a:solidFill>
                 <a:latin typeface="Abadi" panose="020B0604020104020204" pitchFamily="34" charset="0"/>
               </a:rPr>
-              <a:t>COURSE=DEV_OPS node nodejs-learnings\express_demo\server_5.js</a:t>
+              <a:t>COURSE=DEV_OPS node nodejs-learnings\express_demo\server_6.js</a:t>
             </a:r>
             <a:endParaRPr lang="en-US" sz="1200" dirty="0">
               <a:solidFill>
@@ -20291,6 +20299,16 @@
               <a:buChar char="q"/>
             </a:pPr>
             <a:endParaRPr lang="en-US" sz="1600" dirty="0"/>
+          </a:p>
+          <a:p>
+            <a:pPr marL="285750" indent="-285750">
+              <a:buFont typeface="Wingdings" panose="05000000000000000000" pitchFamily="2" charset="2"/>
+              <a:buChar char="q"/>
+            </a:pPr>
+            <a:r>
+              <a:rPr lang="en-US" sz="1600" dirty="0"/>
+              <a:t>Also see next slide for initial data creation</a:t>
+            </a:r>
           </a:p>
           <a:p>
             <a:pPr marL="285750" indent="-285750">
@@ -24029,6 +24047,15 @@
 </file>
 
 <file path=customXml/item1.xml><?xml version="1.0" encoding="utf-8"?>
+<?mso-contentType ?>
+<FormTemplates xmlns="http://schemas.microsoft.com/sharepoint/v3/contenttype/forms">
+  <Display>DocumentLibraryForm</Display>
+  <Edit>DocumentLibraryForm</Edit>
+  <New>DocumentLibraryForm</New>
+</FormTemplates>
+</file>
+
+<file path=customXml/item2.xml><?xml version="1.0" encoding="utf-8"?>
 <p:properties xmlns:p="http://schemas.microsoft.com/office/2006/metadata/properties" xmlns:xsi="http://www.w3.org/2001/XMLSchema-instance" xmlns:pc="http://schemas.microsoft.com/office/infopath/2007/PartnerControls">
   <documentManagement>
     <_ip_UnifiedCompliancePolicyUIAction xmlns="http://schemas.microsoft.com/sharepoint/v3" xsi:nil="true"/>
@@ -24045,15 +24072,6 @@
     <MediaServiceKeyPoints xmlns="71af3243-3dd4-4a8d-8c0d-dd76da1f02a5" xsi:nil="true"/>
   </documentManagement>
 </p:properties>
-</file>
-
-<file path=customXml/item2.xml><?xml version="1.0" encoding="utf-8"?>
-<?mso-contentType ?>
-<FormTemplates xmlns="http://schemas.microsoft.com/sharepoint/v3/contenttype/forms">
-  <Display>DocumentLibraryForm</Display>
-  <Edit>DocumentLibraryForm</Edit>
-  <New>DocumentLibraryForm</New>
-</FormTemplates>
 </file>
 
 <file path=customXml/item3.xml><?xml version="1.0" encoding="utf-8"?>
@@ -24333,6 +24351,14 @@
 </file>
 
 <file path=customXml/itemProps1.xml><?xml version="1.0" encoding="utf-8"?>
+<ds:datastoreItem xmlns:ds="http://schemas.openxmlformats.org/officeDocument/2006/customXml" ds:itemID="{0FD6FE22-81A0-4500-AFD0-342D21BB9A2C}">
+  <ds:schemaRefs>
+    <ds:schemaRef ds:uri="http://schemas.microsoft.com/sharepoint/v3/contenttype/forms"/>
+  </ds:schemaRefs>
+</ds:datastoreItem>
+</file>
+
+<file path=customXml/itemProps2.xml><?xml version="1.0" encoding="utf-8"?>
 <ds:datastoreItem xmlns:ds="http://schemas.openxmlformats.org/officeDocument/2006/customXml" ds:itemID="{29C43685-694E-4579-B109-3C418D49DA65}">
   <ds:schemaRefs>
     <ds:schemaRef ds:uri="http://schemas.microsoft.com/office/2006/metadata/properties"/>
@@ -24340,14 +24366,6 @@
     <ds:schemaRef ds:uri="http://schemas.microsoft.com/sharepoint/v3"/>
     <ds:schemaRef ds:uri="71af3243-3dd4-4a8d-8c0d-dd76da1f02a5"/>
     <ds:schemaRef ds:uri="230e9df3-be65-4c73-a93b-d1236ebd677e"/>
-  </ds:schemaRefs>
-</ds:datastoreItem>
-</file>
-
-<file path=customXml/itemProps2.xml><?xml version="1.0" encoding="utf-8"?>
-<ds:datastoreItem xmlns:ds="http://schemas.openxmlformats.org/officeDocument/2006/customXml" ds:itemID="{0FD6FE22-81A0-4500-AFD0-342D21BB9A2C}">
-  <ds:schemaRefs>
-    <ds:schemaRef ds:uri="http://schemas.microsoft.com/sharepoint/v3/contenttype/forms"/>
   </ds:schemaRefs>
 </ds:datastoreItem>
 </file>
